--- a/宣道詩/(宣道詩1)擁戴為王.pptx
+++ b/宣道詩/(宣道詩1)擁戴為王.pptx
@@ -5,11 +5,27 @@
     <p:sldMasterId id="2147483660" r:id="rId1"/>
   </p:sldMasterIdLst>
   <p:sldIdLst>
-    <p:sldId id="256" r:id="rId2"/>
-    <p:sldId id="258" r:id="rId3"/>
-    <p:sldId id="260" r:id="rId4"/>
-    <p:sldId id="262" r:id="rId5"/>
-    <p:sldId id="264" r:id="rId6"/>
+    <p:sldId id="265" r:id="rId2"/>
+    <p:sldId id="266" r:id="rId3"/>
+    <p:sldId id="267" r:id="rId4"/>
+    <p:sldId id="268" r:id="rId5"/>
+    <p:sldId id="269" r:id="rId6"/>
+    <p:sldId id="270" r:id="rId7"/>
+    <p:sldId id="271" r:id="rId8"/>
+    <p:sldId id="272" r:id="rId9"/>
+    <p:sldId id="273" r:id="rId10"/>
+    <p:sldId id="274" r:id="rId11"/>
+    <p:sldId id="275" r:id="rId12"/>
+    <p:sldId id="276" r:id="rId13"/>
+    <p:sldId id="277" r:id="rId14"/>
+    <p:sldId id="278" r:id="rId15"/>
+    <p:sldId id="279" r:id="rId16"/>
+    <p:sldId id="280" r:id="rId17"/>
+    <p:sldId id="281" r:id="rId18"/>
+    <p:sldId id="282" r:id="rId19"/>
+    <p:sldId id="283" r:id="rId20"/>
+    <p:sldId id="284" r:id="rId21"/>
+    <p:sldId id="285" r:id="rId22"/>
   </p:sldIdLst>
   <p:sldSz cx="9144000" cy="5143500" type="screen16x9"/>
   <p:notesSz cx="6858000" cy="9144000"/>
@@ -108,6 +124,22 @@
       </a:defRPr>
     </a:lvl9pPr>
   </p:defaultTextStyle>
+  <p:extLst>
+    <p:ext uri="{EFAFB233-063F-42B5-8137-9DF3F51BA10A}">
+      <p15:sldGuideLst xmlns:p15="http://schemas.microsoft.com/office/powerpoint/2012/main">
+        <p15:guide id="1" orient="horz" pos="1620">
+          <p15:clr>
+            <a:srgbClr val="A4A3A4"/>
+          </p15:clr>
+        </p15:guide>
+        <p15:guide id="2" pos="2880">
+          <p15:clr>
+            <a:srgbClr val="A4A3A4"/>
+          </p15:clr>
+        </p15:guide>
+      </p15:sldGuideLst>
+    </p:ext>
+  </p:extLst>
 </p:presentation>
 </file>
 
@@ -292,7 +324,7 @@
           <a:p>
             <a:fld id="{8ACD5DE7-6A17-44FC-86F1-EC2EE6B5147A}" type="datetimeFigureOut">
               <a:rPr lang="zh-TW" altLang="en-US" smtClean="0"/>
-              <a:t>2019/8/31</a:t>
+              <a:t>2021/8/11</a:t>
             </a:fld>
             <a:endParaRPr lang="zh-TW" altLang="en-US"/>
           </a:p>
@@ -457,7 +489,7 @@
           <a:p>
             <a:fld id="{8ACD5DE7-6A17-44FC-86F1-EC2EE6B5147A}" type="datetimeFigureOut">
               <a:rPr lang="zh-TW" altLang="en-US" smtClean="0"/>
-              <a:t>2019/8/31</a:t>
+              <a:t>2021/8/11</a:t>
             </a:fld>
             <a:endParaRPr lang="zh-TW" altLang="en-US"/>
           </a:p>
@@ -632,7 +664,7 @@
           <a:p>
             <a:fld id="{8ACD5DE7-6A17-44FC-86F1-EC2EE6B5147A}" type="datetimeFigureOut">
               <a:rPr lang="zh-TW" altLang="en-US" smtClean="0"/>
-              <a:t>2019/8/31</a:t>
+              <a:t>2021/8/11</a:t>
             </a:fld>
             <a:endParaRPr lang="zh-TW" altLang="en-US"/>
           </a:p>
@@ -797,7 +829,7 @@
           <a:p>
             <a:fld id="{8ACD5DE7-6A17-44FC-86F1-EC2EE6B5147A}" type="datetimeFigureOut">
               <a:rPr lang="zh-TW" altLang="en-US" smtClean="0"/>
-              <a:t>2019/8/31</a:t>
+              <a:t>2021/8/11</a:t>
             </a:fld>
             <a:endParaRPr lang="zh-TW" altLang="en-US"/>
           </a:p>
@@ -1038,7 +1070,7 @@
           <a:p>
             <a:fld id="{8ACD5DE7-6A17-44FC-86F1-EC2EE6B5147A}" type="datetimeFigureOut">
               <a:rPr lang="zh-TW" altLang="en-US" smtClean="0"/>
-              <a:t>2019/8/31</a:t>
+              <a:t>2021/8/11</a:t>
             </a:fld>
             <a:endParaRPr lang="zh-TW" altLang="en-US"/>
           </a:p>
@@ -1321,7 +1353,7 @@
           <a:p>
             <a:fld id="{8ACD5DE7-6A17-44FC-86F1-EC2EE6B5147A}" type="datetimeFigureOut">
               <a:rPr lang="zh-TW" altLang="en-US" smtClean="0"/>
-              <a:t>2019/8/31</a:t>
+              <a:t>2021/8/11</a:t>
             </a:fld>
             <a:endParaRPr lang="zh-TW" altLang="en-US"/>
           </a:p>
@@ -1738,7 +1770,7 @@
           <a:p>
             <a:fld id="{8ACD5DE7-6A17-44FC-86F1-EC2EE6B5147A}" type="datetimeFigureOut">
               <a:rPr lang="zh-TW" altLang="en-US" smtClean="0"/>
-              <a:t>2019/8/31</a:t>
+              <a:t>2021/8/11</a:t>
             </a:fld>
             <a:endParaRPr lang="zh-TW" altLang="en-US"/>
           </a:p>
@@ -1851,7 +1883,7 @@
           <a:p>
             <a:fld id="{8ACD5DE7-6A17-44FC-86F1-EC2EE6B5147A}" type="datetimeFigureOut">
               <a:rPr lang="zh-TW" altLang="en-US" smtClean="0"/>
-              <a:t>2019/8/31</a:t>
+              <a:t>2021/8/11</a:t>
             </a:fld>
             <a:endParaRPr lang="zh-TW" altLang="en-US"/>
           </a:p>
@@ -1941,7 +1973,7 @@
           <a:p>
             <a:fld id="{8ACD5DE7-6A17-44FC-86F1-EC2EE6B5147A}" type="datetimeFigureOut">
               <a:rPr lang="zh-TW" altLang="en-US" smtClean="0"/>
-              <a:t>2019/8/31</a:t>
+              <a:t>2021/8/11</a:t>
             </a:fld>
             <a:endParaRPr lang="zh-TW" altLang="en-US"/>
           </a:p>
@@ -2213,7 +2245,7 @@
           <a:p>
             <a:fld id="{8ACD5DE7-6A17-44FC-86F1-EC2EE6B5147A}" type="datetimeFigureOut">
               <a:rPr lang="zh-TW" altLang="en-US" smtClean="0"/>
-              <a:t>2019/8/31</a:t>
+              <a:t>2021/8/11</a:t>
             </a:fld>
             <a:endParaRPr lang="zh-TW" altLang="en-US"/>
           </a:p>
@@ -2465,7 +2497,7 @@
           <a:p>
             <a:fld id="{8ACD5DE7-6A17-44FC-86F1-EC2EE6B5147A}" type="datetimeFigureOut">
               <a:rPr lang="zh-TW" altLang="en-US" smtClean="0"/>
-              <a:t>2019/8/31</a:t>
+              <a:t>2021/8/11</a:t>
             </a:fld>
             <a:endParaRPr lang="zh-TW" altLang="en-US"/>
           </a:p>
@@ -2678,7 +2710,7 @@
           <a:p>
             <a:fld id="{8ACD5DE7-6A17-44FC-86F1-EC2EE6B5147A}" type="datetimeFigureOut">
               <a:rPr lang="zh-TW" altLang="en-US" smtClean="0"/>
-              <a:t>2019/8/31</a:t>
+              <a:t>2021/8/11</a:t>
             </a:fld>
             <a:endParaRPr lang="zh-TW" altLang="en-US"/>
           </a:p>
@@ -3050,48 +3082,18 @@
       </p:grpSpPr>
       <p:sp>
         <p:nvSpPr>
-          <p:cNvPr id="2" name="標題 1"/>
+          <p:cNvPr id="4" name="標題 3"/>
           <p:cNvSpPr>
             <a:spLocks noGrp="1"/>
           </p:cNvSpPr>
           <p:nvPr>
             <p:ph type="title"/>
-          </p:nvPr>
-        </p:nvSpPr>
-        <p:spPr/>
-        <p:txBody>
-          <a:bodyPr>
-            <a:normAutofit/>
-          </a:bodyPr>
-          <a:lstStyle/>
-          <a:p>
-            <a:r>
-              <a:rPr lang="zh-TW" altLang="en-US" sz="4000" b="1" dirty="0">
-                <a:solidFill>
-                  <a:srgbClr val="000066"/>
-                </a:solidFill>
-                <a:latin typeface="微軟正黑體" pitchFamily="34" charset="-120"/>
-                <a:ea typeface="微軟正黑體" pitchFamily="34" charset="-120"/>
-              </a:rPr>
-              <a:t>擁戴為王</a:t>
-            </a:r>
-          </a:p>
-        </p:txBody>
-      </p:sp>
-      <p:sp>
-        <p:nvSpPr>
-          <p:cNvPr id="4" name="內容版面配置區 3"/>
-          <p:cNvSpPr>
-            <a:spLocks noGrp="1"/>
-          </p:cNvSpPr>
-          <p:nvPr>
-            <p:ph idx="1"/>
           </p:nvPr>
         </p:nvSpPr>
         <p:spPr>
           <a:xfrm>
-            <a:off x="0" y="1200151"/>
-            <a:ext cx="9144000" cy="3394472"/>
+            <a:off x="0" y="1995686"/>
+            <a:ext cx="9144000" cy="857250"/>
           </a:xfrm>
         </p:spPr>
         <p:txBody>
@@ -3100,13 +3102,176 @@
           </a:bodyPr>
           <a:lstStyle/>
           <a:p>
+            <a:r>
+              <a:rPr lang="zh-CN" altLang="en-US" sz="4000" b="1" u="sng" dirty="0">
+                <a:solidFill>
+                  <a:srgbClr val="000066"/>
+                </a:solidFill>
+                <a:effectLst>
+                  <a:outerShdw blurRad="38100" dist="38100" dir="2700000" algn="tl">
+                    <a:srgbClr val="000000">
+                      <a:alpha val="43137"/>
+                    </a:srgbClr>
+                  </a:outerShdw>
+                </a:effectLst>
+                <a:latin typeface="微軟正黑體" pitchFamily="34" charset="-120"/>
+                <a:ea typeface="微軟正黑體" pitchFamily="34" charset="-120"/>
+              </a:rPr>
+              <a:t>宣道詩 </a:t>
+            </a:r>
+            <a:r>
+              <a:rPr lang="en-US" altLang="zh-CN" sz="4000" b="1" u="sng" dirty="0" smtClean="0">
+                <a:solidFill>
+                  <a:srgbClr val="000066"/>
+                </a:solidFill>
+                <a:effectLst>
+                  <a:outerShdw blurRad="38100" dist="38100" dir="2700000" algn="tl">
+                    <a:srgbClr val="000000">
+                      <a:alpha val="43137"/>
+                    </a:srgbClr>
+                  </a:outerShdw>
+                </a:effectLst>
+                <a:latin typeface="微軟正黑體" pitchFamily="34" charset="-120"/>
+                <a:ea typeface="微軟正黑體" pitchFamily="34" charset="-120"/>
+              </a:rPr>
+              <a:t>1</a:t>
+            </a:r>
+            <a:r>
+              <a:rPr lang="en-US" altLang="zh-CN" sz="5400" b="1" i="1" dirty="0">
+                <a:solidFill>
+                  <a:srgbClr val="660033"/>
+                </a:solidFill>
+                <a:effectLst>
+                  <a:outerShdw blurRad="38100" dist="38100" dir="2700000" algn="tl">
+                    <a:srgbClr val="000000">
+                      <a:alpha val="43137"/>
+                    </a:srgbClr>
+                  </a:outerShdw>
+                </a:effectLst>
+                <a:latin typeface="微軟正黑體" pitchFamily="34" charset="-120"/>
+                <a:ea typeface="微軟正黑體" pitchFamily="34" charset="-120"/>
+              </a:rPr>
+              <a:t/>
+            </a:r>
+            <a:br>
+              <a:rPr lang="en-US" altLang="zh-CN" sz="5400" b="1" i="1" dirty="0">
+                <a:solidFill>
+                  <a:srgbClr val="660033"/>
+                </a:solidFill>
+                <a:effectLst>
+                  <a:outerShdw blurRad="38100" dist="38100" dir="2700000" algn="tl">
+                    <a:srgbClr val="000000">
+                      <a:alpha val="43137"/>
+                    </a:srgbClr>
+                  </a:outerShdw>
+                </a:effectLst>
+                <a:latin typeface="微軟正黑體" pitchFamily="34" charset="-120"/>
+                <a:ea typeface="微軟正黑體" pitchFamily="34" charset="-120"/>
+              </a:rPr>
+            </a:br>
+            <a:r>
+              <a:rPr lang="zh-TW" altLang="en-US" sz="6000" b="1" dirty="0" smtClean="0">
+                <a:solidFill>
+                  <a:srgbClr val="660033"/>
+                </a:solidFill>
+                <a:effectLst>
+                  <a:outerShdw blurRad="38100" dist="38100" dir="2700000" algn="tl">
+                    <a:srgbClr val="000000">
+                      <a:alpha val="43137"/>
+                    </a:srgbClr>
+                  </a:outerShdw>
+                </a:effectLst>
+                <a:latin typeface="微軟正黑體" pitchFamily="34" charset="-120"/>
+                <a:ea typeface="微軟正黑體" pitchFamily="34" charset="-120"/>
+              </a:rPr>
+              <a:t>擁</a:t>
+            </a:r>
+            <a:r>
+              <a:rPr lang="zh-TW" altLang="en-US" sz="6000" b="1" dirty="0">
+                <a:solidFill>
+                  <a:srgbClr val="660033"/>
+                </a:solidFill>
+                <a:effectLst>
+                  <a:outerShdw blurRad="38100" dist="38100" dir="2700000" algn="tl">
+                    <a:srgbClr val="000000">
+                      <a:alpha val="43137"/>
+                    </a:srgbClr>
+                  </a:outerShdw>
+                </a:effectLst>
+                <a:latin typeface="微軟正黑體" pitchFamily="34" charset="-120"/>
+                <a:ea typeface="微軟正黑體" pitchFamily="34" charset="-120"/>
+              </a:rPr>
+              <a:t>戴為王</a:t>
+            </a:r>
+          </a:p>
+        </p:txBody>
+      </p:sp>
+    </p:spTree>
+    <p:extLst>
+      <p:ext uri="{BB962C8B-B14F-4D97-AF65-F5344CB8AC3E}">
+        <p14:creationId xmlns:p14="http://schemas.microsoft.com/office/powerpoint/2010/main" val="3543580175"/>
+      </p:ext>
+    </p:extLst>
+  </p:cSld>
+  <p:clrMapOvr>
+    <a:masterClrMapping/>
+  </p:clrMapOvr>
+  <p:timing>
+    <p:tnLst>
+      <p:par>
+        <p:cTn id="1" dur="indefinite" restart="never" nodeType="tmRoot"/>
+      </p:par>
+    </p:tnLst>
+  </p:timing>
+</p:sld>
+</file>
+
+<file path=ppt/slides/slide10.xml><?xml version="1.0" encoding="utf-8"?>
+<p:sld xmlns:a="http://schemas.openxmlformats.org/drawingml/2006/main" xmlns:r="http://schemas.openxmlformats.org/officeDocument/2006/relationships" xmlns:p="http://schemas.openxmlformats.org/presentationml/2006/main">
+  <p:cSld>
+    <p:spTree>
+      <p:nvGrpSpPr>
+        <p:cNvPr id="1" name=""/>
+        <p:cNvGrpSpPr/>
+        <p:nvPr/>
+      </p:nvGrpSpPr>
+      <p:grpSpPr>
+        <a:xfrm>
+          <a:off x="0" y="0"/>
+          <a:ext cx="0" cy="0"/>
+          <a:chOff x="0" y="0"/>
+          <a:chExt cx="0" cy="0"/>
+        </a:xfrm>
+      </p:grpSpPr>
+      <p:sp>
+        <p:nvSpPr>
+          <p:cNvPr id="5" name="內容版面配置區 4"/>
+          <p:cNvSpPr>
+            <a:spLocks noGrp="1"/>
+          </p:cNvSpPr>
+          <p:nvPr>
+            <p:ph idx="1"/>
+          </p:nvPr>
+        </p:nvSpPr>
+        <p:spPr>
+          <a:xfrm>
+            <a:off x="0" y="1563639"/>
+            <a:ext cx="9144000" cy="1803647"/>
+          </a:xfrm>
+        </p:spPr>
+        <p:txBody>
+          <a:bodyPr anchor="ctr">
+            <a:normAutofit/>
+          </a:bodyPr>
+          <a:lstStyle/>
+          <a:p>
             <a:pPr algn="ctr">
               <a:buNone/>
             </a:pPr>
             <a:r>
               <a:rPr lang="zh-TW" altLang="en-US" sz="4800" b="1" dirty="0">
                 <a:solidFill>
-                  <a:srgbClr val="000066"/>
+                  <a:srgbClr val="660033"/>
                 </a:solidFill>
                 <a:latin typeface="微軟正黑體" pitchFamily="34" charset="-120"/>
                 <a:ea typeface="微軟正黑體" pitchFamily="34" charset="-120"/>
@@ -3114,58 +3279,18 @@
               <a:t>快來擁戴為</a:t>
             </a:r>
             <a:r>
-              <a:rPr lang="zh-TW" altLang="en-US" sz="4800" b="1" dirty="0" smtClean="0">
-                <a:solidFill>
-                  <a:srgbClr val="000066"/>
+              <a:rPr lang="zh-TW" altLang="en-US" sz="4800" b="1" dirty="0">
+                <a:solidFill>
+                  <a:srgbClr val="660033"/>
                 </a:solidFill>
                 <a:latin typeface="微軟正黑體" pitchFamily="34" charset="-120"/>
                 <a:ea typeface="微軟正黑體" pitchFamily="34" charset="-120"/>
               </a:rPr>
               <a:t>王</a:t>
-            </a:r>
-            <a:r>
-              <a:rPr lang="en-US" altLang="zh-TW" sz="4800" b="1" dirty="0" smtClean="0">
-                <a:solidFill>
-                  <a:srgbClr val="000066"/>
-                </a:solidFill>
-                <a:latin typeface="微軟正黑體" pitchFamily="34" charset="-120"/>
-                <a:ea typeface="微軟正黑體" pitchFamily="34" charset="-120"/>
-              </a:rPr>
-              <a:t>  </a:t>
-            </a:r>
-            <a:r>
-              <a:rPr lang="zh-TW" altLang="en-US" sz="4800" b="1" dirty="0" smtClean="0">
-                <a:solidFill>
-                  <a:srgbClr val="000066"/>
-                </a:solidFill>
-                <a:latin typeface="微軟正黑體" pitchFamily="34" charset="-120"/>
-                <a:ea typeface="微軟正黑體" pitchFamily="34" charset="-120"/>
-              </a:rPr>
-              <a:t>聖</a:t>
-            </a:r>
-            <a:r>
-              <a:rPr lang="zh-TW" altLang="en-US" sz="4800" b="1" dirty="0">
-                <a:solidFill>
-                  <a:srgbClr val="000066"/>
-                </a:solidFill>
-                <a:latin typeface="微軟正黑體" pitchFamily="34" charset="-120"/>
-                <a:ea typeface="微軟正黑體" pitchFamily="34" charset="-120"/>
-              </a:rPr>
-              <a:t>羔在寶座</a:t>
-            </a:r>
-            <a:r>
-              <a:rPr lang="zh-TW" altLang="en-US" sz="4800" b="1" dirty="0">
-                <a:solidFill>
-                  <a:srgbClr val="000066"/>
-                </a:solidFill>
-                <a:latin typeface="微軟正黑體" pitchFamily="34" charset="-120"/>
-                <a:ea typeface="微軟正黑體" pitchFamily="34" charset="-120"/>
-              </a:rPr>
-              <a:t>上</a:t>
             </a:r>
             <a:endParaRPr lang="en-US" altLang="zh-TW" sz="4800" b="1" dirty="0">
               <a:solidFill>
-                <a:srgbClr val="000066"/>
+                <a:srgbClr val="660033"/>
               </a:solidFill>
               <a:latin typeface="微軟正黑體" pitchFamily="34" charset="-120"/>
               <a:ea typeface="微軟正黑體" pitchFamily="34" charset="-120"/>
@@ -3178,220 +3303,31 @@
             <a:r>
               <a:rPr lang="zh-TW" altLang="en-US" sz="4800" b="1" dirty="0">
                 <a:solidFill>
-                  <a:srgbClr val="000066"/>
-                </a:solidFill>
-                <a:latin typeface="微軟正黑體" pitchFamily="34" charset="-120"/>
-                <a:ea typeface="微軟正黑體" pitchFamily="34" charset="-120"/>
-              </a:rPr>
-              <a:t>聽</a:t>
+                  <a:srgbClr val="660033"/>
+                </a:solidFill>
+                <a:latin typeface="微軟正黑體" pitchFamily="34" charset="-120"/>
+                <a:ea typeface="微軟正黑體" pitchFamily="34" charset="-120"/>
+              </a:rPr>
+              <a:t>無</a:t>
             </a:r>
             <a:r>
               <a:rPr lang="zh-TW" altLang="en-US" sz="4800" b="1" dirty="0">
                 <a:solidFill>
-                  <a:srgbClr val="000066"/>
-                </a:solidFill>
-                <a:latin typeface="微軟正黑體" pitchFamily="34" charset="-120"/>
-                <a:ea typeface="微軟正黑體" pitchFamily="34" charset="-120"/>
-              </a:rPr>
-              <a:t>啊好樂傳遍諸</a:t>
-            </a:r>
-            <a:r>
-              <a:rPr lang="zh-TW" altLang="en-US" sz="4800" b="1" dirty="0" smtClean="0">
-                <a:solidFill>
-                  <a:srgbClr val="000066"/>
-                </a:solidFill>
-                <a:latin typeface="微軟正黑體" pitchFamily="34" charset="-120"/>
-                <a:ea typeface="微軟正黑體" pitchFamily="34" charset="-120"/>
-              </a:rPr>
-              <a:t>天</a:t>
-            </a:r>
-            <a:r>
-              <a:rPr lang="en-US" altLang="zh-TW" sz="4800" b="1" dirty="0" smtClean="0">
-                <a:solidFill>
-                  <a:srgbClr val="000066"/>
-                </a:solidFill>
-                <a:latin typeface="微軟正黑體" pitchFamily="34" charset="-120"/>
-                <a:ea typeface="微軟正黑體" pitchFamily="34" charset="-120"/>
-              </a:rPr>
-              <a:t>  </a:t>
-            </a:r>
-            <a:r>
-              <a:rPr lang="zh-TW" altLang="en-US" sz="4800" b="1" dirty="0" smtClean="0">
-                <a:solidFill>
-                  <a:srgbClr val="000066"/>
-                </a:solidFill>
-                <a:latin typeface="微軟正黑體" pitchFamily="34" charset="-120"/>
-                <a:ea typeface="微軟正黑體" pitchFamily="34" charset="-120"/>
-              </a:rPr>
-              <a:t>和</a:t>
-            </a:r>
-            <a:r>
-              <a:rPr lang="zh-TW" altLang="en-US" sz="4800" b="1" dirty="0">
-                <a:solidFill>
-                  <a:srgbClr val="000066"/>
-                </a:solidFill>
-                <a:latin typeface="微軟正黑體" pitchFamily="34" charset="-120"/>
-                <a:ea typeface="微軟正黑體" pitchFamily="34" charset="-120"/>
-              </a:rPr>
-              <a:t>聲</a:t>
-            </a:r>
-            <a:r>
-              <a:rPr lang="zh-TW" altLang="en-US" sz="4800" b="1" dirty="0">
-                <a:solidFill>
-                  <a:srgbClr val="000066"/>
-                </a:solidFill>
-                <a:latin typeface="微軟正黑體" pitchFamily="34" charset="-120"/>
-                <a:ea typeface="微軟正黑體" pitchFamily="34" charset="-120"/>
-              </a:rPr>
-              <a:t>壓倒群</a:t>
-            </a:r>
-            <a:r>
-              <a:rPr lang="zh-TW" altLang="en-US" sz="4800" b="1" dirty="0" smtClean="0">
-                <a:solidFill>
-                  <a:srgbClr val="000066"/>
-                </a:solidFill>
-                <a:latin typeface="微軟正黑體" pitchFamily="34" charset="-120"/>
-                <a:ea typeface="微軟正黑體" pitchFamily="34" charset="-120"/>
-              </a:rPr>
-              <a:t>響</a:t>
-            </a:r>
-            <a:endParaRPr lang="en-US" altLang="zh-TW" sz="4800" b="1" dirty="0" smtClean="0">
+                  <a:srgbClr val="660033"/>
+                </a:solidFill>
+                <a:latin typeface="微軟正黑體" pitchFamily="34" charset="-120"/>
+                <a:ea typeface="微軟正黑體" pitchFamily="34" charset="-120"/>
+              </a:rPr>
+              <a:t>對生命之王</a:t>
+            </a:r>
+            <a:endParaRPr lang="en-US" altLang="zh-TW" sz="4800" b="1" dirty="0">
               <a:solidFill>
-                <a:srgbClr val="000066"/>
+                <a:srgbClr val="660033"/>
               </a:solidFill>
               <a:latin typeface="微軟正黑體" pitchFamily="34" charset="-120"/>
               <a:ea typeface="微軟正黑體" pitchFamily="34" charset="-120"/>
             </a:endParaRPr>
           </a:p>
-          <a:p>
-            <a:pPr algn="ctr">
-              <a:buNone/>
-            </a:pPr>
-            <a:r>
-              <a:rPr lang="zh-TW" altLang="en-US" sz="4800" b="1" dirty="0">
-                <a:solidFill>
-                  <a:srgbClr val="000066"/>
-                </a:solidFill>
-                <a:latin typeface="微軟正黑體" pitchFamily="34" charset="-120"/>
-                <a:ea typeface="微軟正黑體" pitchFamily="34" charset="-120"/>
-              </a:rPr>
-              <a:t>醒啊我心同</a:t>
-            </a:r>
-            <a:r>
-              <a:rPr lang="zh-TW" altLang="en-US" sz="4800" b="1" dirty="0" smtClean="0">
-                <a:solidFill>
-                  <a:srgbClr val="000066"/>
-                </a:solidFill>
-                <a:latin typeface="微軟正黑體" pitchFamily="34" charset="-120"/>
-                <a:ea typeface="微軟正黑體" pitchFamily="34" charset="-120"/>
-              </a:rPr>
-              <a:t>唱</a:t>
-            </a:r>
-            <a:r>
-              <a:rPr lang="en-US" altLang="zh-TW" sz="4800" b="1" dirty="0" smtClean="0">
-                <a:solidFill>
-                  <a:srgbClr val="000066"/>
-                </a:solidFill>
-                <a:latin typeface="微軟正黑體" pitchFamily="34" charset="-120"/>
-                <a:ea typeface="微軟正黑體" pitchFamily="34" charset="-120"/>
-              </a:rPr>
-              <a:t>  </a:t>
-            </a:r>
-            <a:r>
-              <a:rPr lang="zh-TW" altLang="en-US" sz="4800" b="1" dirty="0" smtClean="0">
-                <a:solidFill>
-                  <a:srgbClr val="000066"/>
-                </a:solidFill>
-                <a:latin typeface="微軟正黑體" pitchFamily="34" charset="-120"/>
-                <a:ea typeface="微軟正黑體" pitchFamily="34" charset="-120"/>
-              </a:rPr>
-              <a:t>頌</a:t>
-            </a:r>
-            <a:r>
-              <a:rPr lang="zh-TW" altLang="en-US" sz="4800" b="1" dirty="0">
-                <a:solidFill>
-                  <a:srgbClr val="000066"/>
-                </a:solidFill>
-                <a:latin typeface="微軟正黑體" pitchFamily="34" charset="-120"/>
-                <a:ea typeface="微軟正黑體" pitchFamily="34" charset="-120"/>
-              </a:rPr>
-              <a:t>祂救恩浩蕩</a:t>
-            </a:r>
-            <a:endParaRPr lang="en-US" altLang="zh-TW" sz="4800" b="1" dirty="0">
-              <a:solidFill>
-                <a:srgbClr val="000066"/>
-              </a:solidFill>
-              <a:latin typeface="微軟正黑體" pitchFamily="34" charset="-120"/>
-              <a:ea typeface="微軟正黑體" pitchFamily="34" charset="-120"/>
-            </a:endParaRPr>
-          </a:p>
-          <a:p>
-            <a:pPr algn="ctr">
-              <a:buNone/>
-            </a:pPr>
-            <a:r>
-              <a:rPr lang="zh-TW" altLang="en-US" sz="4800" b="1" dirty="0">
-                <a:solidFill>
-                  <a:srgbClr val="000066"/>
-                </a:solidFill>
-                <a:latin typeface="微軟正黑體" pitchFamily="34" charset="-120"/>
-                <a:ea typeface="微軟正黑體" pitchFamily="34" charset="-120"/>
-              </a:rPr>
-              <a:t>歡呼為你受死之</a:t>
-            </a:r>
-            <a:r>
-              <a:rPr lang="zh-TW" altLang="en-US" sz="4800" b="1" dirty="0" smtClean="0">
-                <a:solidFill>
-                  <a:srgbClr val="000066"/>
-                </a:solidFill>
-                <a:latin typeface="微軟正黑體" pitchFamily="34" charset="-120"/>
-                <a:ea typeface="微軟正黑體" pitchFamily="34" charset="-120"/>
-              </a:rPr>
-              <a:t>主</a:t>
-            </a:r>
-            <a:r>
-              <a:rPr lang="en-US" altLang="zh-TW" sz="4800" b="1" dirty="0" smtClean="0">
-                <a:solidFill>
-                  <a:srgbClr val="000066"/>
-                </a:solidFill>
-                <a:latin typeface="微軟正黑體" pitchFamily="34" charset="-120"/>
-                <a:ea typeface="微軟正黑體" pitchFamily="34" charset="-120"/>
-              </a:rPr>
-              <a:t>  </a:t>
-            </a:r>
-            <a:r>
-              <a:rPr lang="zh-TW" altLang="en-US" sz="4800" b="1" dirty="0" smtClean="0">
-                <a:solidFill>
-                  <a:srgbClr val="000066"/>
-                </a:solidFill>
-                <a:latin typeface="微軟正黑體" pitchFamily="34" charset="-120"/>
-                <a:ea typeface="微軟正黑體" pitchFamily="34" charset="-120"/>
-              </a:rPr>
-              <a:t>千</a:t>
-            </a:r>
-            <a:r>
-              <a:rPr lang="zh-TW" altLang="en-US" sz="4800" b="1" dirty="0">
-                <a:solidFill>
-                  <a:srgbClr val="000066"/>
-                </a:solidFill>
-                <a:latin typeface="微軟正黑體" pitchFamily="34" charset="-120"/>
-                <a:ea typeface="微軟正黑體" pitchFamily="34" charset="-120"/>
-              </a:rPr>
-              <a:t>秋萬歲無疆</a:t>
-            </a:r>
-          </a:p>
-          <a:p>
-            <a:pPr algn="ctr">
-              <a:buNone/>
-            </a:pPr>
-            <a:endParaRPr lang="zh-TW" altLang="en-US" sz="4800" b="1" dirty="0">
-              <a:solidFill>
-                <a:srgbClr val="000066"/>
-              </a:solidFill>
-              <a:latin typeface="微軟正黑體" pitchFamily="34" charset="-120"/>
-              <a:ea typeface="微軟正黑體" pitchFamily="34" charset="-120"/>
-            </a:endParaRPr>
-          </a:p>
         </p:txBody>
       </p:sp>
       <p:sp>
@@ -3402,8 +3338,8 @@
         </p:nvSpPr>
         <p:spPr>
           <a:xfrm>
-            <a:off x="109368" y="1244473"/>
-            <a:ext cx="690947" cy="707886"/>
+            <a:off x="0" y="3795887"/>
+            <a:ext cx="9144000" cy="646331"/>
           </a:xfrm>
           <a:prstGeom prst="rect">
             <a:avLst/>
@@ -3416,31 +3352,1673 @@
           </a:bodyPr>
           <a:lstStyle/>
           <a:p>
-            <a:r>
-              <a:rPr lang="en-US" altLang="zh-CN" sz="4000" b="1" dirty="0" smtClean="0">
-                <a:solidFill>
-                  <a:srgbClr val="000066"/>
-                </a:solidFill>
-                <a:latin typeface="微軟正黑體" pitchFamily="34" charset="-120"/>
-                <a:ea typeface="微軟正黑體" pitchFamily="34" charset="-120"/>
-              </a:rPr>
-              <a:t>1.</a:t>
-            </a:r>
-            <a:endParaRPr lang="en-US" sz="4000" b="1" dirty="0">
+            <a:pPr algn="ctr"/>
+            <a:r>
+              <a:rPr lang="en-US" sz="3600" b="1" dirty="0">
+                <a:solidFill>
+                  <a:srgbClr val="660033"/>
+                </a:solidFill>
+              </a:rPr>
+              <a:t>( </a:t>
+            </a:r>
+            <a:r>
+              <a:rPr lang="en-US" sz="3600" b="1" dirty="0" smtClean="0">
+                <a:solidFill>
+                  <a:srgbClr val="660033"/>
+                </a:solidFill>
+              </a:rPr>
+              <a:t>3 </a:t>
+            </a:r>
+            <a:r>
+              <a:rPr lang="en-US" sz="3600" b="1" dirty="0">
+                <a:solidFill>
+                  <a:srgbClr val="660033"/>
+                </a:solidFill>
+              </a:rPr>
+              <a:t>)</a:t>
+            </a:r>
+            <a:endParaRPr lang="vi-VN" sz="3600" b="1" dirty="0">
               <a:solidFill>
-                <a:srgbClr val="000066"/>
+                <a:srgbClr val="660033"/>
+              </a:solidFill>
+            </a:endParaRPr>
+          </a:p>
+        </p:txBody>
+      </p:sp>
+    </p:spTree>
+    <p:extLst>
+      <p:ext uri="{BB962C8B-B14F-4D97-AF65-F5344CB8AC3E}">
+        <p14:creationId xmlns:p14="http://schemas.microsoft.com/office/powerpoint/2010/main" val="2878985956"/>
+      </p:ext>
+    </p:extLst>
+  </p:cSld>
+  <p:clrMapOvr>
+    <a:masterClrMapping/>
+  </p:clrMapOvr>
+  <p:timing>
+    <p:tnLst>
+      <p:par>
+        <p:cTn id="1" dur="indefinite" restart="never" nodeType="tmRoot"/>
+      </p:par>
+    </p:tnLst>
+  </p:timing>
+</p:sld>
+</file>
+
+<file path=ppt/slides/slide11.xml><?xml version="1.0" encoding="utf-8"?>
+<p:sld xmlns:a="http://schemas.openxmlformats.org/drawingml/2006/main" xmlns:r="http://schemas.openxmlformats.org/officeDocument/2006/relationships" xmlns:p="http://schemas.openxmlformats.org/presentationml/2006/main">
+  <p:cSld>
+    <p:spTree>
+      <p:nvGrpSpPr>
+        <p:cNvPr id="1" name=""/>
+        <p:cNvGrpSpPr/>
+        <p:nvPr/>
+      </p:nvGrpSpPr>
+      <p:grpSpPr>
+        <a:xfrm>
+          <a:off x="0" y="0"/>
+          <a:ext cx="0" cy="0"/>
+          <a:chOff x="0" y="0"/>
+          <a:chExt cx="0" cy="0"/>
+        </a:xfrm>
+      </p:grpSpPr>
+      <p:sp>
+        <p:nvSpPr>
+          <p:cNvPr id="5" name="內容版面配置區 4"/>
+          <p:cNvSpPr>
+            <a:spLocks noGrp="1"/>
+          </p:cNvSpPr>
+          <p:nvPr>
+            <p:ph idx="1"/>
+          </p:nvPr>
+        </p:nvSpPr>
+        <p:spPr>
+          <a:xfrm>
+            <a:off x="0" y="1563639"/>
+            <a:ext cx="9144000" cy="1803647"/>
+          </a:xfrm>
+        </p:spPr>
+        <p:txBody>
+          <a:bodyPr anchor="ctr">
+            <a:normAutofit/>
+          </a:bodyPr>
+          <a:lstStyle/>
+          <a:p>
+            <a:pPr algn="ctr">
+              <a:buNone/>
+            </a:pPr>
+            <a:r>
+              <a:rPr lang="zh-TW" altLang="en-US" sz="4800" b="1" dirty="0">
+                <a:solidFill>
+                  <a:srgbClr val="660033"/>
+                </a:solidFill>
+                <a:latin typeface="微軟正黑體" pitchFamily="34" charset="-120"/>
+                <a:ea typeface="微軟正黑體" pitchFamily="34" charset="-120"/>
+              </a:rPr>
+              <a:t>萬邦民族都蒙救</a:t>
+            </a:r>
+            <a:r>
+              <a:rPr lang="zh-TW" altLang="en-US" sz="4800" b="1" dirty="0">
+                <a:solidFill>
+                  <a:srgbClr val="660033"/>
+                </a:solidFill>
+                <a:latin typeface="微軟正黑體" pitchFamily="34" charset="-120"/>
+                <a:ea typeface="微軟正黑體" pitchFamily="34" charset="-120"/>
+              </a:rPr>
+              <a:t>渡</a:t>
+            </a:r>
+            <a:endParaRPr lang="en-US" altLang="zh-TW" sz="4800" b="1" dirty="0">
+              <a:solidFill>
+                <a:srgbClr val="660033"/>
               </a:solidFill>
               <a:latin typeface="微軟正黑體" pitchFamily="34" charset="-120"/>
               <a:ea typeface="微軟正黑體" pitchFamily="34" charset="-120"/>
             </a:endParaRPr>
           </a:p>
+          <a:p>
+            <a:pPr algn="ctr">
+              <a:buNone/>
+            </a:pPr>
+            <a:r>
+              <a:rPr lang="zh-TW" altLang="en-US" sz="4800" b="1" dirty="0">
+                <a:solidFill>
+                  <a:srgbClr val="660033"/>
+                </a:solidFill>
+                <a:latin typeface="微軟正黑體" pitchFamily="34" charset="-120"/>
+                <a:ea typeface="微軟正黑體" pitchFamily="34" charset="-120"/>
+              </a:rPr>
+              <a:t>因</a:t>
+            </a:r>
+            <a:r>
+              <a:rPr lang="zh-TW" altLang="en-US" sz="4800" b="1" dirty="0">
+                <a:solidFill>
+                  <a:srgbClr val="660033"/>
+                </a:solidFill>
+                <a:latin typeface="微軟正黑體" pitchFamily="34" charset="-120"/>
+                <a:ea typeface="微軟正黑體" pitchFamily="34" charset="-120"/>
+              </a:rPr>
+              <a:t>祂消滅死亡</a:t>
+            </a:r>
+            <a:endParaRPr lang="en-US" altLang="zh-TW" sz="4800" b="1" dirty="0">
+              <a:solidFill>
+                <a:srgbClr val="660033"/>
+              </a:solidFill>
+              <a:latin typeface="微軟正黑體" pitchFamily="34" charset="-120"/>
+              <a:ea typeface="微軟正黑體" pitchFamily="34" charset="-120"/>
+            </a:endParaRPr>
+          </a:p>
+        </p:txBody>
+      </p:sp>
+      <p:sp>
+        <p:nvSpPr>
+          <p:cNvPr id="3" name="TextBox 2"/>
+          <p:cNvSpPr txBox="1"/>
+          <p:nvPr/>
+        </p:nvSpPr>
+        <p:spPr>
+          <a:xfrm>
+            <a:off x="0" y="3795887"/>
+            <a:ext cx="9144000" cy="646331"/>
+          </a:xfrm>
+          <a:prstGeom prst="rect">
+            <a:avLst/>
+          </a:prstGeom>
+          <a:noFill/>
+        </p:spPr>
+        <p:txBody>
+          <a:bodyPr wrap="square" rtlCol="0">
+            <a:spAutoFit/>
+          </a:bodyPr>
+          <a:lstStyle/>
+          <a:p>
+            <a:pPr algn="ctr"/>
+            <a:r>
+              <a:rPr lang="en-US" sz="3600" b="1" dirty="0">
+                <a:solidFill>
+                  <a:srgbClr val="660033"/>
+                </a:solidFill>
+              </a:rPr>
+              <a:t>( </a:t>
+            </a:r>
+            <a:r>
+              <a:rPr lang="en-US" sz="3600" b="1" dirty="0" smtClean="0">
+                <a:solidFill>
+                  <a:srgbClr val="660033"/>
+                </a:solidFill>
+              </a:rPr>
+              <a:t>3 </a:t>
+            </a:r>
+            <a:r>
+              <a:rPr lang="en-US" sz="3600" b="1" dirty="0">
+                <a:solidFill>
+                  <a:srgbClr val="660033"/>
+                </a:solidFill>
+              </a:rPr>
+              <a:t>)</a:t>
+            </a:r>
+            <a:endParaRPr lang="vi-VN" sz="3600" b="1" dirty="0">
+              <a:solidFill>
+                <a:srgbClr val="660033"/>
+              </a:solidFill>
+            </a:endParaRPr>
+          </a:p>
         </p:txBody>
       </p:sp>
     </p:spTree>
+    <p:extLst>
+      <p:ext uri="{BB962C8B-B14F-4D97-AF65-F5344CB8AC3E}">
+        <p14:creationId xmlns:p14="http://schemas.microsoft.com/office/powerpoint/2010/main" val="943024608"/>
+      </p:ext>
+    </p:extLst>
   </p:cSld>
   <p:clrMapOvr>
     <a:masterClrMapping/>
   </p:clrMapOvr>
+  <p:timing>
+    <p:tnLst>
+      <p:par>
+        <p:cTn id="1" dur="indefinite" restart="never" nodeType="tmRoot"/>
+      </p:par>
+    </p:tnLst>
+  </p:timing>
+</p:sld>
+</file>
+
+<file path=ppt/slides/slide12.xml><?xml version="1.0" encoding="utf-8"?>
+<p:sld xmlns:a="http://schemas.openxmlformats.org/drawingml/2006/main" xmlns:r="http://schemas.openxmlformats.org/officeDocument/2006/relationships" xmlns:p="http://schemas.openxmlformats.org/presentationml/2006/main">
+  <p:cSld>
+    <p:spTree>
+      <p:nvGrpSpPr>
+        <p:cNvPr id="1" name=""/>
+        <p:cNvGrpSpPr/>
+        <p:nvPr/>
+      </p:nvGrpSpPr>
+      <p:grpSpPr>
+        <a:xfrm>
+          <a:off x="0" y="0"/>
+          <a:ext cx="0" cy="0"/>
+          <a:chOff x="0" y="0"/>
+          <a:chExt cx="0" cy="0"/>
+        </a:xfrm>
+      </p:grpSpPr>
+      <p:sp>
+        <p:nvSpPr>
+          <p:cNvPr id="5" name="內容版面配置區 4"/>
+          <p:cNvSpPr>
+            <a:spLocks noGrp="1"/>
+          </p:cNvSpPr>
+          <p:nvPr>
+            <p:ph idx="1"/>
+          </p:nvPr>
+        </p:nvSpPr>
+        <p:spPr>
+          <a:xfrm>
+            <a:off x="0" y="1563639"/>
+            <a:ext cx="9144000" cy="1803647"/>
+          </a:xfrm>
+        </p:spPr>
+        <p:txBody>
+          <a:bodyPr anchor="ctr">
+            <a:normAutofit/>
+          </a:bodyPr>
+          <a:lstStyle/>
+          <a:p>
+            <a:pPr algn="ctr">
+              <a:buNone/>
+            </a:pPr>
+            <a:r>
+              <a:rPr lang="zh-TW" altLang="en-US" sz="4800" b="1" dirty="0">
+                <a:solidFill>
+                  <a:srgbClr val="660033"/>
+                </a:solidFill>
+                <a:latin typeface="微軟正黑體" pitchFamily="34" charset="-120"/>
+                <a:ea typeface="微軟正黑體" pitchFamily="34" charset="-120"/>
+              </a:rPr>
+              <a:t>快來歌頌歡</a:t>
+            </a:r>
+            <a:r>
+              <a:rPr lang="zh-TW" altLang="en-US" sz="4800" b="1" dirty="0">
+                <a:solidFill>
+                  <a:srgbClr val="660033"/>
+                </a:solidFill>
+                <a:latin typeface="微軟正黑體" pitchFamily="34" charset="-120"/>
+                <a:ea typeface="微軟正黑體" pitchFamily="34" charset="-120"/>
+              </a:rPr>
+              <a:t>欣</a:t>
+            </a:r>
+            <a:endParaRPr lang="en-US" altLang="zh-TW" sz="4800" b="1" dirty="0">
+              <a:solidFill>
+                <a:srgbClr val="660033"/>
+              </a:solidFill>
+              <a:latin typeface="微軟正黑體" pitchFamily="34" charset="-120"/>
+              <a:ea typeface="微軟正黑體" pitchFamily="34" charset="-120"/>
+            </a:endParaRPr>
+          </a:p>
+          <a:p>
+            <a:pPr algn="ctr">
+              <a:buNone/>
+            </a:pPr>
+            <a:r>
+              <a:rPr lang="zh-TW" altLang="en-US" sz="4800" b="1" dirty="0">
+                <a:solidFill>
+                  <a:srgbClr val="660033"/>
+                </a:solidFill>
+                <a:latin typeface="微軟正黑體" pitchFamily="34" charset="-120"/>
+                <a:ea typeface="微軟正黑體" pitchFamily="34" charset="-120"/>
+              </a:rPr>
+              <a:t>謝</a:t>
+            </a:r>
+            <a:r>
+              <a:rPr lang="zh-TW" altLang="en-US" sz="4800" b="1" dirty="0">
+                <a:solidFill>
+                  <a:srgbClr val="660033"/>
+                </a:solidFill>
+                <a:latin typeface="微軟正黑體" pitchFamily="34" charset="-120"/>
+                <a:ea typeface="微軟正黑體" pitchFamily="34" charset="-120"/>
+              </a:rPr>
+              <a:t>祂特殊宏恩</a:t>
+            </a:r>
+            <a:endParaRPr lang="en-US" altLang="zh-TW" sz="4800" b="1" dirty="0">
+              <a:solidFill>
+                <a:srgbClr val="660033"/>
+              </a:solidFill>
+              <a:latin typeface="微軟正黑體" pitchFamily="34" charset="-120"/>
+              <a:ea typeface="微軟正黑體" pitchFamily="34" charset="-120"/>
+            </a:endParaRPr>
+          </a:p>
+        </p:txBody>
+      </p:sp>
+      <p:sp>
+        <p:nvSpPr>
+          <p:cNvPr id="3" name="TextBox 2"/>
+          <p:cNvSpPr txBox="1"/>
+          <p:nvPr/>
+        </p:nvSpPr>
+        <p:spPr>
+          <a:xfrm>
+            <a:off x="0" y="3795887"/>
+            <a:ext cx="9144000" cy="646331"/>
+          </a:xfrm>
+          <a:prstGeom prst="rect">
+            <a:avLst/>
+          </a:prstGeom>
+          <a:noFill/>
+        </p:spPr>
+        <p:txBody>
+          <a:bodyPr wrap="square" rtlCol="0">
+            <a:spAutoFit/>
+          </a:bodyPr>
+          <a:lstStyle/>
+          <a:p>
+            <a:pPr algn="ctr"/>
+            <a:r>
+              <a:rPr lang="en-US" sz="3600" b="1" dirty="0">
+                <a:solidFill>
+                  <a:srgbClr val="660033"/>
+                </a:solidFill>
+              </a:rPr>
+              <a:t>( </a:t>
+            </a:r>
+            <a:r>
+              <a:rPr lang="en-US" sz="3600" b="1" dirty="0" smtClean="0">
+                <a:solidFill>
+                  <a:srgbClr val="660033"/>
+                </a:solidFill>
+              </a:rPr>
+              <a:t>3 </a:t>
+            </a:r>
+            <a:r>
+              <a:rPr lang="en-US" sz="3600" b="1" dirty="0">
+                <a:solidFill>
+                  <a:srgbClr val="660033"/>
+                </a:solidFill>
+              </a:rPr>
+              <a:t>)</a:t>
+            </a:r>
+            <a:endParaRPr lang="vi-VN" sz="3600" b="1" dirty="0">
+              <a:solidFill>
+                <a:srgbClr val="660033"/>
+              </a:solidFill>
+            </a:endParaRPr>
+          </a:p>
+        </p:txBody>
+      </p:sp>
+    </p:spTree>
+    <p:extLst>
+      <p:ext uri="{BB962C8B-B14F-4D97-AF65-F5344CB8AC3E}">
+        <p14:creationId xmlns:p14="http://schemas.microsoft.com/office/powerpoint/2010/main" val="1283983505"/>
+      </p:ext>
+    </p:extLst>
+  </p:cSld>
+  <p:clrMapOvr>
+    <a:masterClrMapping/>
+  </p:clrMapOvr>
+  <p:timing>
+    <p:tnLst>
+      <p:par>
+        <p:cTn id="1" dur="indefinite" restart="never" nodeType="tmRoot"/>
+      </p:par>
+    </p:tnLst>
+  </p:timing>
+</p:sld>
+</file>
+
+<file path=ppt/slides/slide13.xml><?xml version="1.0" encoding="utf-8"?>
+<p:sld xmlns:a="http://schemas.openxmlformats.org/drawingml/2006/main" xmlns:r="http://schemas.openxmlformats.org/officeDocument/2006/relationships" xmlns:p="http://schemas.openxmlformats.org/presentationml/2006/main">
+  <p:cSld>
+    <p:spTree>
+      <p:nvGrpSpPr>
+        <p:cNvPr id="1" name=""/>
+        <p:cNvGrpSpPr/>
+        <p:nvPr/>
+      </p:nvGrpSpPr>
+      <p:grpSpPr>
+        <a:xfrm>
+          <a:off x="0" y="0"/>
+          <a:ext cx="0" cy="0"/>
+          <a:chOff x="0" y="0"/>
+          <a:chExt cx="0" cy="0"/>
+        </a:xfrm>
+      </p:grpSpPr>
+      <p:sp>
+        <p:nvSpPr>
+          <p:cNvPr id="5" name="內容版面配置區 4"/>
+          <p:cNvSpPr>
+            <a:spLocks noGrp="1"/>
+          </p:cNvSpPr>
+          <p:nvPr>
+            <p:ph idx="1"/>
+          </p:nvPr>
+        </p:nvSpPr>
+        <p:spPr>
+          <a:xfrm>
+            <a:off x="0" y="1563639"/>
+            <a:ext cx="9144000" cy="1803647"/>
+          </a:xfrm>
+        </p:spPr>
+        <p:txBody>
+          <a:bodyPr anchor="ctr">
+            <a:normAutofit/>
+          </a:bodyPr>
+          <a:lstStyle/>
+          <a:p>
+            <a:pPr algn="ctr">
+              <a:buNone/>
+            </a:pPr>
+            <a:r>
+              <a:rPr lang="zh-TW" altLang="en-US" sz="4800" b="1" dirty="0">
+                <a:solidFill>
+                  <a:srgbClr val="660033"/>
+                </a:solidFill>
+                <a:latin typeface="微軟正黑體" pitchFamily="34" charset="-120"/>
+                <a:ea typeface="微軟正黑體" pitchFamily="34" charset="-120"/>
+              </a:rPr>
+              <a:t>因祂一死戰勝萬</a:t>
+            </a:r>
+            <a:r>
+              <a:rPr lang="zh-TW" altLang="en-US" sz="4800" b="1" dirty="0">
+                <a:solidFill>
+                  <a:srgbClr val="660033"/>
+                </a:solidFill>
+                <a:latin typeface="微軟正黑體" pitchFamily="34" charset="-120"/>
+                <a:ea typeface="微軟正黑體" pitchFamily="34" charset="-120"/>
+              </a:rPr>
+              <a:t>死</a:t>
+            </a:r>
+            <a:endParaRPr lang="en-US" altLang="zh-TW" sz="4800" b="1" dirty="0">
+              <a:solidFill>
+                <a:srgbClr val="660033"/>
+              </a:solidFill>
+              <a:latin typeface="微軟正黑體" pitchFamily="34" charset="-120"/>
+              <a:ea typeface="微軟正黑體" pitchFamily="34" charset="-120"/>
+            </a:endParaRPr>
+          </a:p>
+          <a:p>
+            <a:pPr algn="ctr">
+              <a:buNone/>
+            </a:pPr>
+            <a:r>
+              <a:rPr lang="zh-TW" altLang="en-US" sz="4800" b="1" dirty="0">
+                <a:solidFill>
+                  <a:srgbClr val="660033"/>
+                </a:solidFill>
+                <a:latin typeface="微軟正黑體" pitchFamily="34" charset="-120"/>
+                <a:ea typeface="微軟正黑體" pitchFamily="34" charset="-120"/>
+              </a:rPr>
+              <a:t>永</a:t>
+            </a:r>
+            <a:r>
+              <a:rPr lang="zh-TW" altLang="en-US" sz="4800" b="1" dirty="0">
+                <a:solidFill>
+                  <a:srgbClr val="660033"/>
+                </a:solidFill>
+                <a:latin typeface="微軟正黑體" pitchFamily="34" charset="-120"/>
+                <a:ea typeface="微軟正黑體" pitchFamily="34" charset="-120"/>
+              </a:rPr>
+              <a:t>生普及群生</a:t>
+            </a:r>
+          </a:p>
+        </p:txBody>
+      </p:sp>
+      <p:sp>
+        <p:nvSpPr>
+          <p:cNvPr id="3" name="TextBox 2"/>
+          <p:cNvSpPr txBox="1"/>
+          <p:nvPr/>
+        </p:nvSpPr>
+        <p:spPr>
+          <a:xfrm>
+            <a:off x="0" y="3795887"/>
+            <a:ext cx="9144000" cy="646331"/>
+          </a:xfrm>
+          <a:prstGeom prst="rect">
+            <a:avLst/>
+          </a:prstGeom>
+          <a:noFill/>
+        </p:spPr>
+        <p:txBody>
+          <a:bodyPr wrap="square" rtlCol="0">
+            <a:spAutoFit/>
+          </a:bodyPr>
+          <a:lstStyle/>
+          <a:p>
+            <a:pPr algn="ctr"/>
+            <a:r>
+              <a:rPr lang="en-US" sz="3600" b="1" dirty="0">
+                <a:solidFill>
+                  <a:srgbClr val="660033"/>
+                </a:solidFill>
+              </a:rPr>
+              <a:t>( </a:t>
+            </a:r>
+            <a:r>
+              <a:rPr lang="en-US" sz="3600" b="1" dirty="0" smtClean="0">
+                <a:solidFill>
+                  <a:srgbClr val="660033"/>
+                </a:solidFill>
+              </a:rPr>
+              <a:t>3 </a:t>
+            </a:r>
+            <a:r>
+              <a:rPr lang="en-US" sz="3600" b="1" dirty="0">
+                <a:solidFill>
+                  <a:srgbClr val="660033"/>
+                </a:solidFill>
+              </a:rPr>
+              <a:t>)</a:t>
+            </a:r>
+            <a:endParaRPr lang="vi-VN" sz="3600" b="1" dirty="0">
+              <a:solidFill>
+                <a:srgbClr val="660033"/>
+              </a:solidFill>
+            </a:endParaRPr>
+          </a:p>
+        </p:txBody>
+      </p:sp>
+    </p:spTree>
+    <p:extLst>
+      <p:ext uri="{BB962C8B-B14F-4D97-AF65-F5344CB8AC3E}">
+        <p14:creationId xmlns:p14="http://schemas.microsoft.com/office/powerpoint/2010/main" val="1126174739"/>
+      </p:ext>
+    </p:extLst>
+  </p:cSld>
+  <p:clrMapOvr>
+    <a:masterClrMapping/>
+  </p:clrMapOvr>
+  <p:timing>
+    <p:tnLst>
+      <p:par>
+        <p:cTn id="1" dur="indefinite" restart="never" nodeType="tmRoot"/>
+      </p:par>
+    </p:tnLst>
+  </p:timing>
+</p:sld>
+</file>
+
+<file path=ppt/slides/slide14.xml><?xml version="1.0" encoding="utf-8"?>
+<p:sld xmlns:a="http://schemas.openxmlformats.org/drawingml/2006/main" xmlns:r="http://schemas.openxmlformats.org/officeDocument/2006/relationships" xmlns:p="http://schemas.openxmlformats.org/presentationml/2006/main">
+  <p:cSld>
+    <p:spTree>
+      <p:nvGrpSpPr>
+        <p:cNvPr id="1" name=""/>
+        <p:cNvGrpSpPr/>
+        <p:nvPr/>
+      </p:nvGrpSpPr>
+      <p:grpSpPr>
+        <a:xfrm>
+          <a:off x="0" y="0"/>
+          <a:ext cx="0" cy="0"/>
+          <a:chOff x="0" y="0"/>
+          <a:chExt cx="0" cy="0"/>
+        </a:xfrm>
+      </p:grpSpPr>
+      <p:sp>
+        <p:nvSpPr>
+          <p:cNvPr id="5" name="內容版面配置區 4"/>
+          <p:cNvSpPr>
+            <a:spLocks noGrp="1"/>
+          </p:cNvSpPr>
+          <p:nvPr>
+            <p:ph idx="1"/>
+          </p:nvPr>
+        </p:nvSpPr>
+        <p:spPr>
+          <a:xfrm>
+            <a:off x="0" y="1563639"/>
+            <a:ext cx="9144000" cy="1803647"/>
+          </a:xfrm>
+        </p:spPr>
+        <p:txBody>
+          <a:bodyPr anchor="ctr">
+            <a:normAutofit/>
+          </a:bodyPr>
+          <a:lstStyle/>
+          <a:p>
+            <a:pPr algn="ctr">
+              <a:buNone/>
+            </a:pPr>
+            <a:r>
+              <a:rPr lang="zh-TW" altLang="en-US" sz="4800" b="1" dirty="0">
+                <a:solidFill>
+                  <a:srgbClr val="660033"/>
+                </a:solidFill>
+                <a:latin typeface="微軟正黑體" pitchFamily="34" charset="-120"/>
+                <a:ea typeface="微軟正黑體" pitchFamily="34" charset="-120"/>
+              </a:rPr>
+              <a:t>快來擁戴為</a:t>
+            </a:r>
+            <a:r>
+              <a:rPr lang="zh-TW" altLang="en-US" sz="4800" b="1" dirty="0">
+                <a:solidFill>
+                  <a:srgbClr val="660033"/>
+                </a:solidFill>
+                <a:latin typeface="微軟正黑體" pitchFamily="34" charset="-120"/>
+                <a:ea typeface="微軟正黑體" pitchFamily="34" charset="-120"/>
+              </a:rPr>
+              <a:t>王</a:t>
+            </a:r>
+            <a:endParaRPr lang="en-US" altLang="zh-TW" sz="4800" b="1" dirty="0">
+              <a:solidFill>
+                <a:srgbClr val="660033"/>
+              </a:solidFill>
+              <a:latin typeface="微軟正黑體" pitchFamily="34" charset="-120"/>
+              <a:ea typeface="微軟正黑體" pitchFamily="34" charset="-120"/>
+            </a:endParaRPr>
+          </a:p>
+          <a:p>
+            <a:pPr algn="ctr">
+              <a:buNone/>
+            </a:pPr>
+            <a:r>
+              <a:rPr lang="zh-TW" altLang="en-US" sz="4800" b="1" dirty="0">
+                <a:solidFill>
+                  <a:srgbClr val="660033"/>
+                </a:solidFill>
+                <a:latin typeface="微軟正黑體" pitchFamily="34" charset="-120"/>
+                <a:ea typeface="微軟正黑體" pitchFamily="34" charset="-120"/>
+              </a:rPr>
+              <a:t>永</a:t>
+            </a:r>
+            <a:r>
+              <a:rPr lang="zh-TW" altLang="en-US" sz="4800" b="1" dirty="0">
+                <a:solidFill>
+                  <a:srgbClr val="660033"/>
+                </a:solidFill>
+                <a:latin typeface="微軟正黑體" pitchFamily="34" charset="-120"/>
+                <a:ea typeface="微軟正黑體" pitchFamily="34" charset="-120"/>
+              </a:rPr>
+              <a:t>建和平之</a:t>
+            </a:r>
+            <a:r>
+              <a:rPr lang="zh-TW" altLang="en-US" sz="4800" b="1" dirty="0">
+                <a:solidFill>
+                  <a:srgbClr val="660033"/>
+                </a:solidFill>
+                <a:latin typeface="微軟正黑體" pitchFamily="34" charset="-120"/>
+                <a:ea typeface="微軟正黑體" pitchFamily="34" charset="-120"/>
+              </a:rPr>
+              <a:t>王</a:t>
+            </a:r>
+            <a:endParaRPr lang="en-US" altLang="zh-TW" sz="4800" b="1" dirty="0">
+              <a:solidFill>
+                <a:srgbClr val="660033"/>
+              </a:solidFill>
+              <a:latin typeface="微軟正黑體" pitchFamily="34" charset="-120"/>
+              <a:ea typeface="微軟正黑體" pitchFamily="34" charset="-120"/>
+            </a:endParaRPr>
+          </a:p>
+        </p:txBody>
+      </p:sp>
+      <p:sp>
+        <p:nvSpPr>
+          <p:cNvPr id="3" name="TextBox 2"/>
+          <p:cNvSpPr txBox="1"/>
+          <p:nvPr/>
+        </p:nvSpPr>
+        <p:spPr>
+          <a:xfrm>
+            <a:off x="0" y="3795887"/>
+            <a:ext cx="9144000" cy="646331"/>
+          </a:xfrm>
+          <a:prstGeom prst="rect">
+            <a:avLst/>
+          </a:prstGeom>
+          <a:noFill/>
+        </p:spPr>
+        <p:txBody>
+          <a:bodyPr wrap="square" rtlCol="0">
+            <a:spAutoFit/>
+          </a:bodyPr>
+          <a:lstStyle/>
+          <a:p>
+            <a:pPr algn="ctr"/>
+            <a:r>
+              <a:rPr lang="en-US" sz="3600" b="1" dirty="0">
+                <a:solidFill>
+                  <a:srgbClr val="660033"/>
+                </a:solidFill>
+              </a:rPr>
+              <a:t>( </a:t>
+            </a:r>
+            <a:r>
+              <a:rPr lang="en-US" sz="3600" b="1" dirty="0" smtClean="0">
+                <a:solidFill>
+                  <a:srgbClr val="660033"/>
+                </a:solidFill>
+              </a:rPr>
+              <a:t>4 </a:t>
+            </a:r>
+            <a:r>
+              <a:rPr lang="en-US" sz="3600" b="1" dirty="0">
+                <a:solidFill>
+                  <a:srgbClr val="660033"/>
+                </a:solidFill>
+              </a:rPr>
+              <a:t>)</a:t>
+            </a:r>
+            <a:endParaRPr lang="vi-VN" sz="3600" b="1" dirty="0">
+              <a:solidFill>
+                <a:srgbClr val="660033"/>
+              </a:solidFill>
+            </a:endParaRPr>
+          </a:p>
+        </p:txBody>
+      </p:sp>
+    </p:spTree>
+    <p:extLst>
+      <p:ext uri="{BB962C8B-B14F-4D97-AF65-F5344CB8AC3E}">
+        <p14:creationId xmlns:p14="http://schemas.microsoft.com/office/powerpoint/2010/main" val="2318357010"/>
+      </p:ext>
+    </p:extLst>
+  </p:cSld>
+  <p:clrMapOvr>
+    <a:masterClrMapping/>
+  </p:clrMapOvr>
+  <p:timing>
+    <p:tnLst>
+      <p:par>
+        <p:cTn id="1" dur="indefinite" restart="never" nodeType="tmRoot"/>
+      </p:par>
+    </p:tnLst>
+  </p:timing>
+</p:sld>
+</file>
+
+<file path=ppt/slides/slide15.xml><?xml version="1.0" encoding="utf-8"?>
+<p:sld xmlns:a="http://schemas.openxmlformats.org/drawingml/2006/main" xmlns:r="http://schemas.openxmlformats.org/officeDocument/2006/relationships" xmlns:p="http://schemas.openxmlformats.org/presentationml/2006/main">
+  <p:cSld>
+    <p:spTree>
+      <p:nvGrpSpPr>
+        <p:cNvPr id="1" name=""/>
+        <p:cNvGrpSpPr/>
+        <p:nvPr/>
+      </p:nvGrpSpPr>
+      <p:grpSpPr>
+        <a:xfrm>
+          <a:off x="0" y="0"/>
+          <a:ext cx="0" cy="0"/>
+          <a:chOff x="0" y="0"/>
+          <a:chExt cx="0" cy="0"/>
+        </a:xfrm>
+      </p:grpSpPr>
+      <p:sp>
+        <p:nvSpPr>
+          <p:cNvPr id="5" name="內容版面配置區 4"/>
+          <p:cNvSpPr>
+            <a:spLocks noGrp="1"/>
+          </p:cNvSpPr>
+          <p:nvPr>
+            <p:ph idx="1"/>
+          </p:nvPr>
+        </p:nvSpPr>
+        <p:spPr>
+          <a:xfrm>
+            <a:off x="0" y="1563639"/>
+            <a:ext cx="9144000" cy="1803647"/>
+          </a:xfrm>
+        </p:spPr>
+        <p:txBody>
+          <a:bodyPr anchor="ctr">
+            <a:normAutofit/>
+          </a:bodyPr>
+          <a:lstStyle/>
+          <a:p>
+            <a:pPr algn="ctr">
+              <a:buNone/>
+            </a:pPr>
+            <a:r>
+              <a:rPr lang="zh-TW" altLang="en-US" sz="4800" b="1" dirty="0">
+                <a:solidFill>
+                  <a:srgbClr val="660033"/>
+                </a:solidFill>
+                <a:latin typeface="微軟正黑體" pitchFamily="34" charset="-120"/>
+                <a:ea typeface="微軟正黑體" pitchFamily="34" charset="-120"/>
+              </a:rPr>
+              <a:t>普</a:t>
+            </a:r>
+            <a:r>
+              <a:rPr lang="zh-TW" altLang="en-US" sz="4800" b="1" dirty="0">
+                <a:solidFill>
+                  <a:srgbClr val="660033"/>
+                </a:solidFill>
+                <a:latin typeface="微軟正黑體" pitchFamily="34" charset="-120"/>
+                <a:ea typeface="微軟正黑體" pitchFamily="34" charset="-120"/>
+              </a:rPr>
+              <a:t>天之下戰事止</a:t>
+            </a:r>
+            <a:r>
+              <a:rPr lang="zh-TW" altLang="en-US" sz="4800" b="1" dirty="0">
+                <a:solidFill>
+                  <a:srgbClr val="660033"/>
+                </a:solidFill>
+                <a:latin typeface="微軟正黑體" pitchFamily="34" charset="-120"/>
+                <a:ea typeface="微軟正黑體" pitchFamily="34" charset="-120"/>
+              </a:rPr>
+              <a:t>息</a:t>
+            </a:r>
+            <a:endParaRPr lang="en-US" altLang="zh-TW" sz="4800" b="1" dirty="0">
+              <a:solidFill>
+                <a:srgbClr val="660033"/>
+              </a:solidFill>
+              <a:latin typeface="微軟正黑體" pitchFamily="34" charset="-120"/>
+              <a:ea typeface="微軟正黑體" pitchFamily="34" charset="-120"/>
+            </a:endParaRPr>
+          </a:p>
+          <a:p>
+            <a:pPr algn="ctr">
+              <a:buNone/>
+            </a:pPr>
+            <a:r>
+              <a:rPr lang="zh-TW" altLang="en-US" sz="4800" b="1" dirty="0">
+                <a:solidFill>
+                  <a:srgbClr val="660033"/>
+                </a:solidFill>
+                <a:latin typeface="微軟正黑體" pitchFamily="34" charset="-120"/>
+                <a:ea typeface="微軟正黑體" pitchFamily="34" charset="-120"/>
+              </a:rPr>
+              <a:t>干</a:t>
+            </a:r>
+            <a:r>
+              <a:rPr lang="zh-TW" altLang="en-US" sz="4800" b="1" dirty="0">
+                <a:solidFill>
+                  <a:srgbClr val="660033"/>
+                </a:solidFill>
+                <a:latin typeface="微軟正黑體" pitchFamily="34" charset="-120"/>
+                <a:ea typeface="微軟正黑體" pitchFamily="34" charset="-120"/>
+              </a:rPr>
+              <a:t>戈化為頌揚</a:t>
+            </a:r>
+            <a:endParaRPr lang="en-US" altLang="zh-TW" sz="4800" b="1" dirty="0">
+              <a:solidFill>
+                <a:srgbClr val="660033"/>
+              </a:solidFill>
+              <a:latin typeface="微軟正黑體" pitchFamily="34" charset="-120"/>
+              <a:ea typeface="微軟正黑體" pitchFamily="34" charset="-120"/>
+            </a:endParaRPr>
+          </a:p>
+        </p:txBody>
+      </p:sp>
+      <p:sp>
+        <p:nvSpPr>
+          <p:cNvPr id="3" name="TextBox 2"/>
+          <p:cNvSpPr txBox="1"/>
+          <p:nvPr/>
+        </p:nvSpPr>
+        <p:spPr>
+          <a:xfrm>
+            <a:off x="0" y="3795887"/>
+            <a:ext cx="9144000" cy="646331"/>
+          </a:xfrm>
+          <a:prstGeom prst="rect">
+            <a:avLst/>
+          </a:prstGeom>
+          <a:noFill/>
+        </p:spPr>
+        <p:txBody>
+          <a:bodyPr wrap="square" rtlCol="0">
+            <a:spAutoFit/>
+          </a:bodyPr>
+          <a:lstStyle/>
+          <a:p>
+            <a:pPr algn="ctr"/>
+            <a:r>
+              <a:rPr lang="en-US" sz="3600" b="1" dirty="0">
+                <a:solidFill>
+                  <a:srgbClr val="660033"/>
+                </a:solidFill>
+              </a:rPr>
+              <a:t>( </a:t>
+            </a:r>
+            <a:r>
+              <a:rPr lang="en-US" sz="3600" b="1" dirty="0" smtClean="0">
+                <a:solidFill>
+                  <a:srgbClr val="660033"/>
+                </a:solidFill>
+              </a:rPr>
+              <a:t>4 </a:t>
+            </a:r>
+            <a:r>
+              <a:rPr lang="en-US" sz="3600" b="1" dirty="0">
+                <a:solidFill>
+                  <a:srgbClr val="660033"/>
+                </a:solidFill>
+              </a:rPr>
+              <a:t>)</a:t>
+            </a:r>
+            <a:endParaRPr lang="vi-VN" sz="3600" b="1" dirty="0">
+              <a:solidFill>
+                <a:srgbClr val="660033"/>
+              </a:solidFill>
+            </a:endParaRPr>
+          </a:p>
+        </p:txBody>
+      </p:sp>
+    </p:spTree>
+    <p:extLst>
+      <p:ext uri="{BB962C8B-B14F-4D97-AF65-F5344CB8AC3E}">
+        <p14:creationId xmlns:p14="http://schemas.microsoft.com/office/powerpoint/2010/main" val="754000165"/>
+      </p:ext>
+    </p:extLst>
+  </p:cSld>
+  <p:clrMapOvr>
+    <a:masterClrMapping/>
+  </p:clrMapOvr>
+  <p:timing>
+    <p:tnLst>
+      <p:par>
+        <p:cTn id="1" dur="indefinite" restart="never" nodeType="tmRoot"/>
+      </p:par>
+    </p:tnLst>
+  </p:timing>
+</p:sld>
+</file>
+
+<file path=ppt/slides/slide16.xml><?xml version="1.0" encoding="utf-8"?>
+<p:sld xmlns:a="http://schemas.openxmlformats.org/drawingml/2006/main" xmlns:r="http://schemas.openxmlformats.org/officeDocument/2006/relationships" xmlns:p="http://schemas.openxmlformats.org/presentationml/2006/main">
+  <p:cSld>
+    <p:spTree>
+      <p:nvGrpSpPr>
+        <p:cNvPr id="1" name=""/>
+        <p:cNvGrpSpPr/>
+        <p:nvPr/>
+      </p:nvGrpSpPr>
+      <p:grpSpPr>
+        <a:xfrm>
+          <a:off x="0" y="0"/>
+          <a:ext cx="0" cy="0"/>
+          <a:chOff x="0" y="0"/>
+          <a:chExt cx="0" cy="0"/>
+        </a:xfrm>
+      </p:grpSpPr>
+      <p:sp>
+        <p:nvSpPr>
+          <p:cNvPr id="5" name="內容版面配置區 4"/>
+          <p:cNvSpPr>
+            <a:spLocks noGrp="1"/>
+          </p:cNvSpPr>
+          <p:nvPr>
+            <p:ph idx="1"/>
+          </p:nvPr>
+        </p:nvSpPr>
+        <p:spPr>
+          <a:xfrm>
+            <a:off x="0" y="1563639"/>
+            <a:ext cx="9144000" cy="1803647"/>
+          </a:xfrm>
+        </p:spPr>
+        <p:txBody>
+          <a:bodyPr anchor="ctr">
+            <a:normAutofit/>
+          </a:bodyPr>
+          <a:lstStyle/>
+          <a:p>
+            <a:pPr algn="ctr">
+              <a:buNone/>
+            </a:pPr>
+            <a:r>
+              <a:rPr lang="zh-TW" altLang="en-US" sz="4800" b="1" dirty="0">
+                <a:solidFill>
+                  <a:srgbClr val="660033"/>
+                </a:solidFill>
+                <a:latin typeface="微軟正黑體" pitchFamily="34" charset="-120"/>
+                <a:ea typeface="微軟正黑體" pitchFamily="34" charset="-120"/>
+              </a:rPr>
+              <a:t>主治萬國萬</a:t>
+            </a:r>
+            <a:r>
+              <a:rPr lang="zh-TW" altLang="en-US" sz="4800" b="1" dirty="0">
+                <a:solidFill>
+                  <a:srgbClr val="660033"/>
+                </a:solidFill>
+                <a:latin typeface="微軟正黑體" pitchFamily="34" charset="-120"/>
+                <a:ea typeface="微軟正黑體" pitchFamily="34" charset="-120"/>
+              </a:rPr>
+              <a:t>方</a:t>
+            </a:r>
+            <a:endParaRPr lang="en-US" altLang="zh-TW" sz="4800" b="1" dirty="0">
+              <a:solidFill>
+                <a:srgbClr val="660033"/>
+              </a:solidFill>
+              <a:latin typeface="微軟正黑體" pitchFamily="34" charset="-120"/>
+              <a:ea typeface="微軟正黑體" pitchFamily="34" charset="-120"/>
+            </a:endParaRPr>
+          </a:p>
+          <a:p>
+            <a:pPr algn="ctr">
+              <a:buNone/>
+            </a:pPr>
+            <a:r>
+              <a:rPr lang="zh-TW" altLang="en-US" sz="4800" b="1" dirty="0">
+                <a:solidFill>
+                  <a:srgbClr val="660033"/>
+                </a:solidFill>
+                <a:latin typeface="微軟正黑體" pitchFamily="34" charset="-120"/>
+                <a:ea typeface="微軟正黑體" pitchFamily="34" charset="-120"/>
+              </a:rPr>
+              <a:t>主</a:t>
+            </a:r>
+            <a:r>
+              <a:rPr lang="zh-TW" altLang="en-US" sz="4800" b="1" dirty="0">
+                <a:solidFill>
+                  <a:srgbClr val="660033"/>
+                </a:solidFill>
+                <a:latin typeface="微軟正黑體" pitchFamily="34" charset="-120"/>
+                <a:ea typeface="微軟正黑體" pitchFamily="34" charset="-120"/>
+              </a:rPr>
+              <a:t>權地久天長</a:t>
+            </a:r>
+            <a:endParaRPr lang="en-US" altLang="zh-TW" sz="4800" b="1" dirty="0">
+              <a:solidFill>
+                <a:srgbClr val="660033"/>
+              </a:solidFill>
+              <a:latin typeface="微軟正黑體" pitchFamily="34" charset="-120"/>
+              <a:ea typeface="微軟正黑體" pitchFamily="34" charset="-120"/>
+            </a:endParaRPr>
+          </a:p>
+        </p:txBody>
+      </p:sp>
+      <p:sp>
+        <p:nvSpPr>
+          <p:cNvPr id="3" name="TextBox 2"/>
+          <p:cNvSpPr txBox="1"/>
+          <p:nvPr/>
+        </p:nvSpPr>
+        <p:spPr>
+          <a:xfrm>
+            <a:off x="0" y="3795887"/>
+            <a:ext cx="9144000" cy="646331"/>
+          </a:xfrm>
+          <a:prstGeom prst="rect">
+            <a:avLst/>
+          </a:prstGeom>
+          <a:noFill/>
+        </p:spPr>
+        <p:txBody>
+          <a:bodyPr wrap="square" rtlCol="0">
+            <a:spAutoFit/>
+          </a:bodyPr>
+          <a:lstStyle/>
+          <a:p>
+            <a:pPr algn="ctr"/>
+            <a:r>
+              <a:rPr lang="en-US" sz="3600" b="1" dirty="0">
+                <a:solidFill>
+                  <a:srgbClr val="660033"/>
+                </a:solidFill>
+              </a:rPr>
+              <a:t>( </a:t>
+            </a:r>
+            <a:r>
+              <a:rPr lang="en-US" sz="3600" b="1" dirty="0" smtClean="0">
+                <a:solidFill>
+                  <a:srgbClr val="660033"/>
+                </a:solidFill>
+              </a:rPr>
+              <a:t>4 </a:t>
+            </a:r>
+            <a:r>
+              <a:rPr lang="en-US" sz="3600" b="1" dirty="0">
+                <a:solidFill>
+                  <a:srgbClr val="660033"/>
+                </a:solidFill>
+              </a:rPr>
+              <a:t>)</a:t>
+            </a:r>
+            <a:endParaRPr lang="vi-VN" sz="3600" b="1" dirty="0">
+              <a:solidFill>
+                <a:srgbClr val="660033"/>
+              </a:solidFill>
+            </a:endParaRPr>
+          </a:p>
+        </p:txBody>
+      </p:sp>
+    </p:spTree>
+    <p:extLst>
+      <p:ext uri="{BB962C8B-B14F-4D97-AF65-F5344CB8AC3E}">
+        <p14:creationId xmlns:p14="http://schemas.microsoft.com/office/powerpoint/2010/main" val="3197270007"/>
+      </p:ext>
+    </p:extLst>
+  </p:cSld>
+  <p:clrMapOvr>
+    <a:masterClrMapping/>
+  </p:clrMapOvr>
+  <p:timing>
+    <p:tnLst>
+      <p:par>
+        <p:cTn id="1" dur="indefinite" restart="never" nodeType="tmRoot"/>
+      </p:par>
+    </p:tnLst>
+  </p:timing>
+</p:sld>
+</file>
+
+<file path=ppt/slides/slide17.xml><?xml version="1.0" encoding="utf-8"?>
+<p:sld xmlns:a="http://schemas.openxmlformats.org/drawingml/2006/main" xmlns:r="http://schemas.openxmlformats.org/officeDocument/2006/relationships" xmlns:p="http://schemas.openxmlformats.org/presentationml/2006/main">
+  <p:cSld>
+    <p:spTree>
+      <p:nvGrpSpPr>
+        <p:cNvPr id="1" name=""/>
+        <p:cNvGrpSpPr/>
+        <p:nvPr/>
+      </p:nvGrpSpPr>
+      <p:grpSpPr>
+        <a:xfrm>
+          <a:off x="0" y="0"/>
+          <a:ext cx="0" cy="0"/>
+          <a:chOff x="0" y="0"/>
+          <a:chExt cx="0" cy="0"/>
+        </a:xfrm>
+      </p:grpSpPr>
+      <p:sp>
+        <p:nvSpPr>
+          <p:cNvPr id="5" name="內容版面配置區 4"/>
+          <p:cNvSpPr>
+            <a:spLocks noGrp="1"/>
+          </p:cNvSpPr>
+          <p:nvPr>
+            <p:ph idx="1"/>
+          </p:nvPr>
+        </p:nvSpPr>
+        <p:spPr>
+          <a:xfrm>
+            <a:off x="0" y="1563639"/>
+            <a:ext cx="9144000" cy="1803647"/>
+          </a:xfrm>
+        </p:spPr>
+        <p:txBody>
+          <a:bodyPr anchor="ctr">
+            <a:normAutofit/>
+          </a:bodyPr>
+          <a:lstStyle/>
+          <a:p>
+            <a:pPr algn="ctr">
+              <a:buNone/>
+            </a:pPr>
+            <a:r>
+              <a:rPr lang="zh-TW" altLang="en-US" sz="4800" b="1" dirty="0">
+                <a:solidFill>
+                  <a:srgbClr val="660033"/>
+                </a:solidFill>
+                <a:latin typeface="微軟正黑體" pitchFamily="34" charset="-120"/>
+                <a:ea typeface="微軟正黑體" pitchFamily="34" charset="-120"/>
+              </a:rPr>
+              <a:t>寶血所滋生命花</a:t>
+            </a:r>
+            <a:r>
+              <a:rPr lang="zh-TW" altLang="en-US" sz="4800" b="1" dirty="0">
+                <a:solidFill>
+                  <a:srgbClr val="660033"/>
+                </a:solidFill>
+                <a:latin typeface="微軟正黑體" pitchFamily="34" charset="-120"/>
+                <a:ea typeface="微軟正黑體" pitchFamily="34" charset="-120"/>
+              </a:rPr>
+              <a:t>放</a:t>
+            </a:r>
+            <a:endParaRPr lang="en-US" altLang="zh-TW" sz="4800" b="1" dirty="0">
+              <a:solidFill>
+                <a:srgbClr val="660033"/>
+              </a:solidFill>
+              <a:latin typeface="微軟正黑體" pitchFamily="34" charset="-120"/>
+              <a:ea typeface="微軟正黑體" pitchFamily="34" charset="-120"/>
+            </a:endParaRPr>
+          </a:p>
+          <a:p>
+            <a:pPr algn="ctr">
+              <a:buNone/>
+            </a:pPr>
+            <a:r>
+              <a:rPr lang="zh-TW" altLang="en-US" sz="4800" b="1" dirty="0">
+                <a:solidFill>
+                  <a:srgbClr val="660033"/>
+                </a:solidFill>
+                <a:latin typeface="微軟正黑體" pitchFamily="34" charset="-120"/>
+                <a:ea typeface="微軟正黑體" pitchFamily="34" charset="-120"/>
+              </a:rPr>
+              <a:t>薈</a:t>
+            </a:r>
+            <a:r>
+              <a:rPr lang="zh-TW" altLang="en-US" sz="4800" b="1" dirty="0">
+                <a:solidFill>
+                  <a:srgbClr val="660033"/>
+                </a:solidFill>
+                <a:latin typeface="微軟正黑體" pitchFamily="34" charset="-120"/>
+                <a:ea typeface="微軟正黑體" pitchFamily="34" charset="-120"/>
+              </a:rPr>
+              <a:t>成異彩天香</a:t>
+            </a:r>
+          </a:p>
+        </p:txBody>
+      </p:sp>
+      <p:sp>
+        <p:nvSpPr>
+          <p:cNvPr id="3" name="TextBox 2"/>
+          <p:cNvSpPr txBox="1"/>
+          <p:nvPr/>
+        </p:nvSpPr>
+        <p:spPr>
+          <a:xfrm>
+            <a:off x="0" y="3795887"/>
+            <a:ext cx="9144000" cy="646331"/>
+          </a:xfrm>
+          <a:prstGeom prst="rect">
+            <a:avLst/>
+          </a:prstGeom>
+          <a:noFill/>
+        </p:spPr>
+        <p:txBody>
+          <a:bodyPr wrap="square" rtlCol="0">
+            <a:spAutoFit/>
+          </a:bodyPr>
+          <a:lstStyle/>
+          <a:p>
+            <a:pPr algn="ctr"/>
+            <a:r>
+              <a:rPr lang="en-US" sz="3600" b="1" dirty="0">
+                <a:solidFill>
+                  <a:srgbClr val="660033"/>
+                </a:solidFill>
+              </a:rPr>
+              <a:t>( </a:t>
+            </a:r>
+            <a:r>
+              <a:rPr lang="en-US" sz="3600" b="1" dirty="0" smtClean="0">
+                <a:solidFill>
+                  <a:srgbClr val="660033"/>
+                </a:solidFill>
+              </a:rPr>
+              <a:t>4 </a:t>
+            </a:r>
+            <a:r>
+              <a:rPr lang="en-US" sz="3600" b="1" dirty="0">
+                <a:solidFill>
+                  <a:srgbClr val="660033"/>
+                </a:solidFill>
+              </a:rPr>
+              <a:t>)</a:t>
+            </a:r>
+            <a:endParaRPr lang="vi-VN" sz="3600" b="1" dirty="0">
+              <a:solidFill>
+                <a:srgbClr val="660033"/>
+              </a:solidFill>
+            </a:endParaRPr>
+          </a:p>
+        </p:txBody>
+      </p:sp>
+    </p:spTree>
+    <p:extLst>
+      <p:ext uri="{BB962C8B-B14F-4D97-AF65-F5344CB8AC3E}">
+        <p14:creationId xmlns:p14="http://schemas.microsoft.com/office/powerpoint/2010/main" val="2580936477"/>
+      </p:ext>
+    </p:extLst>
+  </p:cSld>
+  <p:clrMapOvr>
+    <a:masterClrMapping/>
+  </p:clrMapOvr>
+  <p:timing>
+    <p:tnLst>
+      <p:par>
+        <p:cTn id="1" dur="indefinite" restart="never" nodeType="tmRoot"/>
+      </p:par>
+    </p:tnLst>
+  </p:timing>
+</p:sld>
+</file>
+
+<file path=ppt/slides/slide18.xml><?xml version="1.0" encoding="utf-8"?>
+<p:sld xmlns:a="http://schemas.openxmlformats.org/drawingml/2006/main" xmlns:r="http://schemas.openxmlformats.org/officeDocument/2006/relationships" xmlns:p="http://schemas.openxmlformats.org/presentationml/2006/main">
+  <p:cSld>
+    <p:spTree>
+      <p:nvGrpSpPr>
+        <p:cNvPr id="1" name=""/>
+        <p:cNvGrpSpPr/>
+        <p:nvPr/>
+      </p:nvGrpSpPr>
+      <p:grpSpPr>
+        <a:xfrm>
+          <a:off x="0" y="0"/>
+          <a:ext cx="0" cy="0"/>
+          <a:chOff x="0" y="0"/>
+          <a:chExt cx="0" cy="0"/>
+        </a:xfrm>
+      </p:grpSpPr>
+      <p:sp>
+        <p:nvSpPr>
+          <p:cNvPr id="5" name="內容版面配置區 4"/>
+          <p:cNvSpPr>
+            <a:spLocks noGrp="1"/>
+          </p:cNvSpPr>
+          <p:nvPr>
+            <p:ph idx="1"/>
+          </p:nvPr>
+        </p:nvSpPr>
+        <p:spPr>
+          <a:xfrm>
+            <a:off x="0" y="1563639"/>
+            <a:ext cx="9144000" cy="1803647"/>
+          </a:xfrm>
+        </p:spPr>
+        <p:txBody>
+          <a:bodyPr anchor="ctr">
+            <a:normAutofit/>
+          </a:bodyPr>
+          <a:lstStyle/>
+          <a:p>
+            <a:pPr algn="ctr">
+              <a:buNone/>
+            </a:pPr>
+            <a:r>
+              <a:rPr lang="zh-TW" altLang="en-US" sz="4800" b="1" dirty="0">
+                <a:solidFill>
+                  <a:srgbClr val="660033"/>
+                </a:solidFill>
+                <a:latin typeface="微軟正黑體" pitchFamily="34" charset="-120"/>
+                <a:ea typeface="微軟正黑體" pitchFamily="34" charset="-120"/>
+              </a:rPr>
+              <a:t>快來擁戴為</a:t>
+            </a:r>
+            <a:r>
+              <a:rPr lang="zh-TW" altLang="en-US" sz="4800" b="1" dirty="0" smtClean="0">
+                <a:solidFill>
+                  <a:srgbClr val="660033"/>
+                </a:solidFill>
+                <a:latin typeface="微軟正黑體" pitchFamily="34" charset="-120"/>
+                <a:ea typeface="微軟正黑體" pitchFamily="34" charset="-120"/>
+              </a:rPr>
+              <a:t>王</a:t>
+            </a:r>
+            <a:endParaRPr lang="en-US" altLang="zh-TW" sz="4800" b="1" dirty="0" smtClean="0">
+              <a:solidFill>
+                <a:srgbClr val="660033"/>
+              </a:solidFill>
+              <a:latin typeface="微軟正黑體" pitchFamily="34" charset="-120"/>
+              <a:ea typeface="微軟正黑體" pitchFamily="34" charset="-120"/>
+            </a:endParaRPr>
+          </a:p>
+          <a:p>
+            <a:pPr algn="ctr">
+              <a:buNone/>
+            </a:pPr>
+            <a:r>
+              <a:rPr lang="zh-TW" altLang="en-US" sz="4800" b="1" dirty="0" smtClean="0">
+                <a:solidFill>
+                  <a:srgbClr val="660033"/>
+                </a:solidFill>
+                <a:latin typeface="微軟正黑體" pitchFamily="34" charset="-120"/>
+                <a:ea typeface="微軟正黑體" pitchFamily="34" charset="-120"/>
+              </a:rPr>
+              <a:t>人</a:t>
+            </a:r>
+            <a:r>
+              <a:rPr lang="zh-TW" altLang="en-US" sz="4800" b="1" dirty="0">
+                <a:solidFill>
+                  <a:srgbClr val="660033"/>
+                </a:solidFill>
+                <a:latin typeface="微軟正黑體" pitchFamily="34" charset="-120"/>
+                <a:ea typeface="微軟正黑體" pitchFamily="34" charset="-120"/>
+              </a:rPr>
+              <a:t>天共戴之王</a:t>
+            </a:r>
+            <a:endParaRPr lang="en-US" altLang="zh-TW" sz="4800" b="1" dirty="0">
+              <a:solidFill>
+                <a:srgbClr val="660033"/>
+              </a:solidFill>
+              <a:latin typeface="微軟正黑體" pitchFamily="34" charset="-120"/>
+              <a:ea typeface="微軟正黑體" pitchFamily="34" charset="-120"/>
+            </a:endParaRPr>
+          </a:p>
+        </p:txBody>
+      </p:sp>
+      <p:sp>
+        <p:nvSpPr>
+          <p:cNvPr id="3" name="TextBox 2"/>
+          <p:cNvSpPr txBox="1"/>
+          <p:nvPr/>
+        </p:nvSpPr>
+        <p:spPr>
+          <a:xfrm>
+            <a:off x="0" y="3795887"/>
+            <a:ext cx="9144000" cy="646331"/>
+          </a:xfrm>
+          <a:prstGeom prst="rect">
+            <a:avLst/>
+          </a:prstGeom>
+          <a:noFill/>
+        </p:spPr>
+        <p:txBody>
+          <a:bodyPr wrap="square" rtlCol="0">
+            <a:spAutoFit/>
+          </a:bodyPr>
+          <a:lstStyle/>
+          <a:p>
+            <a:pPr algn="ctr"/>
+            <a:r>
+              <a:rPr lang="en-US" sz="3600" b="1" dirty="0">
+                <a:solidFill>
+                  <a:srgbClr val="660033"/>
+                </a:solidFill>
+              </a:rPr>
+              <a:t>( </a:t>
+            </a:r>
+            <a:r>
+              <a:rPr lang="en-US" sz="3600" b="1" dirty="0" smtClean="0">
+                <a:solidFill>
+                  <a:srgbClr val="660033"/>
+                </a:solidFill>
+              </a:rPr>
+              <a:t>5 </a:t>
+            </a:r>
+            <a:r>
+              <a:rPr lang="en-US" sz="3600" b="1" dirty="0">
+                <a:solidFill>
+                  <a:srgbClr val="660033"/>
+                </a:solidFill>
+              </a:rPr>
+              <a:t>)</a:t>
+            </a:r>
+            <a:endParaRPr lang="vi-VN" sz="3600" b="1" dirty="0">
+              <a:solidFill>
+                <a:srgbClr val="660033"/>
+              </a:solidFill>
+            </a:endParaRPr>
+          </a:p>
+        </p:txBody>
+      </p:sp>
+    </p:spTree>
+    <p:extLst>
+      <p:ext uri="{BB962C8B-B14F-4D97-AF65-F5344CB8AC3E}">
+        <p14:creationId xmlns:p14="http://schemas.microsoft.com/office/powerpoint/2010/main" val="890955229"/>
+      </p:ext>
+    </p:extLst>
+  </p:cSld>
+  <p:clrMapOvr>
+    <a:masterClrMapping/>
+  </p:clrMapOvr>
+  <p:timing>
+    <p:tnLst>
+      <p:par>
+        <p:cTn id="1" dur="indefinite" restart="never" nodeType="tmRoot"/>
+      </p:par>
+    </p:tnLst>
+  </p:timing>
+</p:sld>
+</file>
+
+<file path=ppt/slides/slide19.xml><?xml version="1.0" encoding="utf-8"?>
+<p:sld xmlns:a="http://schemas.openxmlformats.org/drawingml/2006/main" xmlns:r="http://schemas.openxmlformats.org/officeDocument/2006/relationships" xmlns:p="http://schemas.openxmlformats.org/presentationml/2006/main">
+  <p:cSld>
+    <p:spTree>
+      <p:nvGrpSpPr>
+        <p:cNvPr id="1" name=""/>
+        <p:cNvGrpSpPr/>
+        <p:nvPr/>
+      </p:nvGrpSpPr>
+      <p:grpSpPr>
+        <a:xfrm>
+          <a:off x="0" y="0"/>
+          <a:ext cx="0" cy="0"/>
+          <a:chOff x="0" y="0"/>
+          <a:chExt cx="0" cy="0"/>
+        </a:xfrm>
+      </p:grpSpPr>
+      <p:sp>
+        <p:nvSpPr>
+          <p:cNvPr id="5" name="內容版面配置區 4"/>
+          <p:cNvSpPr>
+            <a:spLocks noGrp="1"/>
+          </p:cNvSpPr>
+          <p:nvPr>
+            <p:ph idx="1"/>
+          </p:nvPr>
+        </p:nvSpPr>
+        <p:spPr>
+          <a:xfrm>
+            <a:off x="0" y="1563639"/>
+            <a:ext cx="9144000" cy="1803647"/>
+          </a:xfrm>
+        </p:spPr>
+        <p:txBody>
+          <a:bodyPr anchor="ctr">
+            <a:normAutofit/>
+          </a:bodyPr>
+          <a:lstStyle/>
+          <a:p>
+            <a:pPr algn="ctr">
+              <a:buNone/>
+            </a:pPr>
+            <a:r>
+              <a:rPr lang="zh-TW" altLang="en-US" sz="4800" b="1" dirty="0">
+                <a:solidFill>
+                  <a:srgbClr val="660033"/>
+                </a:solidFill>
+                <a:latin typeface="微軟正黑體" pitchFamily="34" charset="-120"/>
+                <a:ea typeface="微軟正黑體" pitchFamily="34" charset="-120"/>
+              </a:rPr>
+              <a:t>萬靈稱祂奇妙愛</a:t>
+            </a:r>
+            <a:r>
+              <a:rPr lang="zh-TW" altLang="en-US" sz="4800" b="1" dirty="0" smtClean="0">
+                <a:solidFill>
+                  <a:srgbClr val="660033"/>
+                </a:solidFill>
+                <a:latin typeface="微軟正黑體" pitchFamily="34" charset="-120"/>
+                <a:ea typeface="微軟正黑體" pitchFamily="34" charset="-120"/>
+              </a:rPr>
+              <a:t>名</a:t>
+            </a:r>
+            <a:endParaRPr lang="en-US" altLang="zh-TW" sz="4800" b="1" dirty="0" smtClean="0">
+              <a:solidFill>
+                <a:srgbClr val="660033"/>
+              </a:solidFill>
+              <a:latin typeface="微軟正黑體" pitchFamily="34" charset="-120"/>
+              <a:ea typeface="微軟正黑體" pitchFamily="34" charset="-120"/>
+            </a:endParaRPr>
+          </a:p>
+          <a:p>
+            <a:pPr algn="ctr">
+              <a:buNone/>
+            </a:pPr>
+            <a:r>
+              <a:rPr lang="zh-TW" altLang="en-US" sz="4800" b="1" dirty="0" smtClean="0">
+                <a:solidFill>
+                  <a:srgbClr val="660033"/>
+                </a:solidFill>
+                <a:latin typeface="微軟正黑體" pitchFamily="34" charset="-120"/>
+                <a:ea typeface="微軟正黑體" pitchFamily="34" charset="-120"/>
+              </a:rPr>
+              <a:t>萬</a:t>
+            </a:r>
+            <a:r>
+              <a:rPr lang="zh-TW" altLang="en-US" sz="4800" b="1" dirty="0">
+                <a:solidFill>
+                  <a:srgbClr val="660033"/>
+                </a:solidFill>
+                <a:latin typeface="微軟正黑體" pitchFamily="34" charset="-120"/>
+                <a:ea typeface="微軟正黑體" pitchFamily="34" charset="-120"/>
+              </a:rPr>
+              <a:t>世尊祂至上</a:t>
+            </a:r>
+            <a:endParaRPr lang="en-US" altLang="zh-TW" sz="4800" b="1" dirty="0">
+              <a:solidFill>
+                <a:srgbClr val="660033"/>
+              </a:solidFill>
+              <a:latin typeface="微軟正黑體" pitchFamily="34" charset="-120"/>
+              <a:ea typeface="微軟正黑體" pitchFamily="34" charset="-120"/>
+            </a:endParaRPr>
+          </a:p>
+        </p:txBody>
+      </p:sp>
+      <p:sp>
+        <p:nvSpPr>
+          <p:cNvPr id="3" name="TextBox 2"/>
+          <p:cNvSpPr txBox="1"/>
+          <p:nvPr/>
+        </p:nvSpPr>
+        <p:spPr>
+          <a:xfrm>
+            <a:off x="0" y="3795887"/>
+            <a:ext cx="9144000" cy="646331"/>
+          </a:xfrm>
+          <a:prstGeom prst="rect">
+            <a:avLst/>
+          </a:prstGeom>
+          <a:noFill/>
+        </p:spPr>
+        <p:txBody>
+          <a:bodyPr wrap="square" rtlCol="0">
+            <a:spAutoFit/>
+          </a:bodyPr>
+          <a:lstStyle/>
+          <a:p>
+            <a:pPr algn="ctr"/>
+            <a:r>
+              <a:rPr lang="en-US" sz="3600" b="1" dirty="0">
+                <a:solidFill>
+                  <a:srgbClr val="660033"/>
+                </a:solidFill>
+              </a:rPr>
+              <a:t>( </a:t>
+            </a:r>
+            <a:r>
+              <a:rPr lang="en-US" sz="3600" b="1" dirty="0" smtClean="0">
+                <a:solidFill>
+                  <a:srgbClr val="660033"/>
+                </a:solidFill>
+              </a:rPr>
+              <a:t>5 </a:t>
+            </a:r>
+            <a:r>
+              <a:rPr lang="en-US" sz="3600" b="1" dirty="0">
+                <a:solidFill>
+                  <a:srgbClr val="660033"/>
+                </a:solidFill>
+              </a:rPr>
+              <a:t>)</a:t>
+            </a:r>
+            <a:endParaRPr lang="vi-VN" sz="3600" b="1" dirty="0">
+              <a:solidFill>
+                <a:srgbClr val="660033"/>
+              </a:solidFill>
+            </a:endParaRPr>
+          </a:p>
+        </p:txBody>
+      </p:sp>
+    </p:spTree>
+    <p:extLst>
+      <p:ext uri="{BB962C8B-B14F-4D97-AF65-F5344CB8AC3E}">
+        <p14:creationId xmlns:p14="http://schemas.microsoft.com/office/powerpoint/2010/main" val="3060309693"/>
+      </p:ext>
+    </p:extLst>
+  </p:cSld>
+  <p:clrMapOvr>
+    <a:masterClrMapping/>
+  </p:clrMapOvr>
+  <p:timing>
+    <p:tnLst>
+      <p:par>
+        <p:cTn id="1" dur="indefinite" restart="never" nodeType="tmRoot"/>
+      </p:par>
+    </p:tnLst>
+  </p:timing>
 </p:sld>
 </file>
 
@@ -3463,132 +5041,52 @@
       </p:grpSpPr>
       <p:sp>
         <p:nvSpPr>
-          <p:cNvPr id="2" name="標題 1"/>
-          <p:cNvSpPr>
-            <a:spLocks noGrp="1"/>
-          </p:cNvSpPr>
-          <p:nvPr>
-            <p:ph type="title"/>
-          </p:nvPr>
-        </p:nvSpPr>
-        <p:spPr/>
-        <p:txBody>
-          <a:bodyPr>
+          <p:cNvPr id="5" name="內容版面配置區 4"/>
+          <p:cNvSpPr>
+            <a:spLocks noGrp="1"/>
+          </p:cNvSpPr>
+          <p:nvPr>
+            <p:ph idx="1"/>
+          </p:nvPr>
+        </p:nvSpPr>
+        <p:spPr>
+          <a:xfrm>
+            <a:off x="0" y="1563639"/>
+            <a:ext cx="9144000" cy="1803647"/>
+          </a:xfrm>
+        </p:spPr>
+        <p:txBody>
+          <a:bodyPr anchor="ctr">
             <a:normAutofit/>
           </a:bodyPr>
           <a:lstStyle/>
           <a:p>
-            <a:r>
-              <a:rPr lang="zh-TW" altLang="en-US" sz="4000" b="1" dirty="0">
-                <a:solidFill>
-                  <a:srgbClr val="000066"/>
-                </a:solidFill>
-                <a:latin typeface="微軟正黑體" pitchFamily="34" charset="-120"/>
-                <a:ea typeface="微軟正黑體" pitchFamily="34" charset="-120"/>
-              </a:rPr>
-              <a:t>擁戴為王</a:t>
-            </a:r>
-          </a:p>
-        </p:txBody>
-      </p:sp>
-      <p:sp>
-        <p:nvSpPr>
-          <p:cNvPr id="4" name="內容版面配置區 3"/>
-          <p:cNvSpPr>
-            <a:spLocks noGrp="1"/>
-          </p:cNvSpPr>
-          <p:nvPr>
-            <p:ph idx="1"/>
-          </p:nvPr>
-        </p:nvSpPr>
-        <p:spPr>
-          <a:xfrm>
-            <a:off x="0" y="1200151"/>
-            <a:ext cx="9144000" cy="3394472"/>
-          </a:xfrm>
-        </p:spPr>
-        <p:txBody>
-          <a:bodyPr>
-            <a:noAutofit/>
-          </a:bodyPr>
-          <a:lstStyle/>
-          <a:p>
             <a:pPr algn="ctr">
               <a:buNone/>
             </a:pPr>
             <a:r>
               <a:rPr lang="zh-TW" altLang="en-US" sz="4800" b="1" dirty="0">
                 <a:solidFill>
-                  <a:srgbClr val="000066"/>
-                </a:solidFill>
-                <a:latin typeface="微軟正黑體" pitchFamily="34" charset="-120"/>
-                <a:ea typeface="微軟正黑體" pitchFamily="34" charset="-120"/>
-              </a:rPr>
-              <a:t>快來擁戴為</a:t>
-            </a:r>
-            <a:r>
-              <a:rPr lang="zh-TW" altLang="en-US" sz="4800" b="1" dirty="0" smtClean="0">
-                <a:solidFill>
-                  <a:srgbClr val="000066"/>
-                </a:solidFill>
-                <a:latin typeface="微軟正黑體" pitchFamily="34" charset="-120"/>
-                <a:ea typeface="微軟正黑體" pitchFamily="34" charset="-120"/>
-              </a:rPr>
-              <a:t>王</a:t>
-            </a:r>
-            <a:r>
-              <a:rPr lang="en-US" altLang="zh-TW" sz="4800" b="1" dirty="0" smtClean="0">
-                <a:solidFill>
-                  <a:srgbClr val="000066"/>
+                  <a:srgbClr val="660033"/>
+                </a:solidFill>
+                <a:latin typeface="微軟正黑體" pitchFamily="34" charset="-120"/>
+                <a:ea typeface="微軟正黑體" pitchFamily="34" charset="-120"/>
+              </a:rPr>
+              <a:t>快來擁戴為王</a:t>
+            </a:r>
+            <a:r>
+              <a:rPr lang="en-US" altLang="zh-TW" sz="4800" b="1" dirty="0">
+                <a:solidFill>
+                  <a:srgbClr val="660033"/>
                 </a:solidFill>
                 <a:latin typeface="微軟正黑體" pitchFamily="34" charset="-120"/>
                 <a:ea typeface="微軟正黑體" pitchFamily="34" charset="-120"/>
               </a:rPr>
               <a:t>  </a:t>
             </a:r>
-            <a:r>
-              <a:rPr lang="zh-TW" altLang="en-US" sz="4800" b="1" dirty="0" smtClean="0">
-                <a:solidFill>
-                  <a:srgbClr val="000066"/>
-                </a:solidFill>
-                <a:latin typeface="微軟正黑體" pitchFamily="34" charset="-120"/>
-                <a:ea typeface="微軟正黑體" pitchFamily="34" charset="-120"/>
-              </a:rPr>
-              <a:t>聖</a:t>
-            </a:r>
-            <a:r>
-              <a:rPr lang="zh-TW" altLang="en-US" sz="4800" b="1" dirty="0">
-                <a:solidFill>
-                  <a:srgbClr val="000066"/>
-                </a:solidFill>
-                <a:latin typeface="微軟正黑體" pitchFamily="34" charset="-120"/>
-                <a:ea typeface="微軟正黑體" pitchFamily="34" charset="-120"/>
-              </a:rPr>
-              <a:t>潔</a:t>
-            </a:r>
-            <a:r>
-              <a:rPr lang="zh-TW" altLang="en-US" sz="4800" b="1" dirty="0">
-                <a:solidFill>
-                  <a:srgbClr val="000066"/>
-                </a:solidFill>
-                <a:latin typeface="微軟正黑體" pitchFamily="34" charset="-120"/>
-                <a:ea typeface="微軟正黑體" pitchFamily="34" charset="-120"/>
-              </a:rPr>
-              <a:t>至尊神</a:t>
-            </a:r>
-            <a:r>
-              <a:rPr lang="zh-TW" altLang="en-US" sz="4800" b="1" dirty="0">
-                <a:solidFill>
-                  <a:srgbClr val="000066"/>
-                </a:solidFill>
-                <a:latin typeface="微軟正黑體" pitchFamily="34" charset="-120"/>
-                <a:ea typeface="微軟正黑體" pitchFamily="34" charset="-120"/>
-              </a:rPr>
-              <a:t>子</a:t>
-            </a:r>
-            <a:endParaRPr lang="en-US" altLang="zh-TW" sz="4800" b="1" dirty="0">
+            <a:endParaRPr lang="en-US" altLang="zh-TW" sz="4800" b="1" dirty="0" smtClean="0">
               <a:solidFill>
-                <a:srgbClr val="000066"/>
+                <a:srgbClr val="660033"/>
               </a:solidFill>
               <a:latin typeface="微軟正黑體" pitchFamily="34" charset="-120"/>
               <a:ea typeface="微軟正黑體" pitchFamily="34" charset="-120"/>
@@ -3599,234 +5097,55 @@
               <a:buNone/>
             </a:pPr>
             <a:r>
+              <a:rPr lang="zh-TW" altLang="en-US" sz="4800" b="1" dirty="0" smtClean="0">
+                <a:solidFill>
+                  <a:srgbClr val="660033"/>
+                </a:solidFill>
+                <a:latin typeface="微軟正黑體" pitchFamily="34" charset="-120"/>
+                <a:ea typeface="微軟正黑體" pitchFamily="34" charset="-120"/>
+              </a:rPr>
+              <a:t>聖</a:t>
+            </a:r>
+            <a:r>
               <a:rPr lang="zh-TW" altLang="en-US" sz="4800" b="1" dirty="0">
                 <a:solidFill>
-                  <a:srgbClr val="000066"/>
-                </a:solidFill>
-                <a:latin typeface="微軟正黑體" pitchFamily="34" charset="-120"/>
-                <a:ea typeface="微軟正黑體" pitchFamily="34" charset="-120"/>
-              </a:rPr>
-              <a:t>跟</a:t>
-            </a:r>
-            <a:r>
-              <a:rPr lang="zh-TW" altLang="en-US" sz="4800" b="1" dirty="0">
-                <a:solidFill>
-                  <a:srgbClr val="000066"/>
-                </a:solidFill>
-                <a:latin typeface="微軟正黑體" pitchFamily="34" charset="-120"/>
-                <a:ea typeface="微軟正黑體" pitchFamily="34" charset="-120"/>
-              </a:rPr>
-              <a:t>祂的人快樂</a:t>
-            </a:r>
-            <a:r>
-              <a:rPr lang="zh-TW" altLang="en-US" sz="4800" b="1" dirty="0">
-                <a:solidFill>
-                  <a:srgbClr val="000066"/>
-                </a:solidFill>
-                <a:latin typeface="微軟正黑體" pitchFamily="34" charset="-120"/>
-                <a:ea typeface="微軟正黑體" pitchFamily="34" charset="-120"/>
-              </a:rPr>
-              <a:t>擁</a:t>
+                  <a:srgbClr val="660033"/>
+                </a:solidFill>
+                <a:latin typeface="微軟正黑體" pitchFamily="34" charset="-120"/>
+                <a:ea typeface="微軟正黑體" pitchFamily="34" charset="-120"/>
+              </a:rPr>
+              <a:t>羔在寶座</a:t>
             </a:r>
             <a:r>
               <a:rPr lang="zh-TW" altLang="en-US" sz="4800" b="1" dirty="0" smtClean="0">
                 <a:solidFill>
-                  <a:srgbClr val="000066"/>
-                </a:solidFill>
-                <a:latin typeface="微軟正黑體" pitchFamily="34" charset="-120"/>
-                <a:ea typeface="微軟正黑體" pitchFamily="34" charset="-120"/>
-              </a:rPr>
-              <a:t>戴</a:t>
-            </a:r>
-            <a:r>
-              <a:rPr lang="en-US" altLang="zh-TW" sz="4800" b="1" dirty="0" smtClean="0">
-                <a:solidFill>
-                  <a:srgbClr val="000066"/>
-                </a:solidFill>
-                <a:latin typeface="微軟正黑體" pitchFamily="34" charset="-120"/>
-                <a:ea typeface="微軟正黑體" pitchFamily="34" charset="-120"/>
-              </a:rPr>
-              <a:t>  </a:t>
-            </a:r>
-            <a:r>
-              <a:rPr lang="zh-TW" altLang="en-US" sz="4800" b="1" dirty="0" smtClean="0">
-                <a:solidFill>
-                  <a:srgbClr val="000066"/>
-                </a:solidFill>
-                <a:latin typeface="微軟正黑體" pitchFamily="34" charset="-120"/>
-                <a:ea typeface="微軟正黑體" pitchFamily="34" charset="-120"/>
-              </a:rPr>
-              <a:t>因</a:t>
-            </a:r>
-            <a:r>
-              <a:rPr lang="zh-TW" altLang="en-US" sz="4800" b="1" dirty="0">
-                <a:solidFill>
-                  <a:srgbClr val="000066"/>
-                </a:solidFill>
-                <a:latin typeface="微軟正黑體" pitchFamily="34" charset="-120"/>
-                <a:ea typeface="微軟正黑體" pitchFamily="34" charset="-120"/>
-              </a:rPr>
-              <a:t>祂亦是人</a:t>
-            </a:r>
-            <a:r>
-              <a:rPr lang="zh-TW" altLang="en-US" sz="4800" b="1" dirty="0" smtClean="0">
-                <a:solidFill>
-                  <a:srgbClr val="000066"/>
-                </a:solidFill>
-                <a:latin typeface="微軟正黑體" pitchFamily="34" charset="-120"/>
-                <a:ea typeface="微軟正黑體" pitchFamily="34" charset="-120"/>
-              </a:rPr>
-              <a:t>子</a:t>
-            </a:r>
-            <a:endParaRPr lang="en-US" altLang="zh-TW" sz="4800" b="1" dirty="0" smtClean="0">
+                  <a:srgbClr val="660033"/>
+                </a:solidFill>
+                <a:latin typeface="微軟正黑體" pitchFamily="34" charset="-120"/>
+                <a:ea typeface="微軟正黑體" pitchFamily="34" charset="-120"/>
+              </a:rPr>
+              <a:t>上</a:t>
+            </a:r>
+            <a:endParaRPr lang="en-US" altLang="zh-TW" sz="4800" b="1" dirty="0">
               <a:solidFill>
-                <a:srgbClr val="000066"/>
+                <a:srgbClr val="660033"/>
               </a:solidFill>
               <a:latin typeface="微軟正黑體" pitchFamily="34" charset="-120"/>
               <a:ea typeface="微軟正黑體" pitchFamily="34" charset="-120"/>
             </a:endParaRPr>
           </a:p>
-          <a:p>
-            <a:pPr algn="ctr">
-              <a:buNone/>
-            </a:pPr>
-            <a:r>
-              <a:rPr lang="zh-TW" altLang="en-US" sz="4800" b="1" dirty="0">
-                <a:solidFill>
-                  <a:srgbClr val="000066"/>
-                </a:solidFill>
-                <a:latin typeface="微軟正黑體" pitchFamily="34" charset="-120"/>
-                <a:ea typeface="微軟正黑體" pitchFamily="34" charset="-120"/>
-              </a:rPr>
-              <a:t>塵世千萬憂</a:t>
-            </a:r>
-            <a:r>
-              <a:rPr lang="zh-TW" altLang="en-US" sz="4800" b="1" dirty="0" smtClean="0">
-                <a:solidFill>
-                  <a:srgbClr val="000066"/>
-                </a:solidFill>
-                <a:latin typeface="微軟正黑體" pitchFamily="34" charset="-120"/>
-                <a:ea typeface="微軟正黑體" pitchFamily="34" charset="-120"/>
-              </a:rPr>
-              <a:t>傷</a:t>
-            </a:r>
-            <a:r>
-              <a:rPr lang="en-US" altLang="zh-TW" sz="4800" b="1" dirty="0" smtClean="0">
-                <a:solidFill>
-                  <a:srgbClr val="000066"/>
-                </a:solidFill>
-                <a:latin typeface="微軟正黑體" pitchFamily="34" charset="-120"/>
-                <a:ea typeface="微軟正黑體" pitchFamily="34" charset="-120"/>
-              </a:rPr>
-              <a:t>  </a:t>
-            </a:r>
-            <a:r>
-              <a:rPr lang="zh-TW" altLang="en-US" sz="4800" b="1" dirty="0" smtClean="0">
-                <a:solidFill>
-                  <a:srgbClr val="000066"/>
-                </a:solidFill>
-                <a:latin typeface="微軟正黑體" pitchFamily="34" charset="-120"/>
-                <a:ea typeface="微軟正黑體" pitchFamily="34" charset="-120"/>
-              </a:rPr>
-              <a:t>一</a:t>
-            </a:r>
-            <a:r>
-              <a:rPr lang="zh-TW" altLang="en-US" sz="4800" b="1" dirty="0">
-                <a:solidFill>
-                  <a:srgbClr val="000066"/>
-                </a:solidFill>
-                <a:latin typeface="微軟正黑體" pitchFamily="34" charset="-120"/>
-                <a:ea typeface="微軟正黑體" pitchFamily="34" charset="-120"/>
-              </a:rPr>
-              <a:t>切經祂親嘗</a:t>
-            </a:r>
-            <a:endParaRPr lang="en-US" altLang="zh-TW" sz="4800" b="1" dirty="0">
-              <a:solidFill>
-                <a:srgbClr val="000066"/>
-              </a:solidFill>
-              <a:latin typeface="微軟正黑體" pitchFamily="34" charset="-120"/>
-              <a:ea typeface="微軟正黑體" pitchFamily="34" charset="-120"/>
-            </a:endParaRPr>
-          </a:p>
-          <a:p>
-            <a:pPr algn="ctr">
-              <a:buNone/>
-            </a:pPr>
-            <a:r>
-              <a:rPr lang="zh-TW" altLang="en-US" sz="4800" b="1" dirty="0">
-                <a:solidFill>
-                  <a:srgbClr val="000066"/>
-                </a:solidFill>
-                <a:latin typeface="微軟正黑體" pitchFamily="34" charset="-120"/>
-                <a:ea typeface="微軟正黑體" pitchFamily="34" charset="-120"/>
-              </a:rPr>
-              <a:t>因祂決心擔負諸</a:t>
-            </a:r>
-            <a:r>
-              <a:rPr lang="zh-TW" altLang="en-US" sz="4800" b="1" dirty="0" smtClean="0">
-                <a:solidFill>
-                  <a:srgbClr val="000066"/>
-                </a:solidFill>
-                <a:latin typeface="微軟正黑體" pitchFamily="34" charset="-120"/>
-                <a:ea typeface="微軟正黑體" pitchFamily="34" charset="-120"/>
-              </a:rPr>
-              <a:t>累</a:t>
-            </a:r>
-            <a:r>
-              <a:rPr lang="en-US" altLang="zh-TW" sz="4800" b="1" dirty="0" smtClean="0">
-                <a:solidFill>
-                  <a:srgbClr val="000066"/>
-                </a:solidFill>
-                <a:latin typeface="微軟正黑體" pitchFamily="34" charset="-120"/>
-                <a:ea typeface="微軟正黑體" pitchFamily="34" charset="-120"/>
-              </a:rPr>
-              <a:t>  </a:t>
-            </a:r>
-            <a:r>
-              <a:rPr lang="zh-TW" altLang="en-US" sz="4800" b="1" dirty="0" smtClean="0">
-                <a:solidFill>
-                  <a:srgbClr val="000066"/>
-                </a:solidFill>
-                <a:latin typeface="微軟正黑體" pitchFamily="34" charset="-120"/>
-                <a:ea typeface="微軟正黑體" pitchFamily="34" charset="-120"/>
-              </a:rPr>
-              <a:t>群</a:t>
-            </a:r>
-            <a:r>
-              <a:rPr lang="zh-TW" altLang="en-US" sz="4800" b="1" dirty="0">
-                <a:solidFill>
-                  <a:srgbClr val="000066"/>
-                </a:solidFill>
-                <a:latin typeface="微軟正黑體" pitchFamily="34" charset="-120"/>
-                <a:ea typeface="微軟正黑體" pitchFamily="34" charset="-120"/>
-              </a:rPr>
-              <a:t>生得享安康</a:t>
-            </a:r>
-          </a:p>
-          <a:p>
-            <a:pPr algn="ctr">
-              <a:buNone/>
-            </a:pPr>
-            <a:endParaRPr lang="zh-TW" altLang="en-US" sz="4800" b="1" dirty="0">
-              <a:solidFill>
-                <a:srgbClr val="000066"/>
-              </a:solidFill>
-              <a:latin typeface="微軟正黑體" pitchFamily="34" charset="-120"/>
-              <a:ea typeface="微軟正黑體" pitchFamily="34" charset="-120"/>
-            </a:endParaRPr>
-          </a:p>
-        </p:txBody>
-      </p:sp>
-      <p:sp>
-        <p:nvSpPr>
-          <p:cNvPr id="5" name="TextBox 4"/>
+        </p:txBody>
+      </p:sp>
+      <p:sp>
+        <p:nvSpPr>
+          <p:cNvPr id="3" name="TextBox 2"/>
           <p:cNvSpPr txBox="1"/>
           <p:nvPr/>
         </p:nvSpPr>
         <p:spPr>
           <a:xfrm>
-            <a:off x="109368" y="1244473"/>
-            <a:ext cx="690947" cy="707886"/>
+            <a:off x="0" y="3795887"/>
+            <a:ext cx="9144000" cy="646331"/>
           </a:xfrm>
           <a:prstGeom prst="rect">
             <a:avLst/>
@@ -3839,41 +5158,398 @@
           </a:bodyPr>
           <a:lstStyle/>
           <a:p>
-            <a:r>
-              <a:rPr lang="en-US" altLang="zh-CN" sz="4000" b="1" dirty="0">
-                <a:solidFill>
-                  <a:srgbClr val="000066"/>
-                </a:solidFill>
-                <a:latin typeface="微軟正黑體" pitchFamily="34" charset="-120"/>
-                <a:ea typeface="微軟正黑體" pitchFamily="34" charset="-120"/>
-              </a:rPr>
-              <a:t>2</a:t>
-            </a:r>
-            <a:r>
-              <a:rPr lang="en-US" altLang="zh-CN" sz="4000" b="1" dirty="0" smtClean="0">
-                <a:solidFill>
-                  <a:srgbClr val="000066"/>
-                </a:solidFill>
-                <a:latin typeface="微軟正黑體" pitchFamily="34" charset="-120"/>
-                <a:ea typeface="微軟正黑體" pitchFamily="34" charset="-120"/>
-              </a:rPr>
-              <a:t>.</a:t>
-            </a:r>
-            <a:endParaRPr lang="en-US" sz="4000" b="1" dirty="0">
+            <a:pPr algn="ctr"/>
+            <a:r>
+              <a:rPr lang="en-US" sz="3600" b="1" dirty="0">
+                <a:solidFill>
+                  <a:srgbClr val="660033"/>
+                </a:solidFill>
+              </a:rPr>
+              <a:t>( 1 )</a:t>
+            </a:r>
+            <a:endParaRPr lang="vi-VN" sz="3600" b="1" dirty="0">
               <a:solidFill>
-                <a:srgbClr val="000066"/>
+                <a:srgbClr val="660033"/>
+              </a:solidFill>
+            </a:endParaRPr>
+          </a:p>
+        </p:txBody>
+      </p:sp>
+    </p:spTree>
+    <p:extLst>
+      <p:ext uri="{BB962C8B-B14F-4D97-AF65-F5344CB8AC3E}">
+        <p14:creationId xmlns:p14="http://schemas.microsoft.com/office/powerpoint/2010/main" val="2358065495"/>
+      </p:ext>
+    </p:extLst>
+  </p:cSld>
+  <p:clrMapOvr>
+    <a:masterClrMapping/>
+  </p:clrMapOvr>
+  <p:timing>
+    <p:tnLst>
+      <p:par>
+        <p:cTn id="1" dur="indefinite" restart="never" nodeType="tmRoot"/>
+      </p:par>
+    </p:tnLst>
+  </p:timing>
+</p:sld>
+</file>
+
+<file path=ppt/slides/slide20.xml><?xml version="1.0" encoding="utf-8"?>
+<p:sld xmlns:a="http://schemas.openxmlformats.org/drawingml/2006/main" xmlns:r="http://schemas.openxmlformats.org/officeDocument/2006/relationships" xmlns:p="http://schemas.openxmlformats.org/presentationml/2006/main">
+  <p:cSld>
+    <p:spTree>
+      <p:nvGrpSpPr>
+        <p:cNvPr id="1" name=""/>
+        <p:cNvGrpSpPr/>
+        <p:nvPr/>
+      </p:nvGrpSpPr>
+      <p:grpSpPr>
+        <a:xfrm>
+          <a:off x="0" y="0"/>
+          <a:ext cx="0" cy="0"/>
+          <a:chOff x="0" y="0"/>
+          <a:chExt cx="0" cy="0"/>
+        </a:xfrm>
+      </p:grpSpPr>
+      <p:sp>
+        <p:nvSpPr>
+          <p:cNvPr id="5" name="內容版面配置區 4"/>
+          <p:cNvSpPr>
+            <a:spLocks noGrp="1"/>
+          </p:cNvSpPr>
+          <p:nvPr>
+            <p:ph idx="1"/>
+          </p:nvPr>
+        </p:nvSpPr>
+        <p:spPr>
+          <a:xfrm>
+            <a:off x="0" y="1563639"/>
+            <a:ext cx="9144000" cy="1803647"/>
+          </a:xfrm>
+        </p:spPr>
+        <p:txBody>
+          <a:bodyPr anchor="ctr">
+            <a:normAutofit/>
+          </a:bodyPr>
+          <a:lstStyle/>
+          <a:p>
+            <a:pPr algn="ctr">
+              <a:buNone/>
+            </a:pPr>
+            <a:r>
+              <a:rPr lang="zh-TW" altLang="en-US" sz="4800" b="1" dirty="0">
+                <a:solidFill>
+                  <a:srgbClr val="660033"/>
+                </a:solidFill>
+                <a:latin typeface="微軟正黑體" pitchFamily="34" charset="-120"/>
+                <a:ea typeface="微軟正黑體" pitchFamily="34" charset="-120"/>
+              </a:rPr>
+              <a:t>世界萬國之</a:t>
+            </a:r>
+            <a:r>
+              <a:rPr lang="zh-TW" altLang="en-US" sz="4800" b="1" dirty="0" smtClean="0">
+                <a:solidFill>
+                  <a:srgbClr val="660033"/>
+                </a:solidFill>
+                <a:latin typeface="微軟正黑體" pitchFamily="34" charset="-120"/>
+                <a:ea typeface="微軟正黑體" pitchFamily="34" charset="-120"/>
+              </a:rPr>
+              <a:t>君</a:t>
+            </a:r>
+            <a:endParaRPr lang="en-US" altLang="zh-TW" sz="4800" b="1" dirty="0" smtClean="0">
+              <a:solidFill>
+                <a:srgbClr val="660033"/>
               </a:solidFill>
               <a:latin typeface="微軟正黑體" pitchFamily="34" charset="-120"/>
               <a:ea typeface="微軟正黑體" pitchFamily="34" charset="-120"/>
             </a:endParaRPr>
           </a:p>
+          <a:p>
+            <a:pPr algn="ctr">
+              <a:buNone/>
+            </a:pPr>
+            <a:r>
+              <a:rPr lang="zh-TW" altLang="en-US" sz="4800" b="1" dirty="0" smtClean="0">
+                <a:solidFill>
+                  <a:srgbClr val="660033"/>
+                </a:solidFill>
+                <a:latin typeface="微軟正黑體" pitchFamily="34" charset="-120"/>
+                <a:ea typeface="微軟正黑體" pitchFamily="34" charset="-120"/>
+              </a:rPr>
+              <a:t>卑</a:t>
+            </a:r>
+            <a:r>
+              <a:rPr lang="zh-TW" altLang="en-US" sz="4800" b="1" dirty="0">
+                <a:solidFill>
+                  <a:srgbClr val="660033"/>
+                </a:solidFill>
+                <a:latin typeface="微軟正黑體" pitchFamily="34" charset="-120"/>
+                <a:ea typeface="微軟正黑體" pitchFamily="34" charset="-120"/>
+              </a:rPr>
+              <a:t>伏覲見至尊</a:t>
+            </a:r>
+            <a:endParaRPr lang="en-US" altLang="zh-TW" sz="4800" b="1" dirty="0">
+              <a:solidFill>
+                <a:srgbClr val="660033"/>
+              </a:solidFill>
+              <a:latin typeface="微軟正黑體" pitchFamily="34" charset="-120"/>
+              <a:ea typeface="微軟正黑體" pitchFamily="34" charset="-120"/>
+            </a:endParaRPr>
+          </a:p>
+        </p:txBody>
+      </p:sp>
+      <p:sp>
+        <p:nvSpPr>
+          <p:cNvPr id="3" name="TextBox 2"/>
+          <p:cNvSpPr txBox="1"/>
+          <p:nvPr/>
+        </p:nvSpPr>
+        <p:spPr>
+          <a:xfrm>
+            <a:off x="0" y="3795887"/>
+            <a:ext cx="9144000" cy="646331"/>
+          </a:xfrm>
+          <a:prstGeom prst="rect">
+            <a:avLst/>
+          </a:prstGeom>
+          <a:noFill/>
+        </p:spPr>
+        <p:txBody>
+          <a:bodyPr wrap="square" rtlCol="0">
+            <a:spAutoFit/>
+          </a:bodyPr>
+          <a:lstStyle/>
+          <a:p>
+            <a:pPr algn="ctr"/>
+            <a:r>
+              <a:rPr lang="en-US" sz="3600" b="1" dirty="0">
+                <a:solidFill>
+                  <a:srgbClr val="660033"/>
+                </a:solidFill>
+              </a:rPr>
+              <a:t>( </a:t>
+            </a:r>
+            <a:r>
+              <a:rPr lang="en-US" sz="3600" b="1" dirty="0" smtClean="0">
+                <a:solidFill>
+                  <a:srgbClr val="660033"/>
+                </a:solidFill>
+              </a:rPr>
+              <a:t>5 </a:t>
+            </a:r>
+            <a:r>
+              <a:rPr lang="en-US" sz="3600" b="1" dirty="0">
+                <a:solidFill>
+                  <a:srgbClr val="660033"/>
+                </a:solidFill>
+              </a:rPr>
+              <a:t>)</a:t>
+            </a:r>
+            <a:endParaRPr lang="vi-VN" sz="3600" b="1" dirty="0">
+              <a:solidFill>
+                <a:srgbClr val="660033"/>
+              </a:solidFill>
+            </a:endParaRPr>
+          </a:p>
         </p:txBody>
       </p:sp>
     </p:spTree>
+    <p:extLst>
+      <p:ext uri="{BB962C8B-B14F-4D97-AF65-F5344CB8AC3E}">
+        <p14:creationId xmlns:p14="http://schemas.microsoft.com/office/powerpoint/2010/main" val="3316589926"/>
+      </p:ext>
+    </p:extLst>
   </p:cSld>
   <p:clrMapOvr>
     <a:masterClrMapping/>
   </p:clrMapOvr>
+  <p:timing>
+    <p:tnLst>
+      <p:par>
+        <p:cTn id="1" dur="indefinite" restart="never" nodeType="tmRoot"/>
+      </p:par>
+    </p:tnLst>
+  </p:timing>
+</p:sld>
+</file>
+
+<file path=ppt/slides/slide21.xml><?xml version="1.0" encoding="utf-8"?>
+<p:sld xmlns:a="http://schemas.openxmlformats.org/drawingml/2006/main" xmlns:r="http://schemas.openxmlformats.org/officeDocument/2006/relationships" xmlns:p="http://schemas.openxmlformats.org/presentationml/2006/main">
+  <p:cSld>
+    <p:spTree>
+      <p:nvGrpSpPr>
+        <p:cNvPr id="1" name=""/>
+        <p:cNvGrpSpPr/>
+        <p:nvPr/>
+      </p:nvGrpSpPr>
+      <p:grpSpPr>
+        <a:xfrm>
+          <a:off x="0" y="0"/>
+          <a:ext cx="0" cy="0"/>
+          <a:chOff x="0" y="0"/>
+          <a:chExt cx="0" cy="0"/>
+        </a:xfrm>
+      </p:grpSpPr>
+      <p:sp>
+        <p:nvSpPr>
+          <p:cNvPr id="5" name="內容版面配置區 4"/>
+          <p:cNvSpPr>
+            <a:spLocks noGrp="1"/>
+          </p:cNvSpPr>
+          <p:nvPr>
+            <p:ph idx="1"/>
+          </p:nvPr>
+        </p:nvSpPr>
+        <p:spPr>
+          <a:xfrm>
+            <a:off x="0" y="1563639"/>
+            <a:ext cx="9144000" cy="1803647"/>
+          </a:xfrm>
+        </p:spPr>
+        <p:txBody>
+          <a:bodyPr anchor="ctr">
+            <a:normAutofit/>
+          </a:bodyPr>
+          <a:lstStyle/>
+          <a:p>
+            <a:pPr algn="ctr">
+              <a:buNone/>
+            </a:pPr>
+            <a:r>
+              <a:rPr lang="zh-TW" altLang="en-US" sz="4800" b="1" dirty="0">
+                <a:solidFill>
+                  <a:srgbClr val="660033"/>
+                </a:solidFill>
+                <a:latin typeface="微軟正黑體" pitchFamily="34" charset="-120"/>
+                <a:ea typeface="微軟正黑體" pitchFamily="34" charset="-120"/>
+              </a:rPr>
+              <a:t>齊摘華冠拋擲座</a:t>
+            </a:r>
+            <a:r>
+              <a:rPr lang="zh-TW" altLang="en-US" sz="4800" b="1" dirty="0" smtClean="0">
+                <a:solidFill>
+                  <a:srgbClr val="660033"/>
+                </a:solidFill>
+                <a:latin typeface="微軟正黑體" pitchFamily="34" charset="-120"/>
+                <a:ea typeface="微軟正黑體" pitchFamily="34" charset="-120"/>
+              </a:rPr>
+              <a:t>前</a:t>
+            </a:r>
+            <a:endParaRPr lang="en-US" altLang="zh-TW" sz="4800" b="1" dirty="0" smtClean="0">
+              <a:solidFill>
+                <a:srgbClr val="660033"/>
+              </a:solidFill>
+              <a:latin typeface="微軟正黑體" pitchFamily="34" charset="-120"/>
+              <a:ea typeface="微軟正黑體" pitchFamily="34" charset="-120"/>
+            </a:endParaRPr>
+          </a:p>
+          <a:p>
+            <a:pPr algn="ctr">
+              <a:buNone/>
+            </a:pPr>
+            <a:r>
+              <a:rPr lang="zh-TW" altLang="en-US" sz="4800" b="1" dirty="0" smtClean="0">
+                <a:solidFill>
+                  <a:srgbClr val="660033"/>
+                </a:solidFill>
+                <a:latin typeface="微軟正黑體" pitchFamily="34" charset="-120"/>
+                <a:ea typeface="微軟正黑體" pitchFamily="34" charset="-120"/>
+              </a:rPr>
+              <a:t>隨</a:t>
+            </a:r>
+            <a:r>
+              <a:rPr lang="zh-TW" altLang="en-US" sz="4800" b="1" dirty="0">
+                <a:solidFill>
+                  <a:srgbClr val="660033"/>
+                </a:solidFill>
+                <a:latin typeface="微軟正黑體" pitchFamily="34" charset="-120"/>
+                <a:ea typeface="微軟正黑體" pitchFamily="34" charset="-120"/>
+              </a:rPr>
+              <a:t>眾昭事維寅</a:t>
+            </a:r>
+            <a:endParaRPr lang="zh-TW" altLang="en-US" sz="4800" b="1" dirty="0">
+              <a:solidFill>
+                <a:srgbClr val="660033"/>
+              </a:solidFill>
+              <a:latin typeface="微軟正黑體" pitchFamily="34" charset="-120"/>
+              <a:ea typeface="微軟正黑體" pitchFamily="34" charset="-120"/>
+            </a:endParaRPr>
+          </a:p>
+        </p:txBody>
+      </p:sp>
+      <p:sp>
+        <p:nvSpPr>
+          <p:cNvPr id="3" name="TextBox 2"/>
+          <p:cNvSpPr txBox="1"/>
+          <p:nvPr/>
+        </p:nvSpPr>
+        <p:spPr>
+          <a:xfrm>
+            <a:off x="0" y="3795887"/>
+            <a:ext cx="9144000" cy="646331"/>
+          </a:xfrm>
+          <a:prstGeom prst="rect">
+            <a:avLst/>
+          </a:prstGeom>
+          <a:noFill/>
+        </p:spPr>
+        <p:txBody>
+          <a:bodyPr wrap="square" rtlCol="0">
+            <a:spAutoFit/>
+          </a:bodyPr>
+          <a:lstStyle/>
+          <a:p>
+            <a:pPr algn="ctr"/>
+            <a:r>
+              <a:rPr lang="en-US" sz="3600" b="1" dirty="0">
+                <a:solidFill>
+                  <a:srgbClr val="660033"/>
+                </a:solidFill>
+              </a:rPr>
+              <a:t>( </a:t>
+            </a:r>
+            <a:r>
+              <a:rPr lang="en-US" sz="3600" b="1" dirty="0" smtClean="0">
+                <a:solidFill>
+                  <a:srgbClr val="660033"/>
+                </a:solidFill>
+              </a:rPr>
+              <a:t>5 </a:t>
+            </a:r>
+            <a:r>
+              <a:rPr lang="en-US" sz="3600" b="1" dirty="0">
+                <a:solidFill>
+                  <a:srgbClr val="660033"/>
+                </a:solidFill>
+              </a:rPr>
+              <a:t>)</a:t>
+            </a:r>
+            <a:endParaRPr lang="vi-VN" sz="3600" b="1" dirty="0">
+              <a:solidFill>
+                <a:srgbClr val="660033"/>
+              </a:solidFill>
+            </a:endParaRPr>
+          </a:p>
+        </p:txBody>
+      </p:sp>
+    </p:spTree>
+    <p:extLst>
+      <p:ext uri="{BB962C8B-B14F-4D97-AF65-F5344CB8AC3E}">
+        <p14:creationId xmlns:p14="http://schemas.microsoft.com/office/powerpoint/2010/main" val="3511766538"/>
+      </p:ext>
+    </p:extLst>
+  </p:cSld>
+  <p:clrMapOvr>
+    <a:masterClrMapping/>
+  </p:clrMapOvr>
+  <p:timing>
+    <p:tnLst>
+      <p:par>
+        <p:cTn id="1" dur="indefinite" restart="never" nodeType="tmRoot"/>
+      </p:par>
+    </p:tnLst>
+  </p:timing>
 </p:sld>
 </file>
 
@@ -3896,122 +5572,62 @@
       </p:grpSpPr>
       <p:sp>
         <p:nvSpPr>
-          <p:cNvPr id="2" name="標題 1"/>
-          <p:cNvSpPr>
-            <a:spLocks noGrp="1"/>
-          </p:cNvSpPr>
-          <p:nvPr>
-            <p:ph type="title"/>
-          </p:nvPr>
-        </p:nvSpPr>
-        <p:spPr/>
-        <p:txBody>
-          <a:bodyPr>
+          <p:cNvPr id="5" name="內容版面配置區 4"/>
+          <p:cNvSpPr>
+            <a:spLocks noGrp="1"/>
+          </p:cNvSpPr>
+          <p:nvPr>
+            <p:ph idx="1"/>
+          </p:nvPr>
+        </p:nvSpPr>
+        <p:spPr>
+          <a:xfrm>
+            <a:off x="0" y="1563639"/>
+            <a:ext cx="9144000" cy="1803647"/>
+          </a:xfrm>
+        </p:spPr>
+        <p:txBody>
+          <a:bodyPr anchor="ctr">
             <a:normAutofit/>
           </a:bodyPr>
           <a:lstStyle/>
           <a:p>
-            <a:r>
-              <a:rPr lang="zh-TW" altLang="en-US" sz="4000" b="1" dirty="0">
-                <a:solidFill>
-                  <a:srgbClr val="000066"/>
-                </a:solidFill>
-                <a:latin typeface="微軟正黑體" pitchFamily="34" charset="-120"/>
-                <a:ea typeface="微軟正黑體" pitchFamily="34" charset="-120"/>
-              </a:rPr>
-              <a:t>擁戴為王</a:t>
-            </a:r>
-          </a:p>
-        </p:txBody>
-      </p:sp>
-      <p:sp>
-        <p:nvSpPr>
-          <p:cNvPr id="4" name="內容版面配置區 3"/>
-          <p:cNvSpPr>
-            <a:spLocks noGrp="1"/>
-          </p:cNvSpPr>
-          <p:nvPr>
-            <p:ph idx="1"/>
-          </p:nvPr>
-        </p:nvSpPr>
-        <p:spPr>
-          <a:xfrm>
-            <a:off x="0" y="1200151"/>
-            <a:ext cx="9144000" cy="3394472"/>
-          </a:xfrm>
-        </p:spPr>
-        <p:txBody>
-          <a:bodyPr>
-            <a:noAutofit/>
-          </a:bodyPr>
-          <a:lstStyle/>
-          <a:p>
             <a:pPr algn="ctr">
               <a:buNone/>
             </a:pPr>
             <a:r>
+              <a:rPr lang="zh-TW" altLang="en-US" sz="4800" b="1" dirty="0" smtClean="0">
+                <a:solidFill>
+                  <a:srgbClr val="660033"/>
+                </a:solidFill>
+                <a:latin typeface="微軟正黑體" pitchFamily="34" charset="-120"/>
+                <a:ea typeface="微軟正黑體" pitchFamily="34" charset="-120"/>
+              </a:rPr>
+              <a:t>聽</a:t>
+            </a:r>
+            <a:r>
               <a:rPr lang="zh-TW" altLang="en-US" sz="4800" b="1" dirty="0">
                 <a:solidFill>
-                  <a:srgbClr val="000066"/>
-                </a:solidFill>
-                <a:latin typeface="微軟正黑體" pitchFamily="34" charset="-120"/>
-                <a:ea typeface="微軟正黑體" pitchFamily="34" charset="-120"/>
-              </a:rPr>
-              <a:t>快來擁戴為</a:t>
+                  <a:srgbClr val="660033"/>
+                </a:solidFill>
+                <a:latin typeface="微軟正黑體" pitchFamily="34" charset="-120"/>
+                <a:ea typeface="微軟正黑體" pitchFamily="34" charset="-120"/>
+              </a:rPr>
+              <a:t>啊好樂傳遍諸</a:t>
             </a:r>
             <a:r>
               <a:rPr lang="zh-TW" altLang="en-US" sz="4800" b="1" dirty="0" smtClean="0">
                 <a:solidFill>
-                  <a:srgbClr val="000066"/>
-                </a:solidFill>
-                <a:latin typeface="微軟正黑體" pitchFamily="34" charset="-120"/>
-                <a:ea typeface="微軟正黑體" pitchFamily="34" charset="-120"/>
-              </a:rPr>
-              <a:t>王</a:t>
-            </a:r>
-            <a:r>
-              <a:rPr lang="en-US" altLang="zh-TW" sz="4800" b="1" dirty="0">
-                <a:solidFill>
-                  <a:srgbClr val="000066"/>
-                </a:solidFill>
-                <a:latin typeface="微軟正黑體" pitchFamily="34" charset="-120"/>
-                <a:ea typeface="微軟正黑體" pitchFamily="34" charset="-120"/>
-              </a:rPr>
-              <a:t> </a:t>
-            </a:r>
-            <a:r>
-              <a:rPr lang="en-US" altLang="zh-TW" sz="4800" b="1" dirty="0" smtClean="0">
-                <a:solidFill>
-                  <a:srgbClr val="000066"/>
-                </a:solidFill>
-                <a:latin typeface="微軟正黑體" pitchFamily="34" charset="-120"/>
-                <a:ea typeface="微軟正黑體" pitchFamily="34" charset="-120"/>
-              </a:rPr>
-              <a:t> </a:t>
-            </a:r>
-            <a:r>
-              <a:rPr lang="zh-TW" altLang="en-US" sz="4800" b="1" dirty="0" smtClean="0">
-                <a:solidFill>
-                  <a:srgbClr val="000066"/>
-                </a:solidFill>
-                <a:latin typeface="微軟正黑體" pitchFamily="34" charset="-120"/>
-                <a:ea typeface="微軟正黑體" pitchFamily="34" charset="-120"/>
-              </a:rPr>
-              <a:t>無</a:t>
-            </a:r>
-            <a:r>
-              <a:rPr lang="zh-TW" altLang="en-US" sz="4800" b="1" dirty="0">
-                <a:solidFill>
-                  <a:srgbClr val="000066"/>
-                </a:solidFill>
-                <a:latin typeface="微軟正黑體" pitchFamily="34" charset="-120"/>
-                <a:ea typeface="微軟正黑體" pitchFamily="34" charset="-120"/>
-              </a:rPr>
-              <a:t>對生命之王</a:t>
-            </a:r>
-            <a:endParaRPr lang="en-US" altLang="zh-TW" sz="4800" b="1" dirty="0">
+                  <a:srgbClr val="660033"/>
+                </a:solidFill>
+                <a:latin typeface="微軟正黑體" pitchFamily="34" charset="-120"/>
+                <a:ea typeface="微軟正黑體" pitchFamily="34" charset="-120"/>
+              </a:rPr>
+              <a:t>天</a:t>
+            </a:r>
+            <a:endParaRPr lang="en-US" altLang="zh-TW" sz="4800" b="1" dirty="0" smtClean="0">
               <a:solidFill>
-                <a:srgbClr val="000066"/>
+                <a:srgbClr val="660033"/>
               </a:solidFill>
               <a:latin typeface="微軟正黑體" pitchFamily="34" charset="-120"/>
               <a:ea typeface="微軟正黑體" pitchFamily="34" charset="-120"/>
@@ -4022,224 +5638,45 @@
               <a:buNone/>
             </a:pPr>
             <a:r>
+              <a:rPr lang="zh-TW" altLang="en-US" sz="4800" b="1" dirty="0" smtClean="0">
+                <a:solidFill>
+                  <a:srgbClr val="660033"/>
+                </a:solidFill>
+                <a:latin typeface="微軟正黑體" pitchFamily="34" charset="-120"/>
+                <a:ea typeface="微軟正黑體" pitchFamily="34" charset="-120"/>
+              </a:rPr>
+              <a:t>和</a:t>
+            </a:r>
+            <a:r>
               <a:rPr lang="zh-TW" altLang="en-US" sz="4800" b="1" dirty="0">
                 <a:solidFill>
-                  <a:srgbClr val="000066"/>
-                </a:solidFill>
-                <a:latin typeface="微軟正黑體" pitchFamily="34" charset="-120"/>
-                <a:ea typeface="微軟正黑體" pitchFamily="34" charset="-120"/>
-              </a:rPr>
-              <a:t>萬邦民族都蒙救</a:t>
-            </a:r>
-            <a:r>
-              <a:rPr lang="zh-TW" altLang="en-US" sz="4800" b="1" dirty="0" smtClean="0">
-                <a:solidFill>
-                  <a:srgbClr val="000066"/>
-                </a:solidFill>
-                <a:latin typeface="微軟正黑體" pitchFamily="34" charset="-120"/>
-                <a:ea typeface="微軟正黑體" pitchFamily="34" charset="-120"/>
-              </a:rPr>
-              <a:t>渡</a:t>
-            </a:r>
-            <a:r>
-              <a:rPr lang="en-US" altLang="zh-TW" sz="4800" b="1" dirty="0">
-                <a:solidFill>
-                  <a:srgbClr val="000066"/>
-                </a:solidFill>
-                <a:latin typeface="微軟正黑體" pitchFamily="34" charset="-120"/>
-                <a:ea typeface="微軟正黑體" pitchFamily="34" charset="-120"/>
-              </a:rPr>
-              <a:t> </a:t>
-            </a:r>
-            <a:r>
-              <a:rPr lang="en-US" altLang="zh-TW" sz="4800" b="1" dirty="0" smtClean="0">
-                <a:solidFill>
-                  <a:srgbClr val="000066"/>
-                </a:solidFill>
-                <a:latin typeface="微軟正黑體" pitchFamily="34" charset="-120"/>
-                <a:ea typeface="微軟正黑體" pitchFamily="34" charset="-120"/>
-              </a:rPr>
-              <a:t> </a:t>
-            </a:r>
-            <a:r>
-              <a:rPr lang="zh-TW" altLang="en-US" sz="4800" b="1" dirty="0" smtClean="0">
-                <a:solidFill>
-                  <a:srgbClr val="000066"/>
-                </a:solidFill>
-                <a:latin typeface="微軟正黑體" pitchFamily="34" charset="-120"/>
-                <a:ea typeface="微軟正黑體" pitchFamily="34" charset="-120"/>
-              </a:rPr>
-              <a:t>因</a:t>
-            </a:r>
-            <a:r>
-              <a:rPr lang="zh-TW" altLang="en-US" sz="4800" b="1" dirty="0">
-                <a:solidFill>
-                  <a:srgbClr val="000066"/>
-                </a:solidFill>
-                <a:latin typeface="微軟正黑體" pitchFamily="34" charset="-120"/>
-                <a:ea typeface="微軟正黑體" pitchFamily="34" charset="-120"/>
-              </a:rPr>
-              <a:t>祂消滅死</a:t>
-            </a:r>
-            <a:r>
-              <a:rPr lang="zh-TW" altLang="en-US" sz="4800" b="1" dirty="0" smtClean="0">
-                <a:solidFill>
-                  <a:srgbClr val="000066"/>
-                </a:solidFill>
-                <a:latin typeface="微軟正黑體" pitchFamily="34" charset="-120"/>
-                <a:ea typeface="微軟正黑體" pitchFamily="34" charset="-120"/>
-              </a:rPr>
-              <a:t>亡</a:t>
-            </a:r>
-            <a:endParaRPr lang="en-US" altLang="zh-TW" sz="4800" b="1" dirty="0" smtClean="0">
+                  <a:srgbClr val="660033"/>
+                </a:solidFill>
+                <a:latin typeface="微軟正黑體" pitchFamily="34" charset="-120"/>
+                <a:ea typeface="微軟正黑體" pitchFamily="34" charset="-120"/>
+              </a:rPr>
+              <a:t>聲壓倒群響</a:t>
+            </a:r>
+            <a:endParaRPr lang="en-US" altLang="zh-TW" sz="4800" b="1" dirty="0">
               <a:solidFill>
-                <a:srgbClr val="000066"/>
+                <a:srgbClr val="660033"/>
               </a:solidFill>
               <a:latin typeface="微軟正黑體" pitchFamily="34" charset="-120"/>
               <a:ea typeface="微軟正黑體" pitchFamily="34" charset="-120"/>
             </a:endParaRPr>
           </a:p>
-          <a:p>
-            <a:pPr algn="ctr">
-              <a:buNone/>
-            </a:pPr>
-            <a:r>
-              <a:rPr lang="zh-TW" altLang="en-US" sz="4800" b="1" dirty="0">
-                <a:solidFill>
-                  <a:srgbClr val="000066"/>
-                </a:solidFill>
-                <a:latin typeface="微軟正黑體" pitchFamily="34" charset="-120"/>
-                <a:ea typeface="微軟正黑體" pitchFamily="34" charset="-120"/>
-              </a:rPr>
-              <a:t>快來歌頌歡</a:t>
-            </a:r>
-            <a:r>
-              <a:rPr lang="zh-TW" altLang="en-US" sz="4800" b="1" dirty="0" smtClean="0">
-                <a:solidFill>
-                  <a:srgbClr val="000066"/>
-                </a:solidFill>
-                <a:latin typeface="微軟正黑體" pitchFamily="34" charset="-120"/>
-                <a:ea typeface="微軟正黑體" pitchFamily="34" charset="-120"/>
-              </a:rPr>
-              <a:t>欣</a:t>
-            </a:r>
-            <a:r>
-              <a:rPr lang="en-US" altLang="zh-TW" sz="4800" b="1" dirty="0" smtClean="0">
-                <a:solidFill>
-                  <a:srgbClr val="000066"/>
-                </a:solidFill>
-                <a:latin typeface="微軟正黑體" pitchFamily="34" charset="-120"/>
-                <a:ea typeface="微軟正黑體" pitchFamily="34" charset="-120"/>
-              </a:rPr>
-              <a:t>  </a:t>
-            </a:r>
-            <a:r>
-              <a:rPr lang="zh-TW" altLang="en-US" sz="4800" b="1" dirty="0" smtClean="0">
-                <a:solidFill>
-                  <a:srgbClr val="000066"/>
-                </a:solidFill>
-                <a:latin typeface="微軟正黑體" pitchFamily="34" charset="-120"/>
-                <a:ea typeface="微軟正黑體" pitchFamily="34" charset="-120"/>
-              </a:rPr>
-              <a:t>謝</a:t>
-            </a:r>
-            <a:r>
-              <a:rPr lang="zh-TW" altLang="en-US" sz="4800" b="1" dirty="0">
-                <a:solidFill>
-                  <a:srgbClr val="000066"/>
-                </a:solidFill>
-                <a:latin typeface="微軟正黑體" pitchFamily="34" charset="-120"/>
-                <a:ea typeface="微軟正黑體" pitchFamily="34" charset="-120"/>
-              </a:rPr>
-              <a:t>祂特殊宏恩</a:t>
-            </a:r>
-            <a:endParaRPr lang="en-US" altLang="zh-TW" sz="4800" b="1" dirty="0">
-              <a:solidFill>
-                <a:srgbClr val="000066"/>
-              </a:solidFill>
-              <a:latin typeface="微軟正黑體" pitchFamily="34" charset="-120"/>
-              <a:ea typeface="微軟正黑體" pitchFamily="34" charset="-120"/>
-            </a:endParaRPr>
-          </a:p>
-          <a:p>
-            <a:pPr algn="ctr">
-              <a:buNone/>
-            </a:pPr>
-            <a:r>
-              <a:rPr lang="zh-TW" altLang="en-US" sz="4800" b="1" dirty="0">
-                <a:solidFill>
-                  <a:srgbClr val="000066"/>
-                </a:solidFill>
-                <a:latin typeface="微軟正黑體" pitchFamily="34" charset="-120"/>
-                <a:ea typeface="微軟正黑體" pitchFamily="34" charset="-120"/>
-              </a:rPr>
-              <a:t>因祂一死戰勝萬</a:t>
-            </a:r>
-            <a:r>
-              <a:rPr lang="zh-TW" altLang="en-US" sz="4800" b="1" dirty="0" smtClean="0">
-                <a:solidFill>
-                  <a:srgbClr val="000066"/>
-                </a:solidFill>
-                <a:latin typeface="微軟正黑體" pitchFamily="34" charset="-120"/>
-                <a:ea typeface="微軟正黑體" pitchFamily="34" charset="-120"/>
-              </a:rPr>
-              <a:t>死</a:t>
-            </a:r>
-            <a:r>
-              <a:rPr lang="en-US" altLang="zh-TW" sz="4800" b="1" dirty="0" smtClean="0">
-                <a:solidFill>
-                  <a:srgbClr val="000066"/>
-                </a:solidFill>
-                <a:latin typeface="微軟正黑體" pitchFamily="34" charset="-120"/>
-                <a:ea typeface="微軟正黑體" pitchFamily="34" charset="-120"/>
-              </a:rPr>
-              <a:t>  </a:t>
-            </a:r>
-            <a:r>
-              <a:rPr lang="zh-TW" altLang="en-US" sz="4800" b="1" dirty="0" smtClean="0">
-                <a:solidFill>
-                  <a:srgbClr val="000066"/>
-                </a:solidFill>
-                <a:latin typeface="微軟正黑體" pitchFamily="34" charset="-120"/>
-                <a:ea typeface="微軟正黑體" pitchFamily="34" charset="-120"/>
-              </a:rPr>
-              <a:t>永</a:t>
-            </a:r>
-            <a:r>
-              <a:rPr lang="zh-TW" altLang="en-US" sz="4800" b="1" dirty="0">
-                <a:solidFill>
-                  <a:srgbClr val="000066"/>
-                </a:solidFill>
-                <a:latin typeface="微軟正黑體" pitchFamily="34" charset="-120"/>
-                <a:ea typeface="微軟正黑體" pitchFamily="34" charset="-120"/>
-              </a:rPr>
-              <a:t>生普及群生</a:t>
-            </a:r>
-          </a:p>
-          <a:p>
-            <a:pPr algn="ctr">
-              <a:buNone/>
-            </a:pPr>
-            <a:endParaRPr lang="zh-TW" altLang="en-US" sz="4800" b="1" dirty="0">
-              <a:solidFill>
-                <a:srgbClr val="000066"/>
-              </a:solidFill>
-              <a:latin typeface="微軟正黑體" pitchFamily="34" charset="-120"/>
-              <a:ea typeface="微軟正黑體" pitchFamily="34" charset="-120"/>
-            </a:endParaRPr>
-          </a:p>
-        </p:txBody>
-      </p:sp>
-      <p:sp>
-        <p:nvSpPr>
-          <p:cNvPr id="5" name="TextBox 4"/>
+        </p:txBody>
+      </p:sp>
+      <p:sp>
+        <p:nvSpPr>
+          <p:cNvPr id="3" name="TextBox 2"/>
           <p:cNvSpPr txBox="1"/>
           <p:nvPr/>
         </p:nvSpPr>
         <p:spPr>
           <a:xfrm>
-            <a:off x="109368" y="1244473"/>
-            <a:ext cx="690947" cy="707886"/>
+            <a:off x="0" y="3795887"/>
+            <a:ext cx="9144000" cy="646331"/>
           </a:xfrm>
           <a:prstGeom prst="rect">
             <a:avLst/>
@@ -4252,31 +5689,40 @@
           </a:bodyPr>
           <a:lstStyle/>
           <a:p>
-            <a:r>
-              <a:rPr lang="en-US" altLang="zh-CN" sz="4000" b="1" dirty="0" smtClean="0">
-                <a:solidFill>
-                  <a:srgbClr val="000066"/>
-                </a:solidFill>
-                <a:latin typeface="微軟正黑體" pitchFamily="34" charset="-120"/>
-                <a:ea typeface="微軟正黑體" pitchFamily="34" charset="-120"/>
-              </a:rPr>
-              <a:t>3.</a:t>
-            </a:r>
-            <a:endParaRPr lang="en-US" sz="4000" b="1" dirty="0">
+            <a:pPr algn="ctr"/>
+            <a:r>
+              <a:rPr lang="en-US" sz="3600" b="1" dirty="0">
+                <a:solidFill>
+                  <a:srgbClr val="660033"/>
+                </a:solidFill>
+              </a:rPr>
+              <a:t>( 1 )</a:t>
+            </a:r>
+            <a:endParaRPr lang="vi-VN" sz="3600" b="1" dirty="0">
               <a:solidFill>
-                <a:srgbClr val="000066"/>
+                <a:srgbClr val="660033"/>
               </a:solidFill>
-              <a:latin typeface="微軟正黑體" pitchFamily="34" charset="-120"/>
-              <a:ea typeface="微軟正黑體" pitchFamily="34" charset="-120"/>
             </a:endParaRPr>
           </a:p>
         </p:txBody>
       </p:sp>
     </p:spTree>
+    <p:extLst>
+      <p:ext uri="{BB962C8B-B14F-4D97-AF65-F5344CB8AC3E}">
+        <p14:creationId xmlns:p14="http://schemas.microsoft.com/office/powerpoint/2010/main" val="859455057"/>
+      </p:ext>
+    </p:extLst>
   </p:cSld>
   <p:clrMapOvr>
     <a:masterClrMapping/>
   </p:clrMapOvr>
+  <p:timing>
+    <p:tnLst>
+      <p:par>
+        <p:cTn id="1" dur="indefinite" restart="never" nodeType="tmRoot"/>
+      </p:par>
+    </p:tnLst>
+  </p:timing>
 </p:sld>
 </file>
 
@@ -4299,132 +5745,52 @@
       </p:grpSpPr>
       <p:sp>
         <p:nvSpPr>
-          <p:cNvPr id="2" name="標題 1"/>
-          <p:cNvSpPr>
-            <a:spLocks noGrp="1"/>
-          </p:cNvSpPr>
-          <p:nvPr>
-            <p:ph type="title"/>
-          </p:nvPr>
-        </p:nvSpPr>
-        <p:spPr/>
-        <p:txBody>
-          <a:bodyPr>
+          <p:cNvPr id="5" name="內容版面配置區 4"/>
+          <p:cNvSpPr>
+            <a:spLocks noGrp="1"/>
+          </p:cNvSpPr>
+          <p:nvPr>
+            <p:ph idx="1"/>
+          </p:nvPr>
+        </p:nvSpPr>
+        <p:spPr>
+          <a:xfrm>
+            <a:off x="0" y="1563639"/>
+            <a:ext cx="9144000" cy="1803647"/>
+          </a:xfrm>
+        </p:spPr>
+        <p:txBody>
+          <a:bodyPr anchor="ctr">
             <a:normAutofit/>
           </a:bodyPr>
           <a:lstStyle/>
           <a:p>
-            <a:r>
-              <a:rPr lang="zh-TW" altLang="en-US" sz="4000" b="1" dirty="0">
-                <a:solidFill>
-                  <a:srgbClr val="000066"/>
-                </a:solidFill>
-                <a:latin typeface="微軟正黑體" pitchFamily="34" charset="-120"/>
-                <a:ea typeface="微軟正黑體" pitchFamily="34" charset="-120"/>
-              </a:rPr>
-              <a:t>擁戴為王</a:t>
-            </a:r>
-          </a:p>
-        </p:txBody>
-      </p:sp>
-      <p:sp>
-        <p:nvSpPr>
-          <p:cNvPr id="4" name="內容版面配置區 3"/>
-          <p:cNvSpPr>
-            <a:spLocks noGrp="1"/>
-          </p:cNvSpPr>
-          <p:nvPr>
-            <p:ph idx="1"/>
-          </p:nvPr>
-        </p:nvSpPr>
-        <p:spPr>
-          <a:xfrm>
-            <a:off x="0" y="1200151"/>
-            <a:ext cx="9144000" cy="3394472"/>
-          </a:xfrm>
-        </p:spPr>
-        <p:txBody>
-          <a:bodyPr>
-            <a:noAutofit/>
-          </a:bodyPr>
-          <a:lstStyle/>
-          <a:p>
             <a:pPr algn="ctr">
               <a:buNone/>
             </a:pPr>
             <a:r>
               <a:rPr lang="zh-TW" altLang="en-US" sz="4800" b="1" dirty="0">
                 <a:solidFill>
-                  <a:srgbClr val="000066"/>
-                </a:solidFill>
-                <a:latin typeface="微軟正黑體" pitchFamily="34" charset="-120"/>
-                <a:ea typeface="微軟正黑體" pitchFamily="34" charset="-120"/>
-              </a:rPr>
-              <a:t>快來擁戴為</a:t>
-            </a:r>
-            <a:r>
-              <a:rPr lang="zh-TW" altLang="en-US" sz="4800" b="1" dirty="0" smtClean="0">
-                <a:solidFill>
-                  <a:srgbClr val="000066"/>
-                </a:solidFill>
-                <a:latin typeface="微軟正黑體" pitchFamily="34" charset="-120"/>
-                <a:ea typeface="微軟正黑體" pitchFamily="34" charset="-120"/>
-              </a:rPr>
-              <a:t>王</a:t>
-            </a:r>
-            <a:r>
-              <a:rPr lang="en-US" altLang="zh-TW" sz="4800" b="1" dirty="0" smtClean="0">
-                <a:solidFill>
-                  <a:srgbClr val="000066"/>
+                  <a:srgbClr val="660033"/>
+                </a:solidFill>
+                <a:latin typeface="微軟正黑體" pitchFamily="34" charset="-120"/>
+                <a:ea typeface="微軟正黑體" pitchFamily="34" charset="-120"/>
+              </a:rPr>
+              <a:t>醒啊我心同唱</a:t>
+            </a:r>
+            <a:r>
+              <a:rPr lang="en-US" altLang="zh-TW" sz="4800" b="1" dirty="0">
+                <a:solidFill>
+                  <a:srgbClr val="660033"/>
                 </a:solidFill>
                 <a:latin typeface="微軟正黑體" pitchFamily="34" charset="-120"/>
                 <a:ea typeface="微軟正黑體" pitchFamily="34" charset="-120"/>
               </a:rPr>
               <a:t>  </a:t>
             </a:r>
-            <a:r>
-              <a:rPr lang="zh-TW" altLang="en-US" sz="4800" b="1" dirty="0" smtClean="0">
-                <a:solidFill>
-                  <a:srgbClr val="000066"/>
-                </a:solidFill>
-                <a:latin typeface="微軟正黑體" pitchFamily="34" charset="-120"/>
-                <a:ea typeface="微軟正黑體" pitchFamily="34" charset="-120"/>
-              </a:rPr>
-              <a:t>永</a:t>
-            </a:r>
-            <a:r>
-              <a:rPr lang="zh-TW" altLang="en-US" sz="4800" b="1" dirty="0">
-                <a:solidFill>
-                  <a:srgbClr val="000066"/>
-                </a:solidFill>
-                <a:latin typeface="微軟正黑體" pitchFamily="34" charset="-120"/>
-                <a:ea typeface="微軟正黑體" pitchFamily="34" charset="-120"/>
-              </a:rPr>
-              <a:t>建</a:t>
-            </a:r>
-            <a:r>
-              <a:rPr lang="zh-TW" altLang="en-US" sz="4800" b="1" dirty="0">
-                <a:solidFill>
-                  <a:srgbClr val="000066"/>
-                </a:solidFill>
-                <a:latin typeface="微軟正黑體" pitchFamily="34" charset="-120"/>
-                <a:ea typeface="微軟正黑體" pitchFamily="34" charset="-120"/>
-              </a:rPr>
-              <a:t>和平之</a:t>
-            </a:r>
-            <a:r>
-              <a:rPr lang="zh-TW" altLang="en-US" sz="4800" b="1" dirty="0">
-                <a:solidFill>
-                  <a:srgbClr val="000066"/>
-                </a:solidFill>
-                <a:latin typeface="微軟正黑體" pitchFamily="34" charset="-120"/>
-                <a:ea typeface="微軟正黑體" pitchFamily="34" charset="-120"/>
-              </a:rPr>
-              <a:t>王</a:t>
-            </a:r>
-            <a:endParaRPr lang="en-US" altLang="zh-TW" sz="4800" b="1" dirty="0">
+            <a:endParaRPr lang="en-US" altLang="zh-TW" sz="4800" b="1" dirty="0" smtClean="0">
               <a:solidFill>
-                <a:srgbClr val="000066"/>
+                <a:srgbClr val="660033"/>
               </a:solidFill>
               <a:latin typeface="微軟正黑體" pitchFamily="34" charset="-120"/>
               <a:ea typeface="微軟正黑體" pitchFamily="34" charset="-120"/>
@@ -4435,244 +5801,45 @@
               <a:buNone/>
             </a:pPr>
             <a:r>
+              <a:rPr lang="zh-TW" altLang="en-US" sz="4800" b="1" dirty="0" smtClean="0">
+                <a:solidFill>
+                  <a:srgbClr val="660033"/>
+                </a:solidFill>
+                <a:latin typeface="微軟正黑體" pitchFamily="34" charset="-120"/>
+                <a:ea typeface="微軟正黑體" pitchFamily="34" charset="-120"/>
+              </a:rPr>
+              <a:t>頌</a:t>
+            </a:r>
+            <a:r>
               <a:rPr lang="zh-TW" altLang="en-US" sz="4800" b="1" dirty="0">
                 <a:solidFill>
-                  <a:srgbClr val="000066"/>
-                </a:solidFill>
-                <a:latin typeface="微軟正黑體" pitchFamily="34" charset="-120"/>
-                <a:ea typeface="微軟正黑體" pitchFamily="34" charset="-120"/>
-              </a:rPr>
-              <a:t>普天之下</a:t>
-            </a:r>
-            <a:r>
-              <a:rPr lang="zh-TW" altLang="en-US" sz="4800" b="1" dirty="0">
-                <a:solidFill>
-                  <a:srgbClr val="000066"/>
-                </a:solidFill>
-                <a:latin typeface="微軟正黑體" pitchFamily="34" charset="-120"/>
-                <a:ea typeface="微軟正黑體" pitchFamily="34" charset="-120"/>
-              </a:rPr>
-              <a:t>戰事</a:t>
-            </a:r>
-            <a:r>
-              <a:rPr lang="zh-TW" altLang="en-US" sz="4800" b="1" dirty="0">
-                <a:solidFill>
-                  <a:srgbClr val="000066"/>
-                </a:solidFill>
-                <a:latin typeface="微軟正黑體" pitchFamily="34" charset="-120"/>
-                <a:ea typeface="微軟正黑體" pitchFamily="34" charset="-120"/>
-              </a:rPr>
-              <a:t>止</a:t>
-            </a:r>
-            <a:r>
-              <a:rPr lang="zh-TW" altLang="en-US" sz="4800" b="1" dirty="0" smtClean="0">
-                <a:solidFill>
-                  <a:srgbClr val="000066"/>
-                </a:solidFill>
-                <a:latin typeface="微軟正黑體" pitchFamily="34" charset="-120"/>
-                <a:ea typeface="微軟正黑體" pitchFamily="34" charset="-120"/>
-              </a:rPr>
-              <a:t>息</a:t>
-            </a:r>
-            <a:r>
-              <a:rPr lang="en-US" altLang="zh-TW" sz="4800" b="1" dirty="0" smtClean="0">
-                <a:solidFill>
-                  <a:srgbClr val="000066"/>
-                </a:solidFill>
-                <a:latin typeface="微軟正黑體" pitchFamily="34" charset="-120"/>
-                <a:ea typeface="微軟正黑體" pitchFamily="34" charset="-120"/>
-              </a:rPr>
-              <a:t>  </a:t>
-            </a:r>
-            <a:r>
-              <a:rPr lang="zh-TW" altLang="en-US" sz="4800" b="1" dirty="0" smtClean="0">
-                <a:solidFill>
-                  <a:srgbClr val="000066"/>
-                </a:solidFill>
-                <a:latin typeface="微軟正黑體" pitchFamily="34" charset="-120"/>
-                <a:ea typeface="微軟正黑體" pitchFamily="34" charset="-120"/>
-              </a:rPr>
-              <a:t>干</a:t>
-            </a:r>
-            <a:r>
-              <a:rPr lang="zh-TW" altLang="en-US" sz="4800" b="1" dirty="0">
-                <a:solidFill>
-                  <a:srgbClr val="000066"/>
-                </a:solidFill>
-                <a:latin typeface="微軟正黑體" pitchFamily="34" charset="-120"/>
-                <a:ea typeface="微軟正黑體" pitchFamily="34" charset="-120"/>
-              </a:rPr>
-              <a:t>戈</a:t>
-            </a:r>
-            <a:r>
-              <a:rPr lang="zh-TW" altLang="en-US" sz="4800" b="1" dirty="0">
-                <a:solidFill>
-                  <a:srgbClr val="000066"/>
-                </a:solidFill>
-                <a:latin typeface="微軟正黑體" pitchFamily="34" charset="-120"/>
-                <a:ea typeface="微軟正黑體" pitchFamily="34" charset="-120"/>
-              </a:rPr>
-              <a:t>化為頌</a:t>
-            </a:r>
-            <a:r>
-              <a:rPr lang="zh-TW" altLang="en-US" sz="4800" b="1" dirty="0" smtClean="0">
-                <a:solidFill>
-                  <a:srgbClr val="000066"/>
-                </a:solidFill>
-                <a:latin typeface="微軟正黑體" pitchFamily="34" charset="-120"/>
-                <a:ea typeface="微軟正黑體" pitchFamily="34" charset="-120"/>
-              </a:rPr>
-              <a:t>揚</a:t>
-            </a:r>
-            <a:endParaRPr lang="en-US" altLang="zh-TW" sz="4800" b="1" dirty="0" smtClean="0">
+                  <a:srgbClr val="660033"/>
+                </a:solidFill>
+                <a:latin typeface="微軟正黑體" pitchFamily="34" charset="-120"/>
+                <a:ea typeface="微軟正黑體" pitchFamily="34" charset="-120"/>
+              </a:rPr>
+              <a:t>祂救恩浩蕩</a:t>
+            </a:r>
+            <a:endParaRPr lang="en-US" altLang="zh-TW" sz="4800" b="1" dirty="0">
               <a:solidFill>
-                <a:srgbClr val="000066"/>
+                <a:srgbClr val="660033"/>
               </a:solidFill>
               <a:latin typeface="微軟正黑體" pitchFamily="34" charset="-120"/>
               <a:ea typeface="微軟正黑體" pitchFamily="34" charset="-120"/>
             </a:endParaRPr>
           </a:p>
-          <a:p>
-            <a:pPr algn="ctr">
-              <a:buNone/>
-            </a:pPr>
-            <a:r>
-              <a:rPr lang="zh-TW" altLang="en-US" sz="4800" b="1" dirty="0">
-                <a:solidFill>
-                  <a:srgbClr val="000066"/>
-                </a:solidFill>
-                <a:latin typeface="微軟正黑體" pitchFamily="34" charset="-120"/>
-                <a:ea typeface="微軟正黑體" pitchFamily="34" charset="-120"/>
-              </a:rPr>
-              <a:t>主治萬國萬</a:t>
-            </a:r>
-            <a:r>
-              <a:rPr lang="zh-TW" altLang="en-US" sz="4800" b="1" dirty="0" smtClean="0">
-                <a:solidFill>
-                  <a:srgbClr val="000066"/>
-                </a:solidFill>
-                <a:latin typeface="微軟正黑體" pitchFamily="34" charset="-120"/>
-                <a:ea typeface="微軟正黑體" pitchFamily="34" charset="-120"/>
-              </a:rPr>
-              <a:t>方</a:t>
-            </a:r>
-            <a:r>
-              <a:rPr lang="en-US" altLang="zh-TW" sz="4800" b="1" dirty="0" smtClean="0">
-                <a:solidFill>
-                  <a:srgbClr val="000066"/>
-                </a:solidFill>
-                <a:latin typeface="微軟正黑體" pitchFamily="34" charset="-120"/>
-                <a:ea typeface="微軟正黑體" pitchFamily="34" charset="-120"/>
-              </a:rPr>
-              <a:t>  </a:t>
-            </a:r>
-            <a:r>
-              <a:rPr lang="zh-TW" altLang="en-US" sz="4800" b="1" dirty="0" smtClean="0">
-                <a:solidFill>
-                  <a:srgbClr val="000066"/>
-                </a:solidFill>
-                <a:latin typeface="微軟正黑體" pitchFamily="34" charset="-120"/>
-                <a:ea typeface="微軟正黑體" pitchFamily="34" charset="-120"/>
-              </a:rPr>
-              <a:t>主</a:t>
-            </a:r>
-            <a:r>
-              <a:rPr lang="zh-TW" altLang="en-US" sz="4800" b="1" dirty="0">
-                <a:solidFill>
-                  <a:srgbClr val="000066"/>
-                </a:solidFill>
-                <a:latin typeface="微軟正黑體" pitchFamily="34" charset="-120"/>
-                <a:ea typeface="微軟正黑體" pitchFamily="34" charset="-120"/>
-              </a:rPr>
-              <a:t>權地久天長</a:t>
-            </a:r>
-            <a:endParaRPr lang="en-US" altLang="zh-TW" sz="4800" b="1" dirty="0">
-              <a:solidFill>
-                <a:srgbClr val="000066"/>
-              </a:solidFill>
-              <a:latin typeface="微軟正黑體" pitchFamily="34" charset="-120"/>
-              <a:ea typeface="微軟正黑體" pitchFamily="34" charset="-120"/>
-            </a:endParaRPr>
-          </a:p>
-          <a:p>
-            <a:pPr algn="ctr">
-              <a:buNone/>
-            </a:pPr>
-            <a:r>
-              <a:rPr lang="zh-TW" altLang="en-US" sz="4800" b="1" dirty="0">
-                <a:solidFill>
-                  <a:srgbClr val="000066"/>
-                </a:solidFill>
-                <a:latin typeface="微軟正黑體" pitchFamily="34" charset="-120"/>
-                <a:ea typeface="微軟正黑體" pitchFamily="34" charset="-120"/>
-              </a:rPr>
-              <a:t>寶血所滋生命花</a:t>
-            </a:r>
-            <a:r>
-              <a:rPr lang="zh-TW" altLang="en-US" sz="4800" b="1" dirty="0" smtClean="0">
-                <a:solidFill>
-                  <a:srgbClr val="000066"/>
-                </a:solidFill>
-                <a:latin typeface="微軟正黑體" pitchFamily="34" charset="-120"/>
-                <a:ea typeface="微軟正黑體" pitchFamily="34" charset="-120"/>
-              </a:rPr>
-              <a:t>放</a:t>
-            </a:r>
-            <a:r>
-              <a:rPr lang="en-US" altLang="zh-TW" sz="4800" b="1" dirty="0" smtClean="0">
-                <a:solidFill>
-                  <a:srgbClr val="000066"/>
-                </a:solidFill>
-                <a:latin typeface="微軟正黑體" pitchFamily="34" charset="-120"/>
-                <a:ea typeface="微軟正黑體" pitchFamily="34" charset="-120"/>
-              </a:rPr>
-              <a:t>  </a:t>
-            </a:r>
-            <a:r>
-              <a:rPr lang="zh-TW" altLang="en-US" sz="4800" b="1" dirty="0" smtClean="0">
-                <a:solidFill>
-                  <a:srgbClr val="000066"/>
-                </a:solidFill>
-                <a:latin typeface="微軟正黑體" pitchFamily="34" charset="-120"/>
-                <a:ea typeface="微軟正黑體" pitchFamily="34" charset="-120"/>
-              </a:rPr>
-              <a:t>薈</a:t>
-            </a:r>
-            <a:r>
-              <a:rPr lang="zh-TW" altLang="en-US" sz="4800" b="1" dirty="0">
-                <a:solidFill>
-                  <a:srgbClr val="000066"/>
-                </a:solidFill>
-                <a:latin typeface="微軟正黑體" pitchFamily="34" charset="-120"/>
-                <a:ea typeface="微軟正黑體" pitchFamily="34" charset="-120"/>
-              </a:rPr>
-              <a:t>成異彩天香</a:t>
-            </a:r>
-          </a:p>
-          <a:p>
-            <a:pPr algn="ctr">
-              <a:buNone/>
-            </a:pPr>
-            <a:endParaRPr lang="zh-TW" altLang="en-US" sz="4800" b="1" dirty="0">
-              <a:solidFill>
-                <a:srgbClr val="000066"/>
-              </a:solidFill>
-              <a:latin typeface="微軟正黑體" pitchFamily="34" charset="-120"/>
-              <a:ea typeface="微軟正黑體" pitchFamily="34" charset="-120"/>
-            </a:endParaRPr>
-          </a:p>
-        </p:txBody>
-      </p:sp>
-      <p:sp>
-        <p:nvSpPr>
-          <p:cNvPr id="5" name="TextBox 4"/>
+        </p:txBody>
+      </p:sp>
+      <p:sp>
+        <p:nvSpPr>
+          <p:cNvPr id="3" name="TextBox 2"/>
           <p:cNvSpPr txBox="1"/>
           <p:nvPr/>
         </p:nvSpPr>
         <p:spPr>
           <a:xfrm>
-            <a:off x="109368" y="1244473"/>
-            <a:ext cx="690947" cy="707886"/>
+            <a:off x="0" y="3795887"/>
+            <a:ext cx="9144000" cy="646331"/>
           </a:xfrm>
           <a:prstGeom prst="rect">
             <a:avLst/>
@@ -4685,41 +5852,40 @@
           </a:bodyPr>
           <a:lstStyle/>
           <a:p>
-            <a:r>
-              <a:rPr lang="en-US" altLang="zh-CN" sz="4000" b="1" dirty="0">
-                <a:solidFill>
-                  <a:srgbClr val="000066"/>
-                </a:solidFill>
-                <a:latin typeface="微軟正黑體" pitchFamily="34" charset="-120"/>
-                <a:ea typeface="微軟正黑體" pitchFamily="34" charset="-120"/>
-              </a:rPr>
-              <a:t>4</a:t>
-            </a:r>
-            <a:r>
-              <a:rPr lang="en-US" altLang="zh-CN" sz="4000" b="1" dirty="0" smtClean="0">
-                <a:solidFill>
-                  <a:srgbClr val="000066"/>
-                </a:solidFill>
-                <a:latin typeface="微軟正黑體" pitchFamily="34" charset="-120"/>
-                <a:ea typeface="微軟正黑體" pitchFamily="34" charset="-120"/>
-              </a:rPr>
-              <a:t>.</a:t>
-            </a:r>
-            <a:endParaRPr lang="en-US" sz="4000" b="1" dirty="0">
+            <a:pPr algn="ctr"/>
+            <a:r>
+              <a:rPr lang="en-US" sz="3600" b="1" dirty="0">
+                <a:solidFill>
+                  <a:srgbClr val="660033"/>
+                </a:solidFill>
+              </a:rPr>
+              <a:t>( 1 )</a:t>
+            </a:r>
+            <a:endParaRPr lang="vi-VN" sz="3600" b="1" dirty="0">
               <a:solidFill>
-                <a:srgbClr val="000066"/>
+                <a:srgbClr val="660033"/>
               </a:solidFill>
-              <a:latin typeface="微軟正黑體" pitchFamily="34" charset="-120"/>
-              <a:ea typeface="微軟正黑體" pitchFamily="34" charset="-120"/>
             </a:endParaRPr>
           </a:p>
         </p:txBody>
       </p:sp>
     </p:spTree>
+    <p:extLst>
+      <p:ext uri="{BB962C8B-B14F-4D97-AF65-F5344CB8AC3E}">
+        <p14:creationId xmlns:p14="http://schemas.microsoft.com/office/powerpoint/2010/main" val="2479444718"/>
+      </p:ext>
+    </p:extLst>
   </p:cSld>
   <p:clrMapOvr>
     <a:masterClrMapping/>
   </p:clrMapOvr>
+  <p:timing>
+    <p:tnLst>
+      <p:par>
+        <p:cTn id="1" dur="indefinite" restart="never" nodeType="tmRoot"/>
+      </p:par>
+    </p:tnLst>
+  </p:timing>
 </p:sld>
 </file>
 
@@ -4742,122 +5908,52 @@
       </p:grpSpPr>
       <p:sp>
         <p:nvSpPr>
-          <p:cNvPr id="2" name="標題 1"/>
-          <p:cNvSpPr>
-            <a:spLocks noGrp="1"/>
-          </p:cNvSpPr>
-          <p:nvPr>
-            <p:ph type="title"/>
-          </p:nvPr>
-        </p:nvSpPr>
-        <p:spPr/>
-        <p:txBody>
-          <a:bodyPr>
+          <p:cNvPr id="5" name="內容版面配置區 4"/>
+          <p:cNvSpPr>
+            <a:spLocks noGrp="1"/>
+          </p:cNvSpPr>
+          <p:nvPr>
+            <p:ph idx="1"/>
+          </p:nvPr>
+        </p:nvSpPr>
+        <p:spPr>
+          <a:xfrm>
+            <a:off x="0" y="1563639"/>
+            <a:ext cx="9144000" cy="1803647"/>
+          </a:xfrm>
+        </p:spPr>
+        <p:txBody>
+          <a:bodyPr anchor="ctr">
             <a:normAutofit/>
           </a:bodyPr>
           <a:lstStyle/>
           <a:p>
-            <a:r>
-              <a:rPr lang="zh-TW" altLang="en-US" sz="4000" b="1" dirty="0">
-                <a:solidFill>
-                  <a:srgbClr val="000066"/>
-                </a:solidFill>
-                <a:latin typeface="微軟正黑體" pitchFamily="34" charset="-120"/>
-                <a:ea typeface="微軟正黑體" pitchFamily="34" charset="-120"/>
-              </a:rPr>
-              <a:t>擁戴為王</a:t>
-            </a:r>
-          </a:p>
-        </p:txBody>
-      </p:sp>
-      <p:sp>
-        <p:nvSpPr>
-          <p:cNvPr id="4" name="內容版面配置區 3"/>
-          <p:cNvSpPr>
-            <a:spLocks noGrp="1"/>
-          </p:cNvSpPr>
-          <p:nvPr>
-            <p:ph idx="1"/>
-          </p:nvPr>
-        </p:nvSpPr>
-        <p:spPr>
-          <a:xfrm>
-            <a:off x="0" y="1200151"/>
-            <a:ext cx="9144000" cy="3394472"/>
-          </a:xfrm>
-        </p:spPr>
-        <p:txBody>
-          <a:bodyPr>
-            <a:noAutofit/>
-          </a:bodyPr>
-          <a:lstStyle/>
-          <a:p>
             <a:pPr algn="ctr">
               <a:buNone/>
             </a:pPr>
             <a:r>
               <a:rPr lang="zh-TW" altLang="en-US" sz="4800" b="1" dirty="0">
                 <a:solidFill>
-                  <a:srgbClr val="000066"/>
-                </a:solidFill>
-                <a:latin typeface="微軟正黑體" pitchFamily="34" charset="-120"/>
-                <a:ea typeface="微軟正黑體" pitchFamily="34" charset="-120"/>
-              </a:rPr>
-              <a:t>快來擁戴為</a:t>
+                  <a:srgbClr val="660033"/>
+                </a:solidFill>
+                <a:latin typeface="微軟正黑體" pitchFamily="34" charset="-120"/>
+                <a:ea typeface="微軟正黑體" pitchFamily="34" charset="-120"/>
+              </a:rPr>
+              <a:t>歡呼為你受死之</a:t>
             </a:r>
             <a:r>
               <a:rPr lang="zh-TW" altLang="en-US" sz="4800" b="1" dirty="0" smtClean="0">
                 <a:solidFill>
-                  <a:srgbClr val="000066"/>
-                </a:solidFill>
-                <a:latin typeface="微軟正黑體" pitchFamily="34" charset="-120"/>
-                <a:ea typeface="微軟正黑體" pitchFamily="34" charset="-120"/>
-              </a:rPr>
-              <a:t>王</a:t>
-            </a:r>
-            <a:r>
-              <a:rPr lang="en-US" altLang="zh-TW" sz="4800" b="1" dirty="0" smtClean="0">
-                <a:solidFill>
-                  <a:srgbClr val="000066"/>
-                </a:solidFill>
-                <a:latin typeface="微軟正黑體" pitchFamily="34" charset="-120"/>
-                <a:ea typeface="微軟正黑體" pitchFamily="34" charset="-120"/>
-              </a:rPr>
-              <a:t>  </a:t>
-            </a:r>
-            <a:r>
-              <a:rPr lang="zh-TW" altLang="en-US" sz="4800" b="1" dirty="0" smtClean="0">
-                <a:solidFill>
-                  <a:srgbClr val="000066"/>
-                </a:solidFill>
-                <a:latin typeface="微軟正黑體" pitchFamily="34" charset="-120"/>
-                <a:ea typeface="微軟正黑體" pitchFamily="34" charset="-120"/>
-              </a:rPr>
-              <a:t>人</a:t>
-            </a:r>
-            <a:r>
-              <a:rPr lang="zh-TW" altLang="en-US" sz="4800" b="1" dirty="0">
-                <a:solidFill>
-                  <a:srgbClr val="000066"/>
-                </a:solidFill>
-                <a:latin typeface="微軟正黑體" pitchFamily="34" charset="-120"/>
-                <a:ea typeface="微軟正黑體" pitchFamily="34" charset="-120"/>
-              </a:rPr>
-              <a:t>天共戴之</a:t>
-            </a:r>
-            <a:r>
-              <a:rPr lang="zh-TW" altLang="en-US" sz="4800" b="1" dirty="0">
-                <a:solidFill>
-                  <a:srgbClr val="000066"/>
-                </a:solidFill>
-                <a:latin typeface="微軟正黑體" pitchFamily="34" charset="-120"/>
-                <a:ea typeface="微軟正黑體" pitchFamily="34" charset="-120"/>
-              </a:rPr>
-              <a:t>王</a:t>
-            </a:r>
-            <a:endParaRPr lang="en-US" altLang="zh-TW" sz="4800" b="1" dirty="0">
+                  <a:srgbClr val="660033"/>
+                </a:solidFill>
+                <a:latin typeface="微軟正黑體" pitchFamily="34" charset="-120"/>
+                <a:ea typeface="微軟正黑體" pitchFamily="34" charset="-120"/>
+              </a:rPr>
+              <a:t>主</a:t>
+            </a:r>
+            <a:endParaRPr lang="en-US" altLang="zh-TW" sz="4800" b="1" dirty="0" smtClean="0">
               <a:solidFill>
-                <a:srgbClr val="000066"/>
+                <a:srgbClr val="660033"/>
               </a:solidFill>
               <a:latin typeface="微軟正黑體" pitchFamily="34" charset="-120"/>
               <a:ea typeface="微軟正黑體" pitchFamily="34" charset="-120"/>
@@ -4868,234 +5964,45 @@
               <a:buNone/>
             </a:pPr>
             <a:r>
+              <a:rPr lang="zh-TW" altLang="en-US" sz="4800" b="1" dirty="0" smtClean="0">
+                <a:solidFill>
+                  <a:srgbClr val="660033"/>
+                </a:solidFill>
+                <a:latin typeface="微軟正黑體" pitchFamily="34" charset="-120"/>
+                <a:ea typeface="微軟正黑體" pitchFamily="34" charset="-120"/>
+              </a:rPr>
+              <a:t>千</a:t>
+            </a:r>
+            <a:r>
               <a:rPr lang="zh-TW" altLang="en-US" sz="4800" b="1" dirty="0">
                 <a:solidFill>
-                  <a:srgbClr val="000066"/>
-                </a:solidFill>
-                <a:latin typeface="微軟正黑體" pitchFamily="34" charset="-120"/>
-                <a:ea typeface="微軟正黑體" pitchFamily="34" charset="-120"/>
-              </a:rPr>
-              <a:t>萬</a:t>
-            </a:r>
-            <a:r>
-              <a:rPr lang="zh-TW" altLang="en-US" sz="4800" b="1" dirty="0">
-                <a:solidFill>
-                  <a:srgbClr val="000066"/>
-                </a:solidFill>
-                <a:latin typeface="微軟正黑體" pitchFamily="34" charset="-120"/>
-                <a:ea typeface="微軟正黑體" pitchFamily="34" charset="-120"/>
-              </a:rPr>
-              <a:t>靈稱祂奇妙愛</a:t>
-            </a:r>
-            <a:r>
-              <a:rPr lang="zh-TW" altLang="en-US" sz="4800" b="1" dirty="0" smtClean="0">
-                <a:solidFill>
-                  <a:srgbClr val="000066"/>
-                </a:solidFill>
-                <a:latin typeface="微軟正黑體" pitchFamily="34" charset="-120"/>
-                <a:ea typeface="微軟正黑體" pitchFamily="34" charset="-120"/>
-              </a:rPr>
-              <a:t>名</a:t>
-            </a:r>
-            <a:r>
-              <a:rPr lang="en-US" altLang="zh-TW" sz="4800" b="1" dirty="0" smtClean="0">
-                <a:solidFill>
-                  <a:srgbClr val="000066"/>
-                </a:solidFill>
-                <a:latin typeface="微軟正黑體" pitchFamily="34" charset="-120"/>
-                <a:ea typeface="微軟正黑體" pitchFamily="34" charset="-120"/>
-              </a:rPr>
-              <a:t>  </a:t>
-            </a:r>
-            <a:r>
-              <a:rPr lang="zh-TW" altLang="en-US" sz="4800" b="1" dirty="0" smtClean="0">
-                <a:solidFill>
-                  <a:srgbClr val="000066"/>
-                </a:solidFill>
-                <a:latin typeface="微軟正黑體" pitchFamily="34" charset="-120"/>
-                <a:ea typeface="微軟正黑體" pitchFamily="34" charset="-120"/>
-              </a:rPr>
-              <a:t>萬</a:t>
-            </a:r>
-            <a:r>
-              <a:rPr lang="zh-TW" altLang="en-US" sz="4800" b="1" dirty="0">
-                <a:solidFill>
-                  <a:srgbClr val="000066"/>
-                </a:solidFill>
-                <a:latin typeface="微軟正黑體" pitchFamily="34" charset="-120"/>
-                <a:ea typeface="微軟正黑體" pitchFamily="34" charset="-120"/>
-              </a:rPr>
-              <a:t>世</a:t>
-            </a:r>
-            <a:r>
-              <a:rPr lang="zh-TW" altLang="en-US" sz="4800" b="1" dirty="0">
-                <a:solidFill>
-                  <a:srgbClr val="000066"/>
-                </a:solidFill>
-                <a:latin typeface="微軟正黑體" pitchFamily="34" charset="-120"/>
-                <a:ea typeface="微軟正黑體" pitchFamily="34" charset="-120"/>
-              </a:rPr>
-              <a:t>尊祂至</a:t>
-            </a:r>
-            <a:r>
-              <a:rPr lang="zh-TW" altLang="en-US" sz="4800" b="1" dirty="0" smtClean="0">
-                <a:solidFill>
-                  <a:srgbClr val="000066"/>
-                </a:solidFill>
-                <a:latin typeface="微軟正黑體" pitchFamily="34" charset="-120"/>
-                <a:ea typeface="微軟正黑體" pitchFamily="34" charset="-120"/>
-              </a:rPr>
-              <a:t>上</a:t>
-            </a:r>
-            <a:endParaRPr lang="en-US" altLang="zh-TW" sz="4800" b="1" dirty="0" smtClean="0">
+                  <a:srgbClr val="660033"/>
+                </a:solidFill>
+                <a:latin typeface="微軟正黑體" pitchFamily="34" charset="-120"/>
+                <a:ea typeface="微軟正黑體" pitchFamily="34" charset="-120"/>
+              </a:rPr>
+              <a:t>秋萬歲無疆</a:t>
+            </a:r>
+            <a:endParaRPr lang="zh-TW" altLang="en-US" sz="4800" b="1" dirty="0">
               <a:solidFill>
-                <a:srgbClr val="000066"/>
+                <a:srgbClr val="660033"/>
               </a:solidFill>
               <a:latin typeface="微軟正黑體" pitchFamily="34" charset="-120"/>
               <a:ea typeface="微軟正黑體" pitchFamily="34" charset="-120"/>
             </a:endParaRPr>
           </a:p>
-          <a:p>
-            <a:pPr algn="ctr">
-              <a:buNone/>
-            </a:pPr>
-            <a:r>
-              <a:rPr lang="zh-TW" altLang="en-US" sz="4800" b="1" dirty="0">
-                <a:solidFill>
-                  <a:srgbClr val="000066"/>
-                </a:solidFill>
-                <a:latin typeface="微軟正黑體" pitchFamily="34" charset="-120"/>
-                <a:ea typeface="微軟正黑體" pitchFamily="34" charset="-120"/>
-              </a:rPr>
-              <a:t>世界萬國之</a:t>
-            </a:r>
-            <a:r>
-              <a:rPr lang="zh-TW" altLang="en-US" sz="4800" b="1" dirty="0" smtClean="0">
-                <a:solidFill>
-                  <a:srgbClr val="000066"/>
-                </a:solidFill>
-                <a:latin typeface="微軟正黑體" pitchFamily="34" charset="-120"/>
-                <a:ea typeface="微軟正黑體" pitchFamily="34" charset="-120"/>
-              </a:rPr>
-              <a:t>君</a:t>
-            </a:r>
-            <a:r>
-              <a:rPr lang="en-US" altLang="zh-TW" sz="4800" b="1" dirty="0" smtClean="0">
-                <a:solidFill>
-                  <a:srgbClr val="000066"/>
-                </a:solidFill>
-                <a:latin typeface="微軟正黑體" pitchFamily="34" charset="-120"/>
-                <a:ea typeface="微軟正黑體" pitchFamily="34" charset="-120"/>
-              </a:rPr>
-              <a:t>  </a:t>
-            </a:r>
-            <a:r>
-              <a:rPr lang="zh-TW" altLang="en-US" sz="4800" b="1" dirty="0" smtClean="0">
-                <a:solidFill>
-                  <a:srgbClr val="000066"/>
-                </a:solidFill>
-                <a:latin typeface="微軟正黑體" pitchFamily="34" charset="-120"/>
-                <a:ea typeface="微軟正黑體" pitchFamily="34" charset="-120"/>
-              </a:rPr>
-              <a:t>卑</a:t>
-            </a:r>
-            <a:r>
-              <a:rPr lang="zh-TW" altLang="en-US" sz="4800" b="1" dirty="0">
-                <a:solidFill>
-                  <a:srgbClr val="000066"/>
-                </a:solidFill>
-                <a:latin typeface="微軟正黑體" pitchFamily="34" charset="-120"/>
-                <a:ea typeface="微軟正黑體" pitchFamily="34" charset="-120"/>
-              </a:rPr>
-              <a:t>伏覲見至尊</a:t>
-            </a:r>
-            <a:endParaRPr lang="en-US" altLang="zh-TW" sz="4800" b="1" dirty="0">
-              <a:solidFill>
-                <a:srgbClr val="000066"/>
-              </a:solidFill>
-              <a:latin typeface="微軟正黑體" pitchFamily="34" charset="-120"/>
-              <a:ea typeface="微軟正黑體" pitchFamily="34" charset="-120"/>
-            </a:endParaRPr>
-          </a:p>
-          <a:p>
-            <a:pPr algn="ctr">
-              <a:buNone/>
-            </a:pPr>
-            <a:r>
-              <a:rPr lang="zh-TW" altLang="en-US" sz="4800" b="1" dirty="0">
-                <a:solidFill>
-                  <a:srgbClr val="000066"/>
-                </a:solidFill>
-                <a:latin typeface="微軟正黑體" pitchFamily="34" charset="-120"/>
-                <a:ea typeface="微軟正黑體" pitchFamily="34" charset="-120"/>
-              </a:rPr>
-              <a:t>齊摘華冠拋擲座</a:t>
-            </a:r>
-            <a:r>
-              <a:rPr lang="zh-TW" altLang="en-US" sz="4800" b="1" dirty="0" smtClean="0">
-                <a:solidFill>
-                  <a:srgbClr val="000066"/>
-                </a:solidFill>
-                <a:latin typeface="微軟正黑體" pitchFamily="34" charset="-120"/>
-                <a:ea typeface="微軟正黑體" pitchFamily="34" charset="-120"/>
-              </a:rPr>
-              <a:t>前</a:t>
-            </a:r>
-            <a:r>
-              <a:rPr lang="en-US" altLang="zh-TW" sz="4800" b="1" dirty="0" smtClean="0">
-                <a:solidFill>
-                  <a:srgbClr val="000066"/>
-                </a:solidFill>
-                <a:latin typeface="微軟正黑體" pitchFamily="34" charset="-120"/>
-                <a:ea typeface="微軟正黑體" pitchFamily="34" charset="-120"/>
-              </a:rPr>
-              <a:t>  </a:t>
-            </a:r>
-            <a:r>
-              <a:rPr lang="zh-TW" altLang="en-US" sz="4800" b="1" dirty="0" smtClean="0">
-                <a:solidFill>
-                  <a:srgbClr val="000066"/>
-                </a:solidFill>
-                <a:latin typeface="微軟正黑體" pitchFamily="34" charset="-120"/>
-                <a:ea typeface="微軟正黑體" pitchFamily="34" charset="-120"/>
-              </a:rPr>
-              <a:t>隨</a:t>
-            </a:r>
-            <a:r>
-              <a:rPr lang="zh-TW" altLang="en-US" sz="4800" b="1" dirty="0">
-                <a:solidFill>
-                  <a:srgbClr val="000066"/>
-                </a:solidFill>
-                <a:latin typeface="微軟正黑體" pitchFamily="34" charset="-120"/>
-                <a:ea typeface="微軟正黑體" pitchFamily="34" charset="-120"/>
-              </a:rPr>
-              <a:t>眾昭事維寅</a:t>
-            </a:r>
-          </a:p>
-          <a:p>
-            <a:pPr algn="ctr">
-              <a:buNone/>
-            </a:pPr>
-            <a:endParaRPr lang="zh-TW" altLang="en-US" sz="4800" b="1" dirty="0">
-              <a:solidFill>
-                <a:srgbClr val="000066"/>
-              </a:solidFill>
-              <a:latin typeface="微軟正黑體" pitchFamily="34" charset="-120"/>
-              <a:ea typeface="微軟正黑體" pitchFamily="34" charset="-120"/>
-            </a:endParaRPr>
-          </a:p>
-        </p:txBody>
-      </p:sp>
-      <p:sp>
-        <p:nvSpPr>
-          <p:cNvPr id="5" name="TextBox 4"/>
+        </p:txBody>
+      </p:sp>
+      <p:sp>
+        <p:nvSpPr>
+          <p:cNvPr id="3" name="TextBox 2"/>
           <p:cNvSpPr txBox="1"/>
           <p:nvPr/>
         </p:nvSpPr>
         <p:spPr>
           <a:xfrm>
-            <a:off x="109368" y="1244473"/>
-            <a:ext cx="690947" cy="707886"/>
+            <a:off x="0" y="3795887"/>
+            <a:ext cx="9144000" cy="646331"/>
           </a:xfrm>
           <a:prstGeom prst="rect">
             <a:avLst/>
@@ -5108,31 +6015,756 @@
           </a:bodyPr>
           <a:lstStyle/>
           <a:p>
-            <a:r>
-              <a:rPr lang="en-US" altLang="zh-CN" sz="4000" b="1" dirty="0" smtClean="0">
-                <a:solidFill>
-                  <a:srgbClr val="000066"/>
-                </a:solidFill>
-                <a:latin typeface="微軟正黑體" pitchFamily="34" charset="-120"/>
-                <a:ea typeface="微軟正黑體" pitchFamily="34" charset="-120"/>
-              </a:rPr>
-              <a:t>5.</a:t>
-            </a:r>
-            <a:endParaRPr lang="en-US" sz="4000" b="1" dirty="0">
+            <a:pPr algn="ctr"/>
+            <a:r>
+              <a:rPr lang="en-US" sz="3600" b="1" dirty="0">
+                <a:solidFill>
+                  <a:srgbClr val="660033"/>
+                </a:solidFill>
+              </a:rPr>
+              <a:t>( 1 )</a:t>
+            </a:r>
+            <a:endParaRPr lang="vi-VN" sz="3600" b="1" dirty="0">
               <a:solidFill>
-                <a:srgbClr val="000066"/>
+                <a:srgbClr val="660033"/>
+              </a:solidFill>
+            </a:endParaRPr>
+          </a:p>
+        </p:txBody>
+      </p:sp>
+    </p:spTree>
+    <p:extLst>
+      <p:ext uri="{BB962C8B-B14F-4D97-AF65-F5344CB8AC3E}">
+        <p14:creationId xmlns:p14="http://schemas.microsoft.com/office/powerpoint/2010/main" val="2791076283"/>
+      </p:ext>
+    </p:extLst>
+  </p:cSld>
+  <p:clrMapOvr>
+    <a:masterClrMapping/>
+  </p:clrMapOvr>
+  <p:timing>
+    <p:tnLst>
+      <p:par>
+        <p:cTn id="1" dur="indefinite" restart="never" nodeType="tmRoot"/>
+      </p:par>
+    </p:tnLst>
+  </p:timing>
+</p:sld>
+</file>
+
+<file path=ppt/slides/slide6.xml><?xml version="1.0" encoding="utf-8"?>
+<p:sld xmlns:a="http://schemas.openxmlformats.org/drawingml/2006/main" xmlns:r="http://schemas.openxmlformats.org/officeDocument/2006/relationships" xmlns:p="http://schemas.openxmlformats.org/presentationml/2006/main">
+  <p:cSld>
+    <p:spTree>
+      <p:nvGrpSpPr>
+        <p:cNvPr id="1" name=""/>
+        <p:cNvGrpSpPr/>
+        <p:nvPr/>
+      </p:nvGrpSpPr>
+      <p:grpSpPr>
+        <a:xfrm>
+          <a:off x="0" y="0"/>
+          <a:ext cx="0" cy="0"/>
+          <a:chOff x="0" y="0"/>
+          <a:chExt cx="0" cy="0"/>
+        </a:xfrm>
+      </p:grpSpPr>
+      <p:sp>
+        <p:nvSpPr>
+          <p:cNvPr id="5" name="內容版面配置區 4"/>
+          <p:cNvSpPr>
+            <a:spLocks noGrp="1"/>
+          </p:cNvSpPr>
+          <p:nvPr>
+            <p:ph idx="1"/>
+          </p:nvPr>
+        </p:nvSpPr>
+        <p:spPr>
+          <a:xfrm>
+            <a:off x="0" y="1563639"/>
+            <a:ext cx="9144000" cy="1803647"/>
+          </a:xfrm>
+        </p:spPr>
+        <p:txBody>
+          <a:bodyPr anchor="ctr">
+            <a:normAutofit/>
+          </a:bodyPr>
+          <a:lstStyle/>
+          <a:p>
+            <a:pPr algn="ctr">
+              <a:buNone/>
+            </a:pPr>
+            <a:r>
+              <a:rPr lang="zh-TW" altLang="en-US" sz="4800" b="1" dirty="0">
+                <a:solidFill>
+                  <a:srgbClr val="660033"/>
+                </a:solidFill>
+                <a:latin typeface="微軟正黑體" pitchFamily="34" charset="-120"/>
+                <a:ea typeface="微軟正黑體" pitchFamily="34" charset="-120"/>
+              </a:rPr>
+              <a:t>快來擁戴為</a:t>
+            </a:r>
+            <a:r>
+              <a:rPr lang="zh-TW" altLang="en-US" sz="4800" b="1" dirty="0" smtClean="0">
+                <a:solidFill>
+                  <a:srgbClr val="660033"/>
+                </a:solidFill>
+                <a:latin typeface="微軟正黑體" pitchFamily="34" charset="-120"/>
+                <a:ea typeface="微軟正黑體" pitchFamily="34" charset="-120"/>
+              </a:rPr>
+              <a:t>王</a:t>
+            </a:r>
+            <a:endParaRPr lang="en-US" altLang="zh-TW" sz="4800" b="1" dirty="0" smtClean="0">
+              <a:solidFill>
+                <a:srgbClr val="660033"/>
               </a:solidFill>
               <a:latin typeface="微軟正黑體" pitchFamily="34" charset="-120"/>
               <a:ea typeface="微軟正黑體" pitchFamily="34" charset="-120"/>
             </a:endParaRPr>
           </a:p>
+          <a:p>
+            <a:pPr algn="ctr">
+              <a:buNone/>
+            </a:pPr>
+            <a:r>
+              <a:rPr lang="zh-TW" altLang="en-US" sz="4800" b="1" dirty="0" smtClean="0">
+                <a:solidFill>
+                  <a:srgbClr val="660033"/>
+                </a:solidFill>
+                <a:latin typeface="微軟正黑體" pitchFamily="34" charset="-120"/>
+                <a:ea typeface="微軟正黑體" pitchFamily="34" charset="-120"/>
+              </a:rPr>
+              <a:t>聖</a:t>
+            </a:r>
+            <a:r>
+              <a:rPr lang="zh-TW" altLang="en-US" sz="4800" b="1" dirty="0">
+                <a:solidFill>
+                  <a:srgbClr val="660033"/>
+                </a:solidFill>
+                <a:latin typeface="微軟正黑體" pitchFamily="34" charset="-120"/>
+                <a:ea typeface="微軟正黑體" pitchFamily="34" charset="-120"/>
+              </a:rPr>
+              <a:t>潔至尊神子</a:t>
+            </a:r>
+            <a:endParaRPr lang="en-US" altLang="zh-TW" sz="4800" b="1" dirty="0">
+              <a:solidFill>
+                <a:srgbClr val="660033"/>
+              </a:solidFill>
+              <a:latin typeface="微軟正黑體" pitchFamily="34" charset="-120"/>
+              <a:ea typeface="微軟正黑體" pitchFamily="34" charset="-120"/>
+            </a:endParaRPr>
+          </a:p>
+        </p:txBody>
+      </p:sp>
+      <p:sp>
+        <p:nvSpPr>
+          <p:cNvPr id="3" name="TextBox 2"/>
+          <p:cNvSpPr txBox="1"/>
+          <p:nvPr/>
+        </p:nvSpPr>
+        <p:spPr>
+          <a:xfrm>
+            <a:off x="0" y="3795887"/>
+            <a:ext cx="9144000" cy="646331"/>
+          </a:xfrm>
+          <a:prstGeom prst="rect">
+            <a:avLst/>
+          </a:prstGeom>
+          <a:noFill/>
+        </p:spPr>
+        <p:txBody>
+          <a:bodyPr wrap="square" rtlCol="0">
+            <a:spAutoFit/>
+          </a:bodyPr>
+          <a:lstStyle/>
+          <a:p>
+            <a:pPr algn="ctr"/>
+            <a:r>
+              <a:rPr lang="en-US" sz="3600" b="1" dirty="0">
+                <a:solidFill>
+                  <a:srgbClr val="660033"/>
+                </a:solidFill>
+              </a:rPr>
+              <a:t>( </a:t>
+            </a:r>
+            <a:r>
+              <a:rPr lang="en-US" sz="3600" b="1" dirty="0" smtClean="0">
+                <a:solidFill>
+                  <a:srgbClr val="660033"/>
+                </a:solidFill>
+              </a:rPr>
+              <a:t>2 </a:t>
+            </a:r>
+            <a:r>
+              <a:rPr lang="en-US" sz="3600" b="1" dirty="0">
+                <a:solidFill>
+                  <a:srgbClr val="660033"/>
+                </a:solidFill>
+              </a:rPr>
+              <a:t>)</a:t>
+            </a:r>
+            <a:endParaRPr lang="vi-VN" sz="3600" b="1" dirty="0">
+              <a:solidFill>
+                <a:srgbClr val="660033"/>
+              </a:solidFill>
+            </a:endParaRPr>
+          </a:p>
         </p:txBody>
       </p:sp>
     </p:spTree>
+    <p:extLst>
+      <p:ext uri="{BB962C8B-B14F-4D97-AF65-F5344CB8AC3E}">
+        <p14:creationId xmlns:p14="http://schemas.microsoft.com/office/powerpoint/2010/main" val="974230897"/>
+      </p:ext>
+    </p:extLst>
   </p:cSld>
   <p:clrMapOvr>
     <a:masterClrMapping/>
   </p:clrMapOvr>
+  <p:timing>
+    <p:tnLst>
+      <p:par>
+        <p:cTn id="1" dur="indefinite" restart="never" nodeType="tmRoot"/>
+      </p:par>
+    </p:tnLst>
+  </p:timing>
+</p:sld>
+</file>
+
+<file path=ppt/slides/slide7.xml><?xml version="1.0" encoding="utf-8"?>
+<p:sld xmlns:a="http://schemas.openxmlformats.org/drawingml/2006/main" xmlns:r="http://schemas.openxmlformats.org/officeDocument/2006/relationships" xmlns:p="http://schemas.openxmlformats.org/presentationml/2006/main">
+  <p:cSld>
+    <p:spTree>
+      <p:nvGrpSpPr>
+        <p:cNvPr id="1" name=""/>
+        <p:cNvGrpSpPr/>
+        <p:nvPr/>
+      </p:nvGrpSpPr>
+      <p:grpSpPr>
+        <a:xfrm>
+          <a:off x="0" y="0"/>
+          <a:ext cx="0" cy="0"/>
+          <a:chOff x="0" y="0"/>
+          <a:chExt cx="0" cy="0"/>
+        </a:xfrm>
+      </p:grpSpPr>
+      <p:sp>
+        <p:nvSpPr>
+          <p:cNvPr id="5" name="內容版面配置區 4"/>
+          <p:cNvSpPr>
+            <a:spLocks noGrp="1"/>
+          </p:cNvSpPr>
+          <p:nvPr>
+            <p:ph idx="1"/>
+          </p:nvPr>
+        </p:nvSpPr>
+        <p:spPr>
+          <a:xfrm>
+            <a:off x="0" y="1563639"/>
+            <a:ext cx="9144000" cy="1803647"/>
+          </a:xfrm>
+        </p:spPr>
+        <p:txBody>
+          <a:bodyPr anchor="ctr">
+            <a:normAutofit/>
+          </a:bodyPr>
+          <a:lstStyle/>
+          <a:p>
+            <a:pPr algn="ctr">
+              <a:buNone/>
+            </a:pPr>
+            <a:r>
+              <a:rPr lang="zh-TW" altLang="en-US" sz="4800" b="1" dirty="0">
+                <a:solidFill>
+                  <a:srgbClr val="660033"/>
+                </a:solidFill>
+                <a:latin typeface="微軟正黑體" pitchFamily="34" charset="-120"/>
+                <a:ea typeface="微軟正黑體" pitchFamily="34" charset="-120"/>
+              </a:rPr>
+              <a:t>跟祂的人快樂擁</a:t>
+            </a:r>
+            <a:r>
+              <a:rPr lang="zh-TW" altLang="en-US" sz="4800" b="1" dirty="0" smtClean="0">
+                <a:solidFill>
+                  <a:srgbClr val="660033"/>
+                </a:solidFill>
+                <a:latin typeface="微軟正黑體" pitchFamily="34" charset="-120"/>
+                <a:ea typeface="微軟正黑體" pitchFamily="34" charset="-120"/>
+              </a:rPr>
+              <a:t>戴</a:t>
+            </a:r>
+            <a:endParaRPr lang="en-US" altLang="zh-TW" sz="4800" b="1" dirty="0" smtClean="0">
+              <a:solidFill>
+                <a:srgbClr val="660033"/>
+              </a:solidFill>
+              <a:latin typeface="微軟正黑體" pitchFamily="34" charset="-120"/>
+              <a:ea typeface="微軟正黑體" pitchFamily="34" charset="-120"/>
+            </a:endParaRPr>
+          </a:p>
+          <a:p>
+            <a:pPr algn="ctr">
+              <a:buNone/>
+            </a:pPr>
+            <a:r>
+              <a:rPr lang="zh-TW" altLang="en-US" sz="4800" b="1" dirty="0" smtClean="0">
+                <a:solidFill>
+                  <a:srgbClr val="660033"/>
+                </a:solidFill>
+                <a:latin typeface="微軟正黑體" pitchFamily="34" charset="-120"/>
+                <a:ea typeface="微軟正黑體" pitchFamily="34" charset="-120"/>
+              </a:rPr>
+              <a:t>因</a:t>
+            </a:r>
+            <a:r>
+              <a:rPr lang="zh-TW" altLang="en-US" sz="4800" b="1" dirty="0">
+                <a:solidFill>
+                  <a:srgbClr val="660033"/>
+                </a:solidFill>
+                <a:latin typeface="微軟正黑體" pitchFamily="34" charset="-120"/>
+                <a:ea typeface="微軟正黑體" pitchFamily="34" charset="-120"/>
+              </a:rPr>
+              <a:t>祂亦是人子</a:t>
+            </a:r>
+            <a:endParaRPr lang="en-US" altLang="zh-TW" sz="4800" b="1" dirty="0">
+              <a:solidFill>
+                <a:srgbClr val="660033"/>
+              </a:solidFill>
+              <a:latin typeface="微軟正黑體" pitchFamily="34" charset="-120"/>
+              <a:ea typeface="微軟正黑體" pitchFamily="34" charset="-120"/>
+            </a:endParaRPr>
+          </a:p>
+        </p:txBody>
+      </p:sp>
+      <p:sp>
+        <p:nvSpPr>
+          <p:cNvPr id="3" name="TextBox 2"/>
+          <p:cNvSpPr txBox="1"/>
+          <p:nvPr/>
+        </p:nvSpPr>
+        <p:spPr>
+          <a:xfrm>
+            <a:off x="0" y="3795887"/>
+            <a:ext cx="9144000" cy="646331"/>
+          </a:xfrm>
+          <a:prstGeom prst="rect">
+            <a:avLst/>
+          </a:prstGeom>
+          <a:noFill/>
+        </p:spPr>
+        <p:txBody>
+          <a:bodyPr wrap="square" rtlCol="0">
+            <a:spAutoFit/>
+          </a:bodyPr>
+          <a:lstStyle/>
+          <a:p>
+            <a:pPr algn="ctr"/>
+            <a:r>
+              <a:rPr lang="en-US" sz="3600" b="1" dirty="0">
+                <a:solidFill>
+                  <a:srgbClr val="660033"/>
+                </a:solidFill>
+              </a:rPr>
+              <a:t>( </a:t>
+            </a:r>
+            <a:r>
+              <a:rPr lang="en-US" sz="3600" b="1" dirty="0" smtClean="0">
+                <a:solidFill>
+                  <a:srgbClr val="660033"/>
+                </a:solidFill>
+              </a:rPr>
+              <a:t>2 </a:t>
+            </a:r>
+            <a:r>
+              <a:rPr lang="en-US" sz="3600" b="1" dirty="0">
+                <a:solidFill>
+                  <a:srgbClr val="660033"/>
+                </a:solidFill>
+              </a:rPr>
+              <a:t>)</a:t>
+            </a:r>
+            <a:endParaRPr lang="vi-VN" sz="3600" b="1" dirty="0">
+              <a:solidFill>
+                <a:srgbClr val="660033"/>
+              </a:solidFill>
+            </a:endParaRPr>
+          </a:p>
+        </p:txBody>
+      </p:sp>
+    </p:spTree>
+    <p:extLst>
+      <p:ext uri="{BB962C8B-B14F-4D97-AF65-F5344CB8AC3E}">
+        <p14:creationId xmlns:p14="http://schemas.microsoft.com/office/powerpoint/2010/main" val="2069798920"/>
+      </p:ext>
+    </p:extLst>
+  </p:cSld>
+  <p:clrMapOvr>
+    <a:masterClrMapping/>
+  </p:clrMapOvr>
+  <p:timing>
+    <p:tnLst>
+      <p:par>
+        <p:cTn id="1" dur="indefinite" restart="never" nodeType="tmRoot"/>
+      </p:par>
+    </p:tnLst>
+  </p:timing>
+</p:sld>
+</file>
+
+<file path=ppt/slides/slide8.xml><?xml version="1.0" encoding="utf-8"?>
+<p:sld xmlns:a="http://schemas.openxmlformats.org/drawingml/2006/main" xmlns:r="http://schemas.openxmlformats.org/officeDocument/2006/relationships" xmlns:p="http://schemas.openxmlformats.org/presentationml/2006/main">
+  <p:cSld>
+    <p:spTree>
+      <p:nvGrpSpPr>
+        <p:cNvPr id="1" name=""/>
+        <p:cNvGrpSpPr/>
+        <p:nvPr/>
+      </p:nvGrpSpPr>
+      <p:grpSpPr>
+        <a:xfrm>
+          <a:off x="0" y="0"/>
+          <a:ext cx="0" cy="0"/>
+          <a:chOff x="0" y="0"/>
+          <a:chExt cx="0" cy="0"/>
+        </a:xfrm>
+      </p:grpSpPr>
+      <p:sp>
+        <p:nvSpPr>
+          <p:cNvPr id="5" name="內容版面配置區 4"/>
+          <p:cNvSpPr>
+            <a:spLocks noGrp="1"/>
+          </p:cNvSpPr>
+          <p:nvPr>
+            <p:ph idx="1"/>
+          </p:nvPr>
+        </p:nvSpPr>
+        <p:spPr>
+          <a:xfrm>
+            <a:off x="0" y="1563639"/>
+            <a:ext cx="9144000" cy="1803647"/>
+          </a:xfrm>
+        </p:spPr>
+        <p:txBody>
+          <a:bodyPr anchor="ctr">
+            <a:normAutofit/>
+          </a:bodyPr>
+          <a:lstStyle/>
+          <a:p>
+            <a:pPr algn="ctr">
+              <a:buNone/>
+            </a:pPr>
+            <a:r>
+              <a:rPr lang="zh-TW" altLang="en-US" sz="4800" b="1" dirty="0">
+                <a:solidFill>
+                  <a:srgbClr val="660033"/>
+                </a:solidFill>
+                <a:latin typeface="微軟正黑體" pitchFamily="34" charset="-120"/>
+                <a:ea typeface="微軟正黑體" pitchFamily="34" charset="-120"/>
+              </a:rPr>
+              <a:t>塵世千萬憂</a:t>
+            </a:r>
+            <a:r>
+              <a:rPr lang="zh-TW" altLang="en-US" sz="4800" b="1" dirty="0" smtClean="0">
+                <a:solidFill>
+                  <a:srgbClr val="660033"/>
+                </a:solidFill>
+                <a:latin typeface="微軟正黑體" pitchFamily="34" charset="-120"/>
+                <a:ea typeface="微軟正黑體" pitchFamily="34" charset="-120"/>
+              </a:rPr>
+              <a:t>傷</a:t>
+            </a:r>
+            <a:endParaRPr lang="en-US" altLang="zh-TW" sz="4800" b="1" dirty="0" smtClean="0">
+              <a:solidFill>
+                <a:srgbClr val="660033"/>
+              </a:solidFill>
+              <a:latin typeface="微軟正黑體" pitchFamily="34" charset="-120"/>
+              <a:ea typeface="微軟正黑體" pitchFamily="34" charset="-120"/>
+            </a:endParaRPr>
+          </a:p>
+          <a:p>
+            <a:pPr algn="ctr">
+              <a:buNone/>
+            </a:pPr>
+            <a:r>
+              <a:rPr lang="zh-TW" altLang="en-US" sz="4800" b="1" dirty="0" smtClean="0">
+                <a:solidFill>
+                  <a:srgbClr val="660033"/>
+                </a:solidFill>
+                <a:latin typeface="微軟正黑體" pitchFamily="34" charset="-120"/>
+                <a:ea typeface="微軟正黑體" pitchFamily="34" charset="-120"/>
+              </a:rPr>
+              <a:t>一</a:t>
+            </a:r>
+            <a:r>
+              <a:rPr lang="zh-TW" altLang="en-US" sz="4800" b="1" dirty="0">
+                <a:solidFill>
+                  <a:srgbClr val="660033"/>
+                </a:solidFill>
+                <a:latin typeface="微軟正黑體" pitchFamily="34" charset="-120"/>
+                <a:ea typeface="微軟正黑體" pitchFamily="34" charset="-120"/>
+              </a:rPr>
+              <a:t>切經祂親嘗</a:t>
+            </a:r>
+            <a:endParaRPr lang="en-US" altLang="zh-TW" sz="4800" b="1" dirty="0">
+              <a:solidFill>
+                <a:srgbClr val="660033"/>
+              </a:solidFill>
+              <a:latin typeface="微軟正黑體" pitchFamily="34" charset="-120"/>
+              <a:ea typeface="微軟正黑體" pitchFamily="34" charset="-120"/>
+            </a:endParaRPr>
+          </a:p>
+        </p:txBody>
+      </p:sp>
+      <p:sp>
+        <p:nvSpPr>
+          <p:cNvPr id="3" name="TextBox 2"/>
+          <p:cNvSpPr txBox="1"/>
+          <p:nvPr/>
+        </p:nvSpPr>
+        <p:spPr>
+          <a:xfrm>
+            <a:off x="0" y="3795887"/>
+            <a:ext cx="9144000" cy="646331"/>
+          </a:xfrm>
+          <a:prstGeom prst="rect">
+            <a:avLst/>
+          </a:prstGeom>
+          <a:noFill/>
+        </p:spPr>
+        <p:txBody>
+          <a:bodyPr wrap="square" rtlCol="0">
+            <a:spAutoFit/>
+          </a:bodyPr>
+          <a:lstStyle/>
+          <a:p>
+            <a:pPr algn="ctr"/>
+            <a:r>
+              <a:rPr lang="en-US" sz="3600" b="1" dirty="0">
+                <a:solidFill>
+                  <a:srgbClr val="660033"/>
+                </a:solidFill>
+              </a:rPr>
+              <a:t>( </a:t>
+            </a:r>
+            <a:r>
+              <a:rPr lang="en-US" sz="3600" b="1" dirty="0" smtClean="0">
+                <a:solidFill>
+                  <a:srgbClr val="660033"/>
+                </a:solidFill>
+              </a:rPr>
+              <a:t>2 </a:t>
+            </a:r>
+            <a:r>
+              <a:rPr lang="en-US" sz="3600" b="1" dirty="0">
+                <a:solidFill>
+                  <a:srgbClr val="660033"/>
+                </a:solidFill>
+              </a:rPr>
+              <a:t>)</a:t>
+            </a:r>
+            <a:endParaRPr lang="vi-VN" sz="3600" b="1" dirty="0">
+              <a:solidFill>
+                <a:srgbClr val="660033"/>
+              </a:solidFill>
+            </a:endParaRPr>
+          </a:p>
+        </p:txBody>
+      </p:sp>
+    </p:spTree>
+    <p:extLst>
+      <p:ext uri="{BB962C8B-B14F-4D97-AF65-F5344CB8AC3E}">
+        <p14:creationId xmlns:p14="http://schemas.microsoft.com/office/powerpoint/2010/main" val="2435465757"/>
+      </p:ext>
+    </p:extLst>
+  </p:cSld>
+  <p:clrMapOvr>
+    <a:masterClrMapping/>
+  </p:clrMapOvr>
+  <p:timing>
+    <p:tnLst>
+      <p:par>
+        <p:cTn id="1" dur="indefinite" restart="never" nodeType="tmRoot"/>
+      </p:par>
+    </p:tnLst>
+  </p:timing>
+</p:sld>
+</file>
+
+<file path=ppt/slides/slide9.xml><?xml version="1.0" encoding="utf-8"?>
+<p:sld xmlns:a="http://schemas.openxmlformats.org/drawingml/2006/main" xmlns:r="http://schemas.openxmlformats.org/officeDocument/2006/relationships" xmlns:p="http://schemas.openxmlformats.org/presentationml/2006/main">
+  <p:cSld>
+    <p:spTree>
+      <p:nvGrpSpPr>
+        <p:cNvPr id="1" name=""/>
+        <p:cNvGrpSpPr/>
+        <p:nvPr/>
+      </p:nvGrpSpPr>
+      <p:grpSpPr>
+        <a:xfrm>
+          <a:off x="0" y="0"/>
+          <a:ext cx="0" cy="0"/>
+          <a:chOff x="0" y="0"/>
+          <a:chExt cx="0" cy="0"/>
+        </a:xfrm>
+      </p:grpSpPr>
+      <p:sp>
+        <p:nvSpPr>
+          <p:cNvPr id="5" name="內容版面配置區 4"/>
+          <p:cNvSpPr>
+            <a:spLocks noGrp="1"/>
+          </p:cNvSpPr>
+          <p:nvPr>
+            <p:ph idx="1"/>
+          </p:nvPr>
+        </p:nvSpPr>
+        <p:spPr>
+          <a:xfrm>
+            <a:off x="0" y="1563639"/>
+            <a:ext cx="9144000" cy="1803647"/>
+          </a:xfrm>
+        </p:spPr>
+        <p:txBody>
+          <a:bodyPr anchor="ctr">
+            <a:normAutofit/>
+          </a:bodyPr>
+          <a:lstStyle/>
+          <a:p>
+            <a:pPr algn="ctr">
+              <a:buNone/>
+            </a:pPr>
+            <a:r>
+              <a:rPr lang="zh-TW" altLang="en-US" sz="4800" b="1" dirty="0">
+                <a:solidFill>
+                  <a:srgbClr val="660033"/>
+                </a:solidFill>
+                <a:latin typeface="微軟正黑體" pitchFamily="34" charset="-120"/>
+                <a:ea typeface="微軟正黑體" pitchFamily="34" charset="-120"/>
+              </a:rPr>
+              <a:t>因祂決心擔負諸</a:t>
+            </a:r>
+            <a:r>
+              <a:rPr lang="zh-TW" altLang="en-US" sz="4800" b="1" dirty="0" smtClean="0">
+                <a:solidFill>
+                  <a:srgbClr val="660033"/>
+                </a:solidFill>
+                <a:latin typeface="微軟正黑體" pitchFamily="34" charset="-120"/>
+                <a:ea typeface="微軟正黑體" pitchFamily="34" charset="-120"/>
+              </a:rPr>
+              <a:t>累</a:t>
+            </a:r>
+            <a:endParaRPr lang="en-US" altLang="zh-TW" sz="4800" b="1" dirty="0" smtClean="0">
+              <a:solidFill>
+                <a:srgbClr val="660033"/>
+              </a:solidFill>
+              <a:latin typeface="微軟正黑體" pitchFamily="34" charset="-120"/>
+              <a:ea typeface="微軟正黑體" pitchFamily="34" charset="-120"/>
+            </a:endParaRPr>
+          </a:p>
+          <a:p>
+            <a:pPr algn="ctr">
+              <a:buNone/>
+            </a:pPr>
+            <a:r>
+              <a:rPr lang="zh-TW" altLang="en-US" sz="4800" b="1" dirty="0" smtClean="0">
+                <a:solidFill>
+                  <a:srgbClr val="660033"/>
+                </a:solidFill>
+                <a:latin typeface="微軟正黑體" pitchFamily="34" charset="-120"/>
+                <a:ea typeface="微軟正黑體" pitchFamily="34" charset="-120"/>
+              </a:rPr>
+              <a:t>群</a:t>
+            </a:r>
+            <a:r>
+              <a:rPr lang="zh-TW" altLang="en-US" sz="4800" b="1" dirty="0">
+                <a:solidFill>
+                  <a:srgbClr val="660033"/>
+                </a:solidFill>
+                <a:latin typeface="微軟正黑體" pitchFamily="34" charset="-120"/>
+                <a:ea typeface="微軟正黑體" pitchFamily="34" charset="-120"/>
+              </a:rPr>
+              <a:t>生得享安康</a:t>
+            </a:r>
+            <a:endParaRPr lang="zh-TW" altLang="en-US" sz="4800" b="1" dirty="0">
+              <a:solidFill>
+                <a:srgbClr val="660033"/>
+              </a:solidFill>
+              <a:latin typeface="微軟正黑體" pitchFamily="34" charset="-120"/>
+              <a:ea typeface="微軟正黑體" pitchFamily="34" charset="-120"/>
+            </a:endParaRPr>
+          </a:p>
+        </p:txBody>
+      </p:sp>
+      <p:sp>
+        <p:nvSpPr>
+          <p:cNvPr id="3" name="TextBox 2"/>
+          <p:cNvSpPr txBox="1"/>
+          <p:nvPr/>
+        </p:nvSpPr>
+        <p:spPr>
+          <a:xfrm>
+            <a:off x="0" y="3795887"/>
+            <a:ext cx="9144000" cy="646331"/>
+          </a:xfrm>
+          <a:prstGeom prst="rect">
+            <a:avLst/>
+          </a:prstGeom>
+          <a:noFill/>
+        </p:spPr>
+        <p:txBody>
+          <a:bodyPr wrap="square" rtlCol="0">
+            <a:spAutoFit/>
+          </a:bodyPr>
+          <a:lstStyle/>
+          <a:p>
+            <a:pPr algn="ctr"/>
+            <a:r>
+              <a:rPr lang="en-US" sz="3600" b="1" dirty="0">
+                <a:solidFill>
+                  <a:srgbClr val="660033"/>
+                </a:solidFill>
+              </a:rPr>
+              <a:t>( </a:t>
+            </a:r>
+            <a:r>
+              <a:rPr lang="en-US" sz="3600" b="1" dirty="0" smtClean="0">
+                <a:solidFill>
+                  <a:srgbClr val="660033"/>
+                </a:solidFill>
+              </a:rPr>
+              <a:t>2 </a:t>
+            </a:r>
+            <a:r>
+              <a:rPr lang="en-US" sz="3600" b="1" dirty="0">
+                <a:solidFill>
+                  <a:srgbClr val="660033"/>
+                </a:solidFill>
+              </a:rPr>
+              <a:t>)</a:t>
+            </a:r>
+            <a:endParaRPr lang="vi-VN" sz="3600" b="1" dirty="0">
+              <a:solidFill>
+                <a:srgbClr val="660033"/>
+              </a:solidFill>
+            </a:endParaRPr>
+          </a:p>
+        </p:txBody>
+      </p:sp>
+    </p:spTree>
+    <p:extLst>
+      <p:ext uri="{BB962C8B-B14F-4D97-AF65-F5344CB8AC3E}">
+        <p14:creationId xmlns:p14="http://schemas.microsoft.com/office/powerpoint/2010/main" val="4131206340"/>
+      </p:ext>
+    </p:extLst>
+  </p:cSld>
+  <p:clrMapOvr>
+    <a:masterClrMapping/>
+  </p:clrMapOvr>
+  <p:timing>
+    <p:tnLst>
+      <p:par>
+        <p:cTn id="1" dur="indefinite" restart="never" nodeType="tmRoot"/>
+      </p:par>
+    </p:tnLst>
+  </p:timing>
 </p:sld>
 </file>
 
